--- a/eece2160/sp18/lectures/eece.2160sp18_lec13_exam1preview.pptx
+++ b/eece2160/sp18/lectures/eece.2160sp18_lec13_exam1preview.pptx
@@ -5,27 +5,26 @@
     <p:sldMasterId id="2147483792" r:id="rId1"/>
   </p:sldMasterIdLst>
   <p:notesMasterIdLst>
-    <p:notesMasterId r:id="rId17"/>
+    <p:notesMasterId r:id="rId16"/>
   </p:notesMasterIdLst>
   <p:handoutMasterIdLst>
-    <p:handoutMasterId r:id="rId18"/>
+    <p:handoutMasterId r:id="rId17"/>
   </p:handoutMasterIdLst>
   <p:sldIdLst>
     <p:sldId id="256" r:id="rId2"/>
     <p:sldId id="422" r:id="rId3"/>
     <p:sldId id="564" r:id="rId4"/>
     <p:sldId id="576" r:id="rId5"/>
-    <p:sldId id="565" r:id="rId6"/>
-    <p:sldId id="566" r:id="rId7"/>
-    <p:sldId id="577" r:id="rId8"/>
-    <p:sldId id="578" r:id="rId9"/>
-    <p:sldId id="570" r:id="rId10"/>
-    <p:sldId id="571" r:id="rId11"/>
-    <p:sldId id="572" r:id="rId12"/>
-    <p:sldId id="579" r:id="rId13"/>
-    <p:sldId id="573" r:id="rId14"/>
-    <p:sldId id="574" r:id="rId15"/>
-    <p:sldId id="447" r:id="rId16"/>
+    <p:sldId id="566" r:id="rId6"/>
+    <p:sldId id="577" r:id="rId7"/>
+    <p:sldId id="578" r:id="rId8"/>
+    <p:sldId id="570" r:id="rId9"/>
+    <p:sldId id="571" r:id="rId10"/>
+    <p:sldId id="572" r:id="rId11"/>
+    <p:sldId id="579" r:id="rId12"/>
+    <p:sldId id="573" r:id="rId13"/>
+    <p:sldId id="574" r:id="rId14"/>
+    <p:sldId id="447" r:id="rId15"/>
   </p:sldIdLst>
   <p:sldSz cx="9144000" cy="6858000" type="screen4x3"/>
   <p:notesSz cx="9144000" cy="6858000"/>
@@ -545,7 +544,7 @@
             <a:tailEnd/>
           </a:ln>
           <a:extLst>
-            <a:ext uri="{909E8E84-426E-40dd-AFC4-6F175D3DCCD1}">
+            <a:ext uri="{909E8E84-426E-40DD-AFC4-6F175D3DCCD1}">
               <a14:hiddenFill xmlns:a14="http://schemas.microsoft.com/office/drawing/2010/main">
                 <a:solidFill>
                   <a:srgbClr val="FFFFFF"/>
@@ -553,7 +552,7 @@
               </a14:hiddenFill>
             </a:ext>
             <a:ext uri="{FAA26D3D-D897-4be2-8F04-BA451C77F1D7}">
-              <ma14:placeholderFlag xmlns:ma14="http://schemas.microsoft.com/office/mac/drawingml/2011/main" val="1"/>
+              <ma14:placeholderFlag xmlns:ma14="http://schemas.microsoft.com/office/mac/drawingml/2011/main" xmlns="" val="1"/>
             </a:ext>
           </a:extLst>
         </p:spPr>
@@ -892,14 +891,14 @@
           <a:noFill/>
           <a:ln/>
           <a:extLst>
-            <a:ext uri="{909E8E84-426E-40dd-AFC4-6F175D3DCCD1}">
+            <a:ext uri="{909E8E84-426E-40DD-AFC4-6F175D3DCCD1}">
               <a14:hiddenFill xmlns:a14="http://schemas.microsoft.com/office/drawing/2010/main">
                 <a:solidFill>
                   <a:srgbClr val="FFFFFF"/>
                 </a:solidFill>
               </a14:hiddenFill>
             </a:ext>
-            <a:ext uri="{91240B29-F687-4f45-9708-019B960494DF}">
+            <a:ext uri="{91240B29-F687-4F45-9708-019B960494DF}">
               <a14:hiddenLine xmlns:a14="http://schemas.microsoft.com/office/drawing/2010/main" w="9525">
                 <a:solidFill>
                   <a:srgbClr val="000000"/>
@@ -1068,14 +1067,14 @@
           <a:noFill/>
           <a:ln/>
           <a:extLst>
-            <a:ext uri="{909E8E84-426E-40dd-AFC4-6F175D3DCCD1}">
+            <a:ext uri="{909E8E84-426E-40DD-AFC4-6F175D3DCCD1}">
               <a14:hiddenFill xmlns:a14="http://schemas.microsoft.com/office/drawing/2010/main">
                 <a:solidFill>
                   <a:srgbClr val="FFFFFF"/>
                 </a:solidFill>
               </a14:hiddenFill>
             </a:ext>
-            <a:ext uri="{91240B29-F687-4f45-9708-019B960494DF}">
+            <a:ext uri="{91240B29-F687-4F45-9708-019B960494DF}">
               <a14:hiddenLine xmlns:a14="http://schemas.microsoft.com/office/drawing/2010/main" w="9525">
                 <a:solidFill>
                   <a:srgbClr val="000000"/>
@@ -1086,7 +1085,7 @@
               </a14:hiddenLine>
             </a:ext>
             <a:ext uri="{FAA26D3D-D897-4be2-8F04-BA451C77F1D7}">
-              <ma14:placeholderFlag xmlns:ma14="http://schemas.microsoft.com/office/mac/drawingml/2011/main" val="1"/>
+              <ma14:placeholderFlag xmlns:ma14="http://schemas.microsoft.com/office/mac/drawingml/2011/main" xmlns="" val="1"/>
             </a:ext>
           </a:extLst>
         </p:spPr>
@@ -1126,7 +1125,7 @@
       </p:grpSpPr>
       <p:sp>
         <p:nvSpPr>
-          <p:cNvPr id="22530" name="Rectangle 7"/>
+          <p:cNvPr id="23554" name="Rectangle 7"/>
           <p:cNvSpPr>
             <a:spLocks noGrp="1" noChangeArrowheads="1"/>
           </p:cNvSpPr>
@@ -1138,14 +1137,14 @@
           <a:noFill/>
           <a:ln/>
           <a:extLst>
-            <a:ext uri="{909E8E84-426E-40dd-AFC4-6F175D3DCCD1}">
+            <a:ext uri="{909E8E84-426E-40DD-AFC4-6F175D3DCCD1}">
               <a14:hiddenFill xmlns:a14="http://schemas.microsoft.com/office/drawing/2010/main">
                 <a:solidFill>
                   <a:srgbClr val="FFFFFF"/>
                 </a:solidFill>
               </a14:hiddenFill>
             </a:ext>
-            <a:ext uri="{91240B29-F687-4f45-9708-019B960494DF}">
+            <a:ext uri="{91240B29-F687-4F45-9708-019B960494DF}">
               <a14:hiddenLine xmlns:a14="http://schemas.microsoft.com/office/drawing/2010/main" w="9525">
                 <a:solidFill>
                   <a:srgbClr val="000000"/>
@@ -1277,7 +1276,7 @@
           </a:lstStyle>
           <a:p>
             <a:pPr eaLnBrk="1" hangingPunct="1"/>
-            <a:fld id="{66B7A9D6-3F73-1341-A921-35EBAE5FE732}" type="slidenum">
+            <a:fld id="{40C985C2-9357-5F44-AE3E-CC0F8524E399}" type="slidenum">
               <a:rPr lang="en-US"/>
               <a:pPr eaLnBrk="1" hangingPunct="1"/>
               <a:t>5</a:t>
@@ -1288,7 +1287,7 @@
       </p:sp>
       <p:sp>
         <p:nvSpPr>
-          <p:cNvPr id="22531" name="Rectangle 2"/>
+          <p:cNvPr id="23555" name="Rectangle 2"/>
           <p:cNvSpPr>
             <a:spLocks noGrp="1" noRot="1" noChangeAspect="1" noChangeArrowheads="1" noTextEdit="1"/>
           </p:cNvSpPr>
@@ -1302,7 +1301,7 @@
       </p:sp>
       <p:sp>
         <p:nvSpPr>
-          <p:cNvPr id="22532" name="Rectangle 3"/>
+          <p:cNvPr id="23556" name="Rectangle 3"/>
           <p:cNvSpPr>
             <a:spLocks noGrp="1" noChangeArrowheads="1"/>
           </p:cNvSpPr>
@@ -1314,14 +1313,14 @@
           <a:noFill/>
           <a:ln/>
           <a:extLst>
-            <a:ext uri="{909E8E84-426E-40dd-AFC4-6F175D3DCCD1}">
+            <a:ext uri="{909E8E84-426E-40DD-AFC4-6F175D3DCCD1}">
               <a14:hiddenFill xmlns:a14="http://schemas.microsoft.com/office/drawing/2010/main">
                 <a:solidFill>
                   <a:srgbClr val="FFFFFF"/>
                 </a:solidFill>
               </a14:hiddenFill>
             </a:ext>
-            <a:ext uri="{91240B29-F687-4f45-9708-019B960494DF}">
+            <a:ext uri="{91240B29-F687-4F45-9708-019B960494DF}">
               <a14:hiddenLine xmlns:a14="http://schemas.microsoft.com/office/drawing/2010/main" w="9525">
                 <a:solidFill>
                   <a:srgbClr val="000000"/>
@@ -1332,253 +1331,7 @@
               </a14:hiddenLine>
             </a:ext>
             <a:ext uri="{FAA26D3D-D897-4be2-8F04-BA451C77F1D7}">
-              <ma14:placeholderFlag xmlns:ma14="http://schemas.microsoft.com/office/mac/drawingml/2011/main" val="1"/>
-            </a:ext>
-          </a:extLst>
-        </p:spPr>
-        <p:txBody>
-          <a:bodyPr/>
-          <a:lstStyle/>
-          <a:p>
-            <a:pPr eaLnBrk="1" hangingPunct="1"/>
-            <a:endParaRPr lang="en-US"/>
-          </a:p>
-        </p:txBody>
-      </p:sp>
-    </p:spTree>
-  </p:cSld>
-  <p:clrMapOvr>
-    <a:masterClrMapping/>
-  </p:clrMapOvr>
-</p:notes>
-</file>
-
-<file path=ppt/notesSlides/notesSlide3.xml><?xml version="1.0" encoding="utf-8"?>
-<p:notes xmlns:a="http://schemas.openxmlformats.org/drawingml/2006/main" xmlns:r="http://schemas.openxmlformats.org/officeDocument/2006/relationships" xmlns:p="http://schemas.openxmlformats.org/presentationml/2006/main">
-  <p:cSld>
-    <p:spTree>
-      <p:nvGrpSpPr>
-        <p:cNvPr id="1" name=""/>
-        <p:cNvGrpSpPr/>
-        <p:nvPr/>
-      </p:nvGrpSpPr>
-      <p:grpSpPr>
-        <a:xfrm>
-          <a:off x="0" y="0"/>
-          <a:ext cx="0" cy="0"/>
-          <a:chOff x="0" y="0"/>
-          <a:chExt cx="0" cy="0"/>
-        </a:xfrm>
-      </p:grpSpPr>
-      <p:sp>
-        <p:nvSpPr>
-          <p:cNvPr id="23554" name="Rectangle 7"/>
-          <p:cNvSpPr>
-            <a:spLocks noGrp="1" noChangeArrowheads="1"/>
-          </p:cNvSpPr>
-          <p:nvPr>
-            <p:ph type="sldNum" sz="quarter" idx="5"/>
-          </p:nvPr>
-        </p:nvSpPr>
-        <p:spPr>
-          <a:noFill/>
-          <a:ln/>
-          <a:extLst>
-            <a:ext uri="{909E8E84-426E-40dd-AFC4-6F175D3DCCD1}">
-              <a14:hiddenFill xmlns:a14="http://schemas.microsoft.com/office/drawing/2010/main">
-                <a:solidFill>
-                  <a:srgbClr val="FFFFFF"/>
-                </a:solidFill>
-              </a14:hiddenFill>
-            </a:ext>
-            <a:ext uri="{91240B29-F687-4f45-9708-019B960494DF}">
-              <a14:hiddenLine xmlns:a14="http://schemas.microsoft.com/office/drawing/2010/main" w="9525">
-                <a:solidFill>
-                  <a:srgbClr val="000000"/>
-                </a:solidFill>
-                <a:miter lim="800000"/>
-                <a:headEnd/>
-                <a:tailEnd/>
-              </a14:hiddenLine>
-            </a:ext>
-          </a:extLst>
-        </p:spPr>
-        <p:txBody>
-          <a:bodyPr/>
-          <a:lstStyle>
-            <a:lvl1pPr eaLnBrk="0" hangingPunct="0">
-              <a:defRPr>
-                <a:solidFill>
-                  <a:schemeClr val="tx1"/>
-                </a:solidFill>
-                <a:latin typeface="Arial" charset="0"/>
-                <a:ea typeface="ＭＳ Ｐゴシック" charset="0"/>
-                <a:cs typeface="Arial" charset="0"/>
-              </a:defRPr>
-            </a:lvl1pPr>
-            <a:lvl2pPr marL="742950" indent="-285750" eaLnBrk="0" hangingPunct="0">
-              <a:defRPr>
-                <a:solidFill>
-                  <a:schemeClr val="tx1"/>
-                </a:solidFill>
-                <a:latin typeface="Arial" charset="0"/>
-                <a:ea typeface="Arial" charset="0"/>
-                <a:cs typeface="Arial" charset="0"/>
-              </a:defRPr>
-            </a:lvl2pPr>
-            <a:lvl3pPr marL="1143000" indent="-228600" eaLnBrk="0" hangingPunct="0">
-              <a:defRPr>
-                <a:solidFill>
-                  <a:schemeClr val="tx1"/>
-                </a:solidFill>
-                <a:latin typeface="Arial" charset="0"/>
-                <a:ea typeface="Arial" charset="0"/>
-                <a:cs typeface="Arial" charset="0"/>
-              </a:defRPr>
-            </a:lvl3pPr>
-            <a:lvl4pPr marL="1600200" indent="-228600" eaLnBrk="0" hangingPunct="0">
-              <a:defRPr>
-                <a:solidFill>
-                  <a:schemeClr val="tx1"/>
-                </a:solidFill>
-                <a:latin typeface="Arial" charset="0"/>
-                <a:ea typeface="Arial" charset="0"/>
-                <a:cs typeface="Arial" charset="0"/>
-              </a:defRPr>
-            </a:lvl4pPr>
-            <a:lvl5pPr marL="2057400" indent="-228600" eaLnBrk="0" hangingPunct="0">
-              <a:defRPr>
-                <a:solidFill>
-                  <a:schemeClr val="tx1"/>
-                </a:solidFill>
-                <a:latin typeface="Arial" charset="0"/>
-                <a:ea typeface="Arial" charset="0"/>
-                <a:cs typeface="Arial" charset="0"/>
-              </a:defRPr>
-            </a:lvl5pPr>
-            <a:lvl6pPr marL="2514600" indent="-228600" eaLnBrk="0" fontAlgn="base" hangingPunct="0">
-              <a:spcBef>
-                <a:spcPct val="0"/>
-              </a:spcBef>
-              <a:spcAft>
-                <a:spcPct val="0"/>
-              </a:spcAft>
-              <a:defRPr>
-                <a:solidFill>
-                  <a:schemeClr val="tx1"/>
-                </a:solidFill>
-                <a:latin typeface="Arial" charset="0"/>
-                <a:ea typeface="Arial" charset="0"/>
-                <a:cs typeface="Arial" charset="0"/>
-              </a:defRPr>
-            </a:lvl6pPr>
-            <a:lvl7pPr marL="2971800" indent="-228600" eaLnBrk="0" fontAlgn="base" hangingPunct="0">
-              <a:spcBef>
-                <a:spcPct val="0"/>
-              </a:spcBef>
-              <a:spcAft>
-                <a:spcPct val="0"/>
-              </a:spcAft>
-              <a:defRPr>
-                <a:solidFill>
-                  <a:schemeClr val="tx1"/>
-                </a:solidFill>
-                <a:latin typeface="Arial" charset="0"/>
-                <a:ea typeface="Arial" charset="0"/>
-                <a:cs typeface="Arial" charset="0"/>
-              </a:defRPr>
-            </a:lvl7pPr>
-            <a:lvl8pPr marL="3429000" indent="-228600" eaLnBrk="0" fontAlgn="base" hangingPunct="0">
-              <a:spcBef>
-                <a:spcPct val="0"/>
-              </a:spcBef>
-              <a:spcAft>
-                <a:spcPct val="0"/>
-              </a:spcAft>
-              <a:defRPr>
-                <a:solidFill>
-                  <a:schemeClr val="tx1"/>
-                </a:solidFill>
-                <a:latin typeface="Arial" charset="0"/>
-                <a:ea typeface="Arial" charset="0"/>
-                <a:cs typeface="Arial" charset="0"/>
-              </a:defRPr>
-            </a:lvl8pPr>
-            <a:lvl9pPr marL="3886200" indent="-228600" eaLnBrk="0" fontAlgn="base" hangingPunct="0">
-              <a:spcBef>
-                <a:spcPct val="0"/>
-              </a:spcBef>
-              <a:spcAft>
-                <a:spcPct val="0"/>
-              </a:spcAft>
-              <a:defRPr>
-                <a:solidFill>
-                  <a:schemeClr val="tx1"/>
-                </a:solidFill>
-                <a:latin typeface="Arial" charset="0"/>
-                <a:ea typeface="Arial" charset="0"/>
-                <a:cs typeface="Arial" charset="0"/>
-              </a:defRPr>
-            </a:lvl9pPr>
-          </a:lstStyle>
-          <a:p>
-            <a:pPr eaLnBrk="1" hangingPunct="1"/>
-            <a:fld id="{40C985C2-9357-5F44-AE3E-CC0F8524E399}" type="slidenum">
-              <a:rPr lang="en-US"/>
-              <a:pPr eaLnBrk="1" hangingPunct="1"/>
-              <a:t>6</a:t>
-            </a:fld>
-            <a:endParaRPr lang="en-US"/>
-          </a:p>
-        </p:txBody>
-      </p:sp>
-      <p:sp>
-        <p:nvSpPr>
-          <p:cNvPr id="23555" name="Rectangle 2"/>
-          <p:cNvSpPr>
-            <a:spLocks noGrp="1" noRot="1" noChangeAspect="1" noChangeArrowheads="1" noTextEdit="1"/>
-          </p:cNvSpPr>
-          <p:nvPr>
-            <p:ph type="sldImg"/>
-          </p:nvPr>
-        </p:nvSpPr>
-        <p:spPr>
-          <a:ln/>
-        </p:spPr>
-      </p:sp>
-      <p:sp>
-        <p:nvSpPr>
-          <p:cNvPr id="23556" name="Rectangle 3"/>
-          <p:cNvSpPr>
-            <a:spLocks noGrp="1" noChangeArrowheads="1"/>
-          </p:cNvSpPr>
-          <p:nvPr>
-            <p:ph type="body" idx="1"/>
-          </p:nvPr>
-        </p:nvSpPr>
-        <p:spPr>
-          <a:noFill/>
-          <a:ln/>
-          <a:extLst>
-            <a:ext uri="{909E8E84-426E-40dd-AFC4-6F175D3DCCD1}">
-              <a14:hiddenFill xmlns:a14="http://schemas.microsoft.com/office/drawing/2010/main">
-                <a:solidFill>
-                  <a:srgbClr val="FFFFFF"/>
-                </a:solidFill>
-              </a14:hiddenFill>
-            </a:ext>
-            <a:ext uri="{91240B29-F687-4f45-9708-019B960494DF}">
-              <a14:hiddenLine xmlns:a14="http://schemas.microsoft.com/office/drawing/2010/main" w="9525">
-                <a:solidFill>
-                  <a:srgbClr val="000000"/>
-                </a:solidFill>
-                <a:miter lim="800000"/>
-                <a:headEnd/>
-                <a:tailEnd/>
-              </a14:hiddenLine>
-            </a:ext>
-            <a:ext uri="{FAA26D3D-D897-4be2-8F04-BA451C77F1D7}">
-              <ma14:placeholderFlag xmlns:ma14="http://schemas.microsoft.com/office/mac/drawingml/2011/main" val="1"/>
+              <ma14:placeholderFlag xmlns:ma14="http://schemas.microsoft.com/office/mac/drawingml/2011/main" xmlns="" val="1"/>
             </a:ext>
           </a:extLst>
         </p:spPr>
@@ -1680,7 +1433,7 @@
             <a:tailEnd/>
           </a:ln>
           <a:extLst>
-            <a:ext uri="{909E8E84-426E-40dd-AFC4-6F175D3DCCD1}">
+            <a:ext uri="{909E8E84-426E-40DD-AFC4-6F175D3DCCD1}">
               <a14:hiddenFill xmlns:a14="http://schemas.microsoft.com/office/drawing/2010/main">
                 <a:solidFill>
                   <a:srgbClr val="FFFFFF"/>
@@ -1723,7 +1476,7 @@
             <a:tailEnd/>
           </a:ln>
           <a:extLst>
-            <a:ext uri="{909E8E84-426E-40dd-AFC4-6F175D3DCCD1}">
+            <a:ext uri="{909E8E84-426E-40DD-AFC4-6F175D3DCCD1}">
               <a14:hiddenFill xmlns:a14="http://schemas.microsoft.com/office/drawing/2010/main">
                 <a:noFill/>
               </a14:hiddenFill>
@@ -1823,7 +1576,7 @@
           <a:p>
             <a:fld id="{AADD0463-A7EB-1849-9BFC-E27332BDD972}" type="datetime1">
               <a:rPr lang="en-US" smtClean="0"/>
-              <a:t>2/20/18</a:t>
+              <a:t>2/21/2018</a:t>
             </a:fld>
             <a:endParaRPr lang="en-US"/>
           </a:p>
@@ -2019,7 +1772,7 @@
           <a:p>
             <a:fld id="{BCAD690C-0EE7-6048-AAD6-7EB5EC3AA56D}" type="datetime1">
               <a:rPr lang="en-US" smtClean="0"/>
-              <a:t>2/20/18</a:t>
+              <a:t>2/21/2018</a:t>
             </a:fld>
             <a:endParaRPr lang="en-US"/>
           </a:p>
@@ -2224,7 +1977,7 @@
           <a:p>
             <a:fld id="{DC13270D-69C3-9140-93B0-F8917D89CFAA}" type="datetime1">
               <a:rPr lang="en-US" smtClean="0"/>
-              <a:t>2/20/18</a:t>
+              <a:t>2/21/2018</a:t>
             </a:fld>
             <a:endParaRPr lang="en-US"/>
           </a:p>
@@ -2486,7 +2239,7 @@
           <a:p>
             <a:fld id="{CAB6791D-D244-9A4C-B46E-8B534B4C9878}" type="datetime1">
               <a:rPr lang="en-US" smtClean="0"/>
-              <a:t>2/20/18</a:t>
+              <a:t>2/21/2018</a:t>
             </a:fld>
             <a:endParaRPr lang="en-US"/>
           </a:p>
@@ -2748,7 +2501,7 @@
           <a:p>
             <a:fld id="{D8DCA3E4-A8E8-E14C-8001-1EE8BE84065C}" type="datetime1">
               <a:rPr lang="en-US" smtClean="0"/>
-              <a:t>2/20/18</a:t>
+              <a:t>2/21/2018</a:t>
             </a:fld>
             <a:endParaRPr lang="en-US"/>
           </a:p>
@@ -2924,7 +2677,7 @@
           <a:p>
             <a:fld id="{4B059708-6B7A-8549-A4DB-4873674D67A7}" type="datetime1">
               <a:rPr lang="en-US" smtClean="0"/>
-              <a:t>2/20/18</a:t>
+              <a:t>2/21/2018</a:t>
             </a:fld>
             <a:endParaRPr lang="en-US"/>
           </a:p>
@@ -3120,7 +2873,7 @@
           <a:p>
             <a:fld id="{3486BEE0-43C2-8A48-B9E8-D618D1F4660E}" type="datetime1">
               <a:rPr lang="en-US" smtClean="0"/>
-              <a:t>2/20/18</a:t>
+              <a:t>2/21/2018</a:t>
             </a:fld>
             <a:endParaRPr lang="en-US"/>
           </a:p>
@@ -3337,7 +3090,7 @@
           <a:p>
             <a:fld id="{F05820B0-C643-A441-8632-5F7CB4B9C2D1}" type="datetime1">
               <a:rPr lang="en-US" smtClean="0"/>
-              <a:t>2/20/18</a:t>
+              <a:t>2/21/2018</a:t>
             </a:fld>
             <a:endParaRPr lang="en-US"/>
           </a:p>
@@ -3650,7 +3403,7 @@
           <a:p>
             <a:fld id="{BEC45909-50B0-724D-BB17-D2830734F428}" type="datetime1">
               <a:rPr lang="en-US" smtClean="0"/>
-              <a:t>2/20/18</a:t>
+              <a:t>2/21/2018</a:t>
             </a:fld>
             <a:endParaRPr lang="en-US"/>
           </a:p>
@@ -4102,7 +3855,7 @@
           <a:p>
             <a:fld id="{8D8A46C3-682F-6149-AF4C-93A127520CD0}" type="datetime1">
               <a:rPr lang="en-US" smtClean="0"/>
-              <a:t>2/20/18</a:t>
+              <a:t>2/21/2018</a:t>
             </a:fld>
             <a:endParaRPr lang="en-US"/>
           </a:p>
@@ -4245,7 +3998,7 @@
           <a:p>
             <a:fld id="{DD0F3512-D834-CF4A-9503-AE36848DABFC}" type="datetime1">
               <a:rPr lang="en-US" smtClean="0"/>
-              <a:t>2/20/18</a:t>
+              <a:t>2/21/2018</a:t>
             </a:fld>
             <a:endParaRPr lang="en-US"/>
           </a:p>
@@ -4365,7 +4118,7 @@
           <a:p>
             <a:fld id="{22990F31-4045-E248-94B3-EDCCF7E8FF9A}" type="datetime1">
               <a:rPr lang="en-US" smtClean="0"/>
-              <a:t>2/20/18</a:t>
+              <a:t>2/21/2018</a:t>
             </a:fld>
             <a:endParaRPr lang="en-US"/>
           </a:p>
@@ -4667,7 +4420,7 @@
           <a:p>
             <a:fld id="{CA8EE79B-875F-1740-91E7-A06C0CA58ECF}" type="datetime1">
               <a:rPr lang="en-US" smtClean="0"/>
-              <a:t>2/20/18</a:t>
+              <a:t>2/21/2018</a:t>
             </a:fld>
             <a:endParaRPr lang="en-US"/>
           </a:p>
@@ -4946,7 +4699,7 @@
           <a:p>
             <a:fld id="{77D98474-1D87-AD45-BF0A-3172DAC16D04}" type="datetime1">
               <a:rPr lang="en-US" smtClean="0"/>
-              <a:t>2/20/18</a:t>
+              <a:t>2/21/2018</a:t>
             </a:fld>
             <a:endParaRPr lang="en-US"/>
           </a:p>
@@ -5074,14 +4827,14 @@
             <a:noFill/>
           </a:ln>
           <a:extLst>
-            <a:ext uri="{909E8E84-426E-40dd-AFC4-6F175D3DCCD1}">
+            <a:ext uri="{909E8E84-426E-40DD-AFC4-6F175D3DCCD1}">
               <a14:hiddenFill xmlns:a14="http://schemas.microsoft.com/office/drawing/2010/main">
                 <a:solidFill>
                   <a:srgbClr val="FFFFFF"/>
                 </a:solidFill>
               </a14:hiddenFill>
             </a:ext>
-            <a:ext uri="{91240B29-F687-4f45-9708-019B960494DF}">
+            <a:ext uri="{91240B29-F687-4F45-9708-019B960494DF}">
               <a14:hiddenLine xmlns:a14="http://schemas.microsoft.com/office/drawing/2010/main" w="9525">
                 <a:solidFill>
                   <a:srgbClr val="000000"/>
@@ -5092,7 +4845,7 @@
               </a14:hiddenLine>
             </a:ext>
             <a:ext uri="{FAA26D3D-D897-4be2-8F04-BA451C77F1D7}">
-              <ma14:placeholderFlag xmlns:ma14="http://schemas.microsoft.com/office/mac/drawingml/2011/main" val="1"/>
+              <ma14:placeholderFlag xmlns:ma14="http://schemas.microsoft.com/office/mac/drawingml/2011/main" xmlns="" val="1"/>
             </a:ext>
           </a:extLst>
         </p:spPr>
@@ -5135,14 +4888,14 @@
             <a:noFill/>
           </a:ln>
           <a:extLst>
-            <a:ext uri="{909E8E84-426E-40dd-AFC4-6F175D3DCCD1}">
+            <a:ext uri="{909E8E84-426E-40DD-AFC4-6F175D3DCCD1}">
               <a14:hiddenFill xmlns:a14="http://schemas.microsoft.com/office/drawing/2010/main">
                 <a:solidFill>
                   <a:srgbClr val="FFFFFF"/>
                 </a:solidFill>
               </a14:hiddenFill>
             </a:ext>
-            <a:ext uri="{91240B29-F687-4f45-9708-019B960494DF}">
+            <a:ext uri="{91240B29-F687-4F45-9708-019B960494DF}">
               <a14:hiddenLine xmlns:a14="http://schemas.microsoft.com/office/drawing/2010/main" w="9525">
                 <a:solidFill>
                   <a:srgbClr val="000000"/>
@@ -5153,7 +4906,7 @@
               </a14:hiddenLine>
             </a:ext>
             <a:ext uri="{FAA26D3D-D897-4be2-8F04-BA451C77F1D7}">
-              <ma14:placeholderFlag xmlns:ma14="http://schemas.microsoft.com/office/mac/drawingml/2011/main" val="1"/>
+              <ma14:placeholderFlag xmlns:ma14="http://schemas.microsoft.com/office/mac/drawingml/2011/main" xmlns="" val="1"/>
             </a:ext>
           </a:extLst>
         </p:spPr>
@@ -5244,7 +4997,7 @@
           <a:p>
             <a:fld id="{7AF9A5F9-95CB-1048-93C2-7F2049D6D863}" type="datetime1">
               <a:rPr lang="en-US" smtClean="0"/>
-              <a:t>2/20/18</a:t>
+              <a:t>2/21/2018</a:t>
             </a:fld>
             <a:endParaRPr lang="en-US"/>
           </a:p>
@@ -5417,7 +5170,7 @@
             <a:tailEnd/>
           </a:ln>
           <a:extLst>
-            <a:ext uri="{909E8E84-426E-40dd-AFC4-6F175D3DCCD1}">
+            <a:ext uri="{909E8E84-426E-40DD-AFC4-6F175D3DCCD1}">
               <a14:hiddenFill xmlns:a14="http://schemas.microsoft.com/office/drawing/2010/main">
                 <a:solidFill>
                   <a:srgbClr val="FFFFFF"/>
@@ -5460,7 +5213,7 @@
             <a:tailEnd/>
           </a:ln>
           <a:extLst>
-            <a:ext uri="{909E8E84-426E-40dd-AFC4-6F175D3DCCD1}">
+            <a:ext uri="{909E8E84-426E-40DD-AFC4-6F175D3DCCD1}">
               <a14:hiddenFill xmlns:a14="http://schemas.microsoft.com/office/drawing/2010/main">
                 <a:noFill/>
               </a14:hiddenFill>
@@ -5497,7 +5250,7 @@
   <p:timing>
     <p:tnLst>
       <p:par>
-        <p:cTn xmlns:p14="http://schemas.microsoft.com/office/powerpoint/2010/main" id="1" dur="indefinite" restart="never" nodeType="tmRoot"/>
+        <p:cTn id="1" dur="indefinite" restart="never" nodeType="tmRoot"/>
       </p:par>
     </p:tnLst>
   </p:timing>
@@ -6137,7 +5890,7 @@
   <p:timing>
     <p:tnLst>
       <p:par>
-        <p:cTn xmlns:p14="http://schemas.microsoft.com/office/powerpoint/2010/main" id="1" dur="indefinite" restart="never" nodeType="tmRoot"/>
+        <p:cTn id="1" dur="indefinite" restart="never" nodeType="tmRoot"/>
       </p:par>
     </p:tnLst>
   </p:timing>
@@ -6163,7 +5916,7 @@
       </p:grpSpPr>
       <p:sp>
         <p:nvSpPr>
-          <p:cNvPr id="14338" name="Title 1"/>
+          <p:cNvPr id="15362" name="Title 1"/>
           <p:cNvSpPr>
             <a:spLocks noGrp="1"/>
           </p:cNvSpPr>
@@ -6171,7 +5924,12 @@
             <p:ph type="title"/>
           </p:nvPr>
         </p:nvSpPr>
-        <p:spPr/>
+        <p:spPr>
+          <a:xfrm>
+            <a:off x="457200" y="152400"/>
+            <a:ext cx="8229600" cy="712788"/>
+          </a:xfrm>
+        </p:spPr>
         <p:txBody>
           <a:bodyPr/>
           <a:lstStyle/>
@@ -6180,14 +5938,14 @@
               <a:rPr lang="en-US">
                 <a:latin typeface="Garamond" charset="0"/>
               </a:rPr>
-              <a:t>Review: Operators and statements</a:t>
-            </a:r>
-          </a:p>
-        </p:txBody>
-      </p:sp>
-      <p:sp>
-        <p:nvSpPr>
-          <p:cNvPr id="14339" name="Content Placeholder 2"/>
+              <a:t>Review: if statements</a:t>
+            </a:r>
+          </a:p>
+        </p:txBody>
+      </p:sp>
+      <p:sp>
+        <p:nvSpPr>
+          <p:cNvPr id="3" name="Content Placeholder 2"/>
           <p:cNvSpPr>
             <a:spLocks noGrp="1"/>
           </p:cNvSpPr>
@@ -6195,84 +5953,323 @@
             <p:ph idx="1"/>
           </p:nvPr>
         </p:nvSpPr>
-        <p:spPr/>
-        <p:txBody>
-          <a:bodyPr/>
+        <p:spPr>
+          <a:xfrm>
+            <a:off x="457200" y="838200"/>
+            <a:ext cx="8229600" cy="5334000"/>
+          </a:xfrm>
+        </p:spPr>
+        <p:txBody>
+          <a:bodyPr>
+            <a:normAutofit fontScale="85000" lnSpcReduction="20000"/>
+          </a:bodyPr>
           <a:lstStyle/>
           <a:p>
-            <a:r>
-              <a:rPr lang="en-US">
-                <a:latin typeface="Arial" charset="0"/>
-              </a:rPr>
-              <a:t>Operators can be used either with constants or variables</a:t>
-            </a:r>
-          </a:p>
-          <a:p>
-            <a:r>
-              <a:rPr lang="en-US">
-                <a:latin typeface="Arial" charset="0"/>
-              </a:rPr>
-              <a:t>More complex statements are allowed</a:t>
-            </a:r>
-          </a:p>
-          <a:p>
-            <a:pPr lvl="1"/>
-            <a:r>
-              <a:rPr lang="en-US">
-                <a:latin typeface="Arial" charset="0"/>
-              </a:rPr>
-              <a:t>e.g. x = 1 + 2 - 3;</a:t>
-            </a:r>
-          </a:p>
-          <a:p>
-            <a:r>
-              <a:rPr lang="en-US">
-                <a:latin typeface="Arial" charset="0"/>
-              </a:rPr>
-              <a:t>Parentheses help you prioritize parts of statement</a:t>
-            </a:r>
-          </a:p>
-          <a:p>
-            <a:pPr lvl="1"/>
-            <a:r>
-              <a:rPr lang="en-US">
-                <a:latin typeface="Arial" charset="0"/>
-              </a:rPr>
-              <a:t>Makes difference with order of operations</a:t>
-            </a:r>
-          </a:p>
-          <a:p>
-            <a:pPr lvl="1"/>
-            <a:r>
-              <a:rPr lang="en-US">
-                <a:latin typeface="Arial" charset="0"/>
-              </a:rPr>
-              <a:t>x = 1 + 2 * 3</a:t>
+            <a:pPr>
+              <a:buFont typeface="Wingdings" pitchFamily="2" charset="2"/>
+              <a:buChar char="n"/>
+              <a:defRPr/>
+            </a:pPr>
+            <a:r>
+              <a:rPr lang="en-US" dirty="0" smtClean="0">
+                <a:ea typeface="+mn-ea"/>
+              </a:rPr>
+              <a:t>Conditional execution using </a:t>
+            </a:r>
+            <a:r>
+              <a:rPr lang="en-US" dirty="0" smtClean="0">
+                <a:solidFill>
+                  <a:srgbClr val="FF0000"/>
+                </a:solidFill>
+                <a:latin typeface="Courier New" pitchFamily="49" charset="0"/>
+                <a:ea typeface="+mn-ea"/>
+                <a:cs typeface="Courier New" pitchFamily="49" charset="0"/>
+              </a:rPr>
+              <a:t>if </a:t>
+            </a:r>
+            <a:r>
+              <a:rPr lang="en-US" dirty="0" smtClean="0">
+                <a:solidFill>
+                  <a:srgbClr val="FF0000"/>
+                </a:solidFill>
+                <a:ea typeface="+mn-ea"/>
+              </a:rPr>
+              <a:t>statements</a:t>
+            </a:r>
+            <a:r>
+              <a:rPr lang="en-US" dirty="0" smtClean="0">
+                <a:ea typeface="+mn-ea"/>
+              </a:rPr>
+              <a:t>:</a:t>
             </a:r>
           </a:p>
           <a:p>
             <a:pPr lvl="1">
-              <a:buFont typeface="Wingdings" charset="0"/>
+              <a:buFont typeface="Wingdings" pitchFamily="2" charset="2"/>
+              <a:buChar char="q"/>
+              <a:defRPr/>
+            </a:pPr>
+            <a:r>
+              <a:rPr lang="en-US" dirty="0" smtClean="0"/>
+              <a:t>Form: </a:t>
+            </a:r>
+          </a:p>
+          <a:p>
+            <a:pPr lvl="1">
+              <a:buFont typeface="Wingdings" pitchFamily="2" charset="2"/>
               <a:buNone/>
+              <a:defRPr/>
             </a:pPr>
             <a:r>
-              <a:rPr lang="en-US">
-                <a:latin typeface="Arial" charset="0"/>
-              </a:rPr>
-              <a:t>			is different than</a:t>
+              <a:rPr lang="en-US" dirty="0" smtClean="0"/>
+              <a:t>	</a:t>
+            </a:r>
+            <a:r>
+              <a:rPr lang="en-US" dirty="0" smtClean="0">
+                <a:latin typeface="Courier New" pitchFamily="49" charset="0"/>
+                <a:cs typeface="Courier New" pitchFamily="49" charset="0"/>
+              </a:rPr>
+              <a:t>if (&lt;expression&gt;)</a:t>
             </a:r>
           </a:p>
           <a:p>
             <a:pPr lvl="1">
-              <a:buFont typeface="Wingdings" charset="0"/>
+              <a:buFont typeface="Wingdings" pitchFamily="2" charset="2"/>
               <a:buNone/>
+              <a:defRPr/>
             </a:pPr>
             <a:r>
-              <a:rPr lang="en-US">
-                <a:latin typeface="Arial" charset="0"/>
-              </a:rPr>
-              <a:t>	x = (1 + 2) * 3</a:t>
-            </a:r>
+              <a:rPr lang="en-US" dirty="0" smtClean="0">
+                <a:latin typeface="Courier New" pitchFamily="49" charset="0"/>
+                <a:cs typeface="Courier New" pitchFamily="49" charset="0"/>
+              </a:rPr>
+              <a:t>			&lt;statement&gt;</a:t>
+            </a:r>
+          </a:p>
+          <a:p>
+            <a:pPr lvl="1">
+              <a:buFont typeface="Wingdings" pitchFamily="2" charset="2"/>
+              <a:buNone/>
+              <a:defRPr/>
+            </a:pPr>
+            <a:r>
+              <a:rPr lang="en-US" dirty="0" smtClean="0">
+                <a:latin typeface="Courier New" pitchFamily="49" charset="0"/>
+                <a:cs typeface="Courier New" pitchFamily="49" charset="0"/>
+              </a:rPr>
+              <a:t>	[ else				</a:t>
+            </a:r>
+            <a:r>
+              <a:rPr lang="en-US" i="1" dirty="0" smtClean="0">
+                <a:solidFill>
+                  <a:srgbClr val="FF0000"/>
+                </a:solidFill>
+                <a:cs typeface="Courier New" pitchFamily="49" charset="0"/>
+              </a:rPr>
+              <a:t>brackets show</a:t>
+            </a:r>
+            <a:endParaRPr lang="en-US" i="1" dirty="0" smtClean="0">
+              <a:solidFill>
+                <a:srgbClr val="FF0000"/>
+              </a:solidFill>
+              <a:latin typeface="Courier New" pitchFamily="49" charset="0"/>
+              <a:cs typeface="Courier New" pitchFamily="49" charset="0"/>
+            </a:endParaRPr>
+          </a:p>
+          <a:p>
+            <a:pPr lvl="1">
+              <a:buFont typeface="Wingdings" pitchFamily="2" charset="2"/>
+              <a:buNone/>
+              <a:defRPr/>
+            </a:pPr>
+            <a:r>
+              <a:rPr lang="en-US" dirty="0" smtClean="0">
+                <a:latin typeface="Courier New" pitchFamily="49" charset="0"/>
+                <a:cs typeface="Courier New" pitchFamily="49" charset="0"/>
+              </a:rPr>
+              <a:t>			&lt;statement&gt; ]		</a:t>
+            </a:r>
+            <a:r>
+              <a:rPr lang="en-US" i="1" dirty="0" smtClean="0">
+                <a:solidFill>
+                  <a:srgbClr val="FF0000"/>
+                </a:solidFill>
+                <a:latin typeface="Courier New" pitchFamily="49" charset="0"/>
+                <a:cs typeface="Courier New" pitchFamily="49" charset="0"/>
+              </a:rPr>
+              <a:t>else</a:t>
+            </a:r>
+            <a:r>
+              <a:rPr lang="en-US" i="1" dirty="0" smtClean="0">
+                <a:solidFill>
+                  <a:srgbClr val="FF0000"/>
+                </a:solidFill>
+                <a:cs typeface="Courier New" pitchFamily="49" charset="0"/>
+              </a:rPr>
+              <a:t> is optional</a:t>
+            </a:r>
+            <a:endParaRPr lang="en-US" dirty="0" smtClean="0"/>
+          </a:p>
+          <a:p>
+            <a:pPr>
+              <a:buFont typeface="Wingdings" pitchFamily="2" charset="2"/>
+              <a:buChar char="n"/>
+              <a:defRPr/>
+            </a:pPr>
+            <a:r>
+              <a:rPr lang="en-US" dirty="0" smtClean="0">
+                <a:ea typeface="+mn-ea"/>
+              </a:rPr>
+              <a:t>Expression frequently uses relational operators to test equality/inequality</a:t>
+            </a:r>
+          </a:p>
+          <a:p>
+            <a:pPr lvl="1">
+              <a:buFont typeface="Wingdings" pitchFamily="2" charset="2"/>
+              <a:buChar char="q"/>
+              <a:defRPr/>
+            </a:pPr>
+            <a:r>
+              <a:rPr lang="en-US" dirty="0" smtClean="0">
+                <a:latin typeface="Courier New" pitchFamily="49" charset="0"/>
+                <a:cs typeface="Courier New" pitchFamily="49" charset="0"/>
+              </a:rPr>
+              <a:t>&lt;  &gt;  &lt;=  &gt;=  ==   !=</a:t>
+            </a:r>
+          </a:p>
+          <a:p>
+            <a:pPr lvl="1">
+              <a:buFont typeface="Wingdings" pitchFamily="2" charset="2"/>
+              <a:buChar char="q"/>
+              <a:defRPr/>
+            </a:pPr>
+            <a:r>
+              <a:rPr lang="en-US" dirty="0" smtClean="0"/>
+              <a:t>e.g., </a:t>
+            </a:r>
+            <a:r>
+              <a:rPr lang="en-US" dirty="0" smtClean="0">
+                <a:latin typeface="Courier New" pitchFamily="49" charset="0"/>
+                <a:cs typeface="Courier New" pitchFamily="49" charset="0"/>
+              </a:rPr>
+              <a:t>if (x &lt;= 5)</a:t>
+            </a:r>
+          </a:p>
+          <a:p>
+            <a:pPr>
+              <a:buFont typeface="Wingdings" pitchFamily="2" charset="2"/>
+              <a:buChar char="n"/>
+              <a:defRPr/>
+            </a:pPr>
+            <a:r>
+              <a:rPr lang="en-US" dirty="0" smtClean="0">
+                <a:ea typeface="+mn-ea"/>
+              </a:rPr>
+              <a:t>Can combine conditions using logical operators</a:t>
+            </a:r>
+          </a:p>
+          <a:p>
+            <a:pPr lvl="1">
+              <a:buFont typeface="Wingdings" pitchFamily="2" charset="2"/>
+              <a:buChar char="q"/>
+              <a:defRPr/>
+            </a:pPr>
+            <a:r>
+              <a:rPr lang="en-US" dirty="0" smtClean="0">
+                <a:cs typeface="Courier New" pitchFamily="49" charset="0"/>
+              </a:rPr>
+              <a:t>AND : </a:t>
+            </a:r>
+            <a:r>
+              <a:rPr lang="en-US" dirty="0" smtClean="0">
+                <a:latin typeface="Courier New" pitchFamily="49" charset="0"/>
+                <a:cs typeface="Courier New" pitchFamily="49" charset="0"/>
+              </a:rPr>
+              <a:t>&amp;&amp; 	</a:t>
+            </a:r>
+            <a:r>
+              <a:rPr lang="en-US" dirty="0" smtClean="0">
+                <a:cs typeface="Courier New" pitchFamily="49" charset="0"/>
+              </a:rPr>
+              <a:t>OR: </a:t>
+            </a:r>
+            <a:r>
+              <a:rPr lang="en-US" dirty="0" smtClean="0">
+                <a:latin typeface="Courier New" pitchFamily="49" charset="0"/>
+                <a:cs typeface="Courier New" pitchFamily="49" charset="0"/>
+              </a:rPr>
+              <a:t>||</a:t>
+            </a:r>
+          </a:p>
+          <a:p>
+            <a:pPr lvl="1">
+              <a:buFont typeface="Wingdings" pitchFamily="2" charset="2"/>
+              <a:buChar char="q"/>
+              <a:defRPr/>
+            </a:pPr>
+            <a:r>
+              <a:rPr lang="en-US" dirty="0" smtClean="0"/>
+              <a:t>e.g., </a:t>
+            </a:r>
+            <a:r>
+              <a:rPr lang="en-US" dirty="0" smtClean="0">
+                <a:latin typeface="Courier New" pitchFamily="49" charset="0"/>
+                <a:cs typeface="Courier New" pitchFamily="49" charset="0"/>
+              </a:rPr>
+              <a:t>if ((x &lt;= 5) &amp;&amp; (x &gt; 0))</a:t>
+            </a:r>
+          </a:p>
+          <a:p>
+            <a:pPr>
+              <a:buFont typeface="Wingdings" pitchFamily="2" charset="2"/>
+              <a:buChar char="n"/>
+              <a:defRPr/>
+            </a:pPr>
+            <a:r>
+              <a:rPr lang="en-US" dirty="0" smtClean="0">
+                <a:ea typeface="+mn-ea"/>
+                <a:cs typeface="Courier New" pitchFamily="49" charset="0"/>
+              </a:rPr>
+              <a:t>Can test if condition is false using logical NOT: </a:t>
+            </a:r>
+            <a:r>
+              <a:rPr lang="en-US" dirty="0" smtClean="0">
+                <a:latin typeface="Courier New" pitchFamily="49" charset="0"/>
+                <a:ea typeface="+mn-ea"/>
+                <a:cs typeface="Courier New" pitchFamily="49" charset="0"/>
+              </a:rPr>
+              <a:t>!</a:t>
+            </a:r>
+          </a:p>
+          <a:p>
+            <a:pPr lvl="1">
+              <a:buFont typeface="Wingdings" pitchFamily="2" charset="2"/>
+              <a:buChar char="q"/>
+              <a:defRPr/>
+            </a:pPr>
+            <a:r>
+              <a:rPr lang="en-US" dirty="0" smtClean="0">
+                <a:cs typeface="Courier New" pitchFamily="49" charset="0"/>
+              </a:rPr>
+              <a:t>e.g., </a:t>
+            </a:r>
+            <a:r>
+              <a:rPr lang="en-US" dirty="0" smtClean="0">
+                <a:latin typeface="Courier New" pitchFamily="49" charset="0"/>
+                <a:cs typeface="Courier New" pitchFamily="49" charset="0"/>
+              </a:rPr>
+              <a:t>if (!(x &lt; 5))</a:t>
+            </a:r>
+          </a:p>
+          <a:p>
+            <a:pPr>
+              <a:buFont typeface="Wingdings" pitchFamily="2" charset="2"/>
+              <a:buChar char="n"/>
+              <a:defRPr/>
+            </a:pPr>
+            <a:endParaRPr lang="en-US" dirty="0">
+              <a:ea typeface="+mn-ea"/>
+            </a:endParaRPr>
           </a:p>
         </p:txBody>
       </p:sp>
@@ -6407,11 +6404,11 @@
           </a:lstStyle>
           <a:p>
             <a:pPr eaLnBrk="1" hangingPunct="1"/>
-            <a:fld id="{C93871C3-4332-F545-815F-A58D5D3CF21C}" type="datetime1">
+            <a:fld id="{DA7F0962-C590-D847-980E-4563FC0EEF6F}" type="datetime1">
               <a:rPr lang="en-US" smtClean="0">
                 <a:latin typeface="Garamond" charset="0"/>
               </a:rPr>
-              <a:t>2/20/18</a:t>
+              <a:t>2/21/2018</a:t>
             </a:fld>
             <a:endParaRPr lang="en-US">
               <a:latin typeface="Garamond" charset="0"/>
@@ -6575,7 +6572,7 @@
           </a:lstStyle>
           <a:p>
             <a:pPr eaLnBrk="1" hangingPunct="1"/>
-            <a:fld id="{228AC5AE-A358-C84A-AB6D-373BEA2E6378}" type="slidenum">
+            <a:fld id="{F95955E9-CF9A-8349-A883-FFA5191CD682}" type="slidenum">
               <a:rPr lang="en-US">
                 <a:latin typeface="Garamond" charset="0"/>
               </a:rPr>
@@ -6596,7 +6593,7 @@
   <p:timing>
     <p:tnLst>
       <p:par>
-        <p:cTn xmlns:p14="http://schemas.microsoft.com/office/powerpoint/2010/main" id="1" dur="indefinite" restart="never" nodeType="tmRoot"/>
+        <p:cTn id="1" dur="indefinite" restart="never" nodeType="tmRoot"/>
       </p:par>
     </p:tnLst>
   </p:timing>
@@ -6622,7 +6619,7 @@
       </p:grpSpPr>
       <p:sp>
         <p:nvSpPr>
-          <p:cNvPr id="15362" name="Title 1"/>
+          <p:cNvPr id="2" name="Title 1"/>
           <p:cNvSpPr>
             <a:spLocks noGrp="1"/>
           </p:cNvSpPr>
@@ -6630,22 +6627,16 @@
             <p:ph type="title"/>
           </p:nvPr>
         </p:nvSpPr>
-        <p:spPr>
-          <a:xfrm>
-            <a:off x="457200" y="152400"/>
-            <a:ext cx="8229600" cy="712788"/>
-          </a:xfrm>
-        </p:spPr>
+        <p:spPr/>
         <p:txBody>
           <a:bodyPr/>
           <a:lstStyle/>
           <a:p>
             <a:r>
-              <a:rPr lang="en-US">
-                <a:latin typeface="Garamond" charset="0"/>
-              </a:rPr>
-              <a:t>Review: if statements</a:t>
-            </a:r>
+              <a:rPr lang="en-US" dirty="0" smtClean="0"/>
+              <a:t>Review: range checking</a:t>
+            </a:r>
+            <a:endParaRPr lang="en-US" dirty="0"/>
           </a:p>
         </p:txBody>
       </p:sp>
@@ -6659,323 +6650,92 @@
             <p:ph idx="1"/>
           </p:nvPr>
         </p:nvSpPr>
-        <p:spPr>
-          <a:xfrm>
-            <a:off x="457200" y="838200"/>
-            <a:ext cx="8229600" cy="5334000"/>
-          </a:xfrm>
-        </p:spPr>
+        <p:spPr/>
         <p:txBody>
           <a:bodyPr>
-            <a:normAutofit fontScale="85000" lnSpcReduction="20000"/>
+            <a:normAutofit fontScale="92500"/>
           </a:bodyPr>
           <a:lstStyle/>
           <a:p>
-            <a:pPr>
-              <a:buFont typeface="Wingdings" pitchFamily="2" charset="2"/>
-              <a:buChar char="n"/>
-              <a:defRPr/>
-            </a:pPr>
+            <a:r>
+              <a:rPr lang="en-US" dirty="0" smtClean="0"/>
+              <a:t>Common application of if statements: checking to see if value falls inside/outside desired range</a:t>
+            </a:r>
+          </a:p>
+          <a:p>
+            <a:endParaRPr lang="en-US" dirty="0"/>
+          </a:p>
+          <a:p>
+            <a:r>
+              <a:rPr lang="en-US" dirty="0" smtClean="0"/>
+              <a:t>Value inside range </a:t>
+            </a:r>
             <a:r>
               <a:rPr lang="en-US" dirty="0" smtClean="0">
-                <a:ea typeface="+mn-ea"/>
-              </a:rPr>
-              <a:t>Conditional execution using </a:t>
-            </a:r>
+                <a:sym typeface="Wingdings"/>
+              </a:rPr>
+              <a:t> inside both endpoints</a:t>
+            </a:r>
+          </a:p>
+          <a:p>
+            <a:pPr lvl="1"/>
             <a:r>
               <a:rPr lang="en-US" dirty="0" smtClean="0">
-                <a:solidFill>
-                  <a:srgbClr val="FF0000"/>
-                </a:solidFill>
-                <a:latin typeface="Courier New" pitchFamily="49" charset="0"/>
-                <a:ea typeface="+mn-ea"/>
-                <a:cs typeface="Courier New" pitchFamily="49" charset="0"/>
-              </a:rPr>
-              <a:t>if </a:t>
-            </a:r>
+                <a:sym typeface="Wingdings"/>
+              </a:rPr>
+              <a:t>AND together tests for each endpoint</a:t>
+            </a:r>
+          </a:p>
+          <a:p>
+            <a:pPr lvl="1"/>
             <a:r>
               <a:rPr lang="en-US" dirty="0" smtClean="0">
-                <a:solidFill>
-                  <a:srgbClr val="FF0000"/>
-                </a:solidFill>
-                <a:ea typeface="+mn-ea"/>
-              </a:rPr>
-              <a:t>statements</a:t>
+                <a:sym typeface="Wingdings"/>
+              </a:rPr>
+              <a:t>Ex: </a:t>
             </a:r>
             <a:r>
               <a:rPr lang="en-US" dirty="0" smtClean="0">
-                <a:ea typeface="+mn-ea"/>
-              </a:rPr>
-              <a:t>:</a:t>
-            </a:r>
-          </a:p>
-          <a:p>
-            <a:pPr lvl="1">
-              <a:buFont typeface="Wingdings" pitchFamily="2" charset="2"/>
-              <a:buChar char="q"/>
-              <a:defRPr/>
-            </a:pPr>
-            <a:r>
-              <a:rPr lang="en-US" dirty="0" smtClean="0"/>
-              <a:t>Form: </a:t>
-            </a:r>
-          </a:p>
-          <a:p>
-            <a:pPr lvl="1">
-              <a:buFont typeface="Wingdings" pitchFamily="2" charset="2"/>
-              <a:buNone/>
-              <a:defRPr/>
-            </a:pPr>
-            <a:r>
-              <a:rPr lang="en-US" dirty="0" smtClean="0"/>
-              <a:t>	</a:t>
-            </a:r>
+                <a:latin typeface="Courier New"/>
+                <a:cs typeface="Courier New"/>
+                <a:sym typeface="Wingdings"/>
+              </a:rPr>
+              <a:t>if (x &gt;= 1 &amp;&amp; x &lt;= 10)</a:t>
+            </a:r>
+          </a:p>
+          <a:p>
             <a:r>
               <a:rPr lang="en-US" dirty="0" smtClean="0">
-                <a:latin typeface="Courier New" pitchFamily="49" charset="0"/>
-                <a:cs typeface="Courier New" pitchFamily="49" charset="0"/>
-              </a:rPr>
-              <a:t>if (&lt;expression&gt;)</a:t>
-            </a:r>
-          </a:p>
-          <a:p>
-            <a:pPr lvl="1">
-              <a:buFont typeface="Wingdings" pitchFamily="2" charset="2"/>
-              <a:buNone/>
-              <a:defRPr/>
-            </a:pPr>
+                <a:sym typeface="Wingdings"/>
+              </a:rPr>
+              <a:t>Value outside range  outside either endpoint</a:t>
+            </a:r>
+          </a:p>
+          <a:p>
+            <a:pPr lvl="1"/>
             <a:r>
               <a:rPr lang="en-US" dirty="0" smtClean="0">
-                <a:latin typeface="Courier New" pitchFamily="49" charset="0"/>
-                <a:cs typeface="Courier New" pitchFamily="49" charset="0"/>
-              </a:rPr>
-              <a:t>			&lt;statement&gt;</a:t>
-            </a:r>
-          </a:p>
-          <a:p>
-            <a:pPr lvl="1">
-              <a:buFont typeface="Wingdings" pitchFamily="2" charset="2"/>
-              <a:buNone/>
-              <a:defRPr/>
-            </a:pPr>
+                <a:sym typeface="Wingdings"/>
+              </a:rPr>
+              <a:t>OR together tests for each endpoint</a:t>
+            </a:r>
+          </a:p>
+          <a:p>
+            <a:pPr lvl="1"/>
             <a:r>
               <a:rPr lang="en-US" dirty="0" smtClean="0">
-                <a:latin typeface="Courier New" pitchFamily="49" charset="0"/>
-                <a:cs typeface="Courier New" pitchFamily="49" charset="0"/>
-              </a:rPr>
-              <a:t>	[ else				</a:t>
-            </a:r>
-            <a:r>
-              <a:rPr lang="en-US" i="1" dirty="0" smtClean="0">
-                <a:solidFill>
-                  <a:srgbClr val="FF0000"/>
-                </a:solidFill>
-                <a:cs typeface="Courier New" pitchFamily="49" charset="0"/>
-              </a:rPr>
-              <a:t>brackets show</a:t>
-            </a:r>
-            <a:endParaRPr lang="en-US" i="1" dirty="0" smtClean="0">
-              <a:solidFill>
-                <a:srgbClr val="FF0000"/>
-              </a:solidFill>
-              <a:latin typeface="Courier New" pitchFamily="49" charset="0"/>
-              <a:cs typeface="Courier New" pitchFamily="49" charset="0"/>
-            </a:endParaRPr>
-          </a:p>
-          <a:p>
-            <a:pPr lvl="1">
-              <a:buFont typeface="Wingdings" pitchFamily="2" charset="2"/>
-              <a:buNone/>
-              <a:defRPr/>
-            </a:pPr>
+                <a:sym typeface="Wingdings"/>
+              </a:rPr>
+              <a:t>Ex: </a:t>
+            </a:r>
             <a:r>
               <a:rPr lang="en-US" dirty="0" smtClean="0">
-                <a:latin typeface="Courier New" pitchFamily="49" charset="0"/>
-                <a:cs typeface="Courier New" pitchFamily="49" charset="0"/>
-              </a:rPr>
-              <a:t>			&lt;statement&gt; ]		</a:t>
-            </a:r>
-            <a:r>
-              <a:rPr lang="en-US" i="1" dirty="0" smtClean="0">
-                <a:solidFill>
-                  <a:srgbClr val="FF0000"/>
-                </a:solidFill>
-                <a:latin typeface="Courier New" pitchFamily="49" charset="0"/>
-                <a:cs typeface="Courier New" pitchFamily="49" charset="0"/>
-              </a:rPr>
-              <a:t>else</a:t>
-            </a:r>
-            <a:r>
-              <a:rPr lang="en-US" i="1" dirty="0" smtClean="0">
-                <a:solidFill>
-                  <a:srgbClr val="FF0000"/>
-                </a:solidFill>
-                <a:cs typeface="Courier New" pitchFamily="49" charset="0"/>
-              </a:rPr>
-              <a:t> is optional</a:t>
-            </a:r>
-            <a:endParaRPr lang="en-US" dirty="0" smtClean="0"/>
-          </a:p>
-          <a:p>
-            <a:pPr>
-              <a:buFont typeface="Wingdings" pitchFamily="2" charset="2"/>
-              <a:buChar char="n"/>
-              <a:defRPr/>
-            </a:pPr>
-            <a:r>
-              <a:rPr lang="en-US" dirty="0" smtClean="0">
-                <a:ea typeface="+mn-ea"/>
-              </a:rPr>
-              <a:t>Expression frequently uses relational operators to test equality/inequality</a:t>
-            </a:r>
-          </a:p>
-          <a:p>
-            <a:pPr lvl="1">
-              <a:buFont typeface="Wingdings" pitchFamily="2" charset="2"/>
-              <a:buChar char="q"/>
-              <a:defRPr/>
-            </a:pPr>
-            <a:r>
-              <a:rPr lang="en-US" dirty="0" smtClean="0">
-                <a:latin typeface="Courier New" pitchFamily="49" charset="0"/>
-                <a:cs typeface="Courier New" pitchFamily="49" charset="0"/>
-              </a:rPr>
-              <a:t>&lt;  &gt;  &lt;=  &gt;=  ==   !=</a:t>
-            </a:r>
-          </a:p>
-          <a:p>
-            <a:pPr lvl="1">
-              <a:buFont typeface="Wingdings" pitchFamily="2" charset="2"/>
-              <a:buChar char="q"/>
-              <a:defRPr/>
-            </a:pPr>
-            <a:r>
-              <a:rPr lang="en-US" dirty="0" smtClean="0"/>
-              <a:t>e.g., </a:t>
-            </a:r>
-            <a:r>
-              <a:rPr lang="en-US" dirty="0" smtClean="0">
-                <a:latin typeface="Courier New" pitchFamily="49" charset="0"/>
-                <a:cs typeface="Courier New" pitchFamily="49" charset="0"/>
-              </a:rPr>
-              <a:t>if (x &lt;= 5)</a:t>
-            </a:r>
-          </a:p>
-          <a:p>
-            <a:pPr>
-              <a:buFont typeface="Wingdings" pitchFamily="2" charset="2"/>
-              <a:buChar char="n"/>
-              <a:defRPr/>
-            </a:pPr>
-            <a:r>
-              <a:rPr lang="en-US" dirty="0" smtClean="0">
-                <a:ea typeface="+mn-ea"/>
-              </a:rPr>
-              <a:t>Can combine conditions using logical operators</a:t>
-            </a:r>
-          </a:p>
-          <a:p>
-            <a:pPr lvl="1">
-              <a:buFont typeface="Wingdings" pitchFamily="2" charset="2"/>
-              <a:buChar char="q"/>
-              <a:defRPr/>
-            </a:pPr>
-            <a:r>
-              <a:rPr lang="en-US" dirty="0" smtClean="0">
-                <a:cs typeface="Courier New" pitchFamily="49" charset="0"/>
-              </a:rPr>
-              <a:t>AND : </a:t>
-            </a:r>
-            <a:r>
-              <a:rPr lang="en-US" dirty="0" smtClean="0">
-                <a:latin typeface="Courier New" pitchFamily="49" charset="0"/>
-                <a:cs typeface="Courier New" pitchFamily="49" charset="0"/>
-              </a:rPr>
-              <a:t>&amp;&amp; 	</a:t>
-            </a:r>
-            <a:r>
-              <a:rPr lang="en-US" dirty="0" smtClean="0">
-                <a:cs typeface="Courier New" pitchFamily="49" charset="0"/>
-              </a:rPr>
-              <a:t>OR: </a:t>
-            </a:r>
-            <a:r>
-              <a:rPr lang="en-US" dirty="0" smtClean="0">
-                <a:latin typeface="Courier New" pitchFamily="49" charset="0"/>
-                <a:cs typeface="Courier New" pitchFamily="49" charset="0"/>
-              </a:rPr>
-              <a:t>||</a:t>
-            </a:r>
-          </a:p>
-          <a:p>
-            <a:pPr lvl="1">
-              <a:buFont typeface="Wingdings" pitchFamily="2" charset="2"/>
-              <a:buChar char="q"/>
-              <a:defRPr/>
-            </a:pPr>
-            <a:r>
-              <a:rPr lang="en-US" dirty="0" smtClean="0"/>
-              <a:t>e.g., </a:t>
-            </a:r>
-            <a:r>
-              <a:rPr lang="en-US" dirty="0" smtClean="0">
-                <a:latin typeface="Courier New" pitchFamily="49" charset="0"/>
-                <a:cs typeface="Courier New" pitchFamily="49" charset="0"/>
-              </a:rPr>
-              <a:t>if ((x &lt;= 5) &amp;&amp; (x &gt; 0))</a:t>
-            </a:r>
-          </a:p>
-          <a:p>
-            <a:pPr>
-              <a:buFont typeface="Wingdings" pitchFamily="2" charset="2"/>
-              <a:buChar char="n"/>
-              <a:defRPr/>
-            </a:pPr>
-            <a:r>
-              <a:rPr lang="en-US" dirty="0" smtClean="0">
-                <a:ea typeface="+mn-ea"/>
-                <a:cs typeface="Courier New" pitchFamily="49" charset="0"/>
-              </a:rPr>
-              <a:t>Can test if condition is false using logical NOT: </a:t>
-            </a:r>
-            <a:r>
-              <a:rPr lang="en-US" dirty="0" smtClean="0">
-                <a:latin typeface="Courier New" pitchFamily="49" charset="0"/>
-                <a:ea typeface="+mn-ea"/>
-                <a:cs typeface="Courier New" pitchFamily="49" charset="0"/>
-              </a:rPr>
-              <a:t>!</a:t>
-            </a:r>
-          </a:p>
-          <a:p>
-            <a:pPr lvl="1">
-              <a:buFont typeface="Wingdings" pitchFamily="2" charset="2"/>
-              <a:buChar char="q"/>
-              <a:defRPr/>
-            </a:pPr>
-            <a:r>
-              <a:rPr lang="en-US" dirty="0" smtClean="0">
-                <a:cs typeface="Courier New" pitchFamily="49" charset="0"/>
-              </a:rPr>
-              <a:t>e.g., </a:t>
-            </a:r>
-            <a:r>
-              <a:rPr lang="en-US" dirty="0" smtClean="0">
-                <a:latin typeface="Courier New" pitchFamily="49" charset="0"/>
-                <a:cs typeface="Courier New" pitchFamily="49" charset="0"/>
-              </a:rPr>
-              <a:t>if (!(x &lt; 5))</a:t>
-            </a:r>
-          </a:p>
-          <a:p>
-            <a:pPr>
-              <a:buFont typeface="Wingdings" pitchFamily="2" charset="2"/>
-              <a:buChar char="n"/>
-              <a:defRPr/>
-            </a:pPr>
-            <a:endParaRPr lang="en-US" dirty="0">
-              <a:ea typeface="+mn-ea"/>
-            </a:endParaRPr>
+                <a:latin typeface="Courier New"/>
+                <a:cs typeface="Courier New"/>
+                <a:sym typeface="Wingdings"/>
+              </a:rPr>
+              <a:t>if (x &lt; 1 || x &gt; 10)</a:t>
+            </a:r>
           </a:p>
         </p:txBody>
       </p:sp>
@@ -6986,139 +6746,19 @@
             <a:spLocks noGrp="1"/>
           </p:cNvSpPr>
           <p:nvPr>
-            <p:ph type="dt" sz="quarter" idx="10"/>
+            <p:ph type="dt" sz="half" idx="10"/>
           </p:nvPr>
         </p:nvSpPr>
         <p:spPr/>
         <p:txBody>
           <a:bodyPr/>
-          <a:lstStyle>
-            <a:lvl1pPr eaLnBrk="0" hangingPunct="0">
-              <a:defRPr>
-                <a:solidFill>
-                  <a:schemeClr val="tx1"/>
-                </a:solidFill>
-                <a:latin typeface="Arial" charset="0"/>
-                <a:ea typeface="ＭＳ Ｐゴシック" charset="0"/>
-                <a:cs typeface="Arial" charset="0"/>
-              </a:defRPr>
-            </a:lvl1pPr>
-            <a:lvl2pPr marL="742950" indent="-285750" eaLnBrk="0" hangingPunct="0">
-              <a:defRPr>
-                <a:solidFill>
-                  <a:schemeClr val="tx1"/>
-                </a:solidFill>
-                <a:latin typeface="Arial" charset="0"/>
-                <a:ea typeface="Arial" charset="0"/>
-                <a:cs typeface="Arial" charset="0"/>
-              </a:defRPr>
-            </a:lvl2pPr>
-            <a:lvl3pPr marL="1143000" indent="-228600" eaLnBrk="0" hangingPunct="0">
-              <a:defRPr>
-                <a:solidFill>
-                  <a:schemeClr val="tx1"/>
-                </a:solidFill>
-                <a:latin typeface="Arial" charset="0"/>
-                <a:ea typeface="Arial" charset="0"/>
-                <a:cs typeface="Arial" charset="0"/>
-              </a:defRPr>
-            </a:lvl3pPr>
-            <a:lvl4pPr marL="1600200" indent="-228600" eaLnBrk="0" hangingPunct="0">
-              <a:defRPr>
-                <a:solidFill>
-                  <a:schemeClr val="tx1"/>
-                </a:solidFill>
-                <a:latin typeface="Arial" charset="0"/>
-                <a:ea typeface="Arial" charset="0"/>
-                <a:cs typeface="Arial" charset="0"/>
-              </a:defRPr>
-            </a:lvl4pPr>
-            <a:lvl5pPr marL="2057400" indent="-228600" eaLnBrk="0" hangingPunct="0">
-              <a:defRPr>
-                <a:solidFill>
-                  <a:schemeClr val="tx1"/>
-                </a:solidFill>
-                <a:latin typeface="Arial" charset="0"/>
-                <a:ea typeface="Arial" charset="0"/>
-                <a:cs typeface="Arial" charset="0"/>
-              </a:defRPr>
-            </a:lvl5pPr>
-            <a:lvl6pPr marL="2514600" indent="-228600" eaLnBrk="0" fontAlgn="base" hangingPunct="0">
-              <a:spcBef>
-                <a:spcPct val="0"/>
-              </a:spcBef>
-              <a:spcAft>
-                <a:spcPct val="0"/>
-              </a:spcAft>
-              <a:defRPr>
-                <a:solidFill>
-                  <a:schemeClr val="tx1"/>
-                </a:solidFill>
-                <a:latin typeface="Arial" charset="0"/>
-                <a:ea typeface="Arial" charset="0"/>
-                <a:cs typeface="Arial" charset="0"/>
-              </a:defRPr>
-            </a:lvl6pPr>
-            <a:lvl7pPr marL="2971800" indent="-228600" eaLnBrk="0" fontAlgn="base" hangingPunct="0">
-              <a:spcBef>
-                <a:spcPct val="0"/>
-              </a:spcBef>
-              <a:spcAft>
-                <a:spcPct val="0"/>
-              </a:spcAft>
-              <a:defRPr>
-                <a:solidFill>
-                  <a:schemeClr val="tx1"/>
-                </a:solidFill>
-                <a:latin typeface="Arial" charset="0"/>
-                <a:ea typeface="Arial" charset="0"/>
-                <a:cs typeface="Arial" charset="0"/>
-              </a:defRPr>
-            </a:lvl7pPr>
-            <a:lvl8pPr marL="3429000" indent="-228600" eaLnBrk="0" fontAlgn="base" hangingPunct="0">
-              <a:spcBef>
-                <a:spcPct val="0"/>
-              </a:spcBef>
-              <a:spcAft>
-                <a:spcPct val="0"/>
-              </a:spcAft>
-              <a:defRPr>
-                <a:solidFill>
-                  <a:schemeClr val="tx1"/>
-                </a:solidFill>
-                <a:latin typeface="Arial" charset="0"/>
-                <a:ea typeface="Arial" charset="0"/>
-                <a:cs typeface="Arial" charset="0"/>
-              </a:defRPr>
-            </a:lvl8pPr>
-            <a:lvl9pPr marL="3886200" indent="-228600" eaLnBrk="0" fontAlgn="base" hangingPunct="0">
-              <a:spcBef>
-                <a:spcPct val="0"/>
-              </a:spcBef>
-              <a:spcAft>
-                <a:spcPct val="0"/>
-              </a:spcAft>
-              <a:defRPr>
-                <a:solidFill>
-                  <a:schemeClr val="tx1"/>
-                </a:solidFill>
-                <a:latin typeface="Arial" charset="0"/>
-                <a:ea typeface="Arial" charset="0"/>
-                <a:cs typeface="Arial" charset="0"/>
-              </a:defRPr>
-            </a:lvl9pPr>
-          </a:lstStyle>
-          <a:p>
-            <a:pPr eaLnBrk="1" hangingPunct="1"/>
-            <a:fld id="{DA7F0962-C590-D847-980E-4563FC0EEF6F}" type="datetime1">
-              <a:rPr lang="en-US" smtClean="0">
-                <a:latin typeface="Garamond" charset="0"/>
-              </a:rPr>
-              <a:t>2/20/18</a:t>
+          <a:lstStyle/>
+          <a:p>
+            <a:fld id="{E3448257-046D-2A4A-A581-5CA339AD0A4B}" type="datetime1">
+              <a:rPr lang="en-US" smtClean="0"/>
+              <a:t>2/21/2018</a:t>
             </a:fld>
-            <a:endParaRPr lang="en-US">
-              <a:latin typeface="Garamond" charset="0"/>
-            </a:endParaRPr>
+            <a:endParaRPr lang="en-US"/>
           </a:p>
         </p:txBody>
       </p:sp>
@@ -7141,9 +6781,10 @@
               <a:defRPr/>
             </a:pPr>
             <a:r>
-              <a:rPr lang="en-US" altLang="en-US"/>
-              <a:t>ECE Application Programming: Exam 1 Preview</a:t>
-            </a:r>
+              <a:rPr lang="en-US" altLang="en-US" smtClean="0"/>
+              <a:t>ECE Application Programming: Lecture 10</a:t>
+            </a:r>
+            <a:endParaRPr lang="en-US" altLang="en-US"/>
           </a:p>
         </p:txBody>
       </p:sp>
@@ -7160,138 +6801,23 @@
         <p:spPr/>
         <p:txBody>
           <a:bodyPr/>
-          <a:lstStyle>
-            <a:lvl1pPr eaLnBrk="0" hangingPunct="0">
-              <a:defRPr>
-                <a:solidFill>
-                  <a:schemeClr val="tx1"/>
-                </a:solidFill>
-                <a:latin typeface="Arial" charset="0"/>
-                <a:ea typeface="ＭＳ Ｐゴシック" charset="0"/>
-                <a:cs typeface="Arial" charset="0"/>
-              </a:defRPr>
-            </a:lvl1pPr>
-            <a:lvl2pPr marL="742950" indent="-285750" eaLnBrk="0" hangingPunct="0">
-              <a:defRPr>
-                <a:solidFill>
-                  <a:schemeClr val="tx1"/>
-                </a:solidFill>
-                <a:latin typeface="Arial" charset="0"/>
-                <a:ea typeface="Arial" charset="0"/>
-                <a:cs typeface="Arial" charset="0"/>
-              </a:defRPr>
-            </a:lvl2pPr>
-            <a:lvl3pPr marL="1143000" indent="-228600" eaLnBrk="0" hangingPunct="0">
-              <a:defRPr>
-                <a:solidFill>
-                  <a:schemeClr val="tx1"/>
-                </a:solidFill>
-                <a:latin typeface="Arial" charset="0"/>
-                <a:ea typeface="Arial" charset="0"/>
-                <a:cs typeface="Arial" charset="0"/>
-              </a:defRPr>
-            </a:lvl3pPr>
-            <a:lvl4pPr marL="1600200" indent="-228600" eaLnBrk="0" hangingPunct="0">
-              <a:defRPr>
-                <a:solidFill>
-                  <a:schemeClr val="tx1"/>
-                </a:solidFill>
-                <a:latin typeface="Arial" charset="0"/>
-                <a:ea typeface="Arial" charset="0"/>
-                <a:cs typeface="Arial" charset="0"/>
-              </a:defRPr>
-            </a:lvl4pPr>
-            <a:lvl5pPr marL="2057400" indent="-228600" eaLnBrk="0" hangingPunct="0">
-              <a:defRPr>
-                <a:solidFill>
-                  <a:schemeClr val="tx1"/>
-                </a:solidFill>
-                <a:latin typeface="Arial" charset="0"/>
-                <a:ea typeface="Arial" charset="0"/>
-                <a:cs typeface="Arial" charset="0"/>
-              </a:defRPr>
-            </a:lvl5pPr>
-            <a:lvl6pPr marL="2514600" indent="-228600" eaLnBrk="0" fontAlgn="base" hangingPunct="0">
-              <a:spcBef>
-                <a:spcPct val="0"/>
-              </a:spcBef>
-              <a:spcAft>
-                <a:spcPct val="0"/>
-              </a:spcAft>
-              <a:defRPr>
-                <a:solidFill>
-                  <a:schemeClr val="tx1"/>
-                </a:solidFill>
-                <a:latin typeface="Arial" charset="0"/>
-                <a:ea typeface="Arial" charset="0"/>
-                <a:cs typeface="Arial" charset="0"/>
-              </a:defRPr>
-            </a:lvl6pPr>
-            <a:lvl7pPr marL="2971800" indent="-228600" eaLnBrk="0" fontAlgn="base" hangingPunct="0">
-              <a:spcBef>
-                <a:spcPct val="0"/>
-              </a:spcBef>
-              <a:spcAft>
-                <a:spcPct val="0"/>
-              </a:spcAft>
-              <a:defRPr>
-                <a:solidFill>
-                  <a:schemeClr val="tx1"/>
-                </a:solidFill>
-                <a:latin typeface="Arial" charset="0"/>
-                <a:ea typeface="Arial" charset="0"/>
-                <a:cs typeface="Arial" charset="0"/>
-              </a:defRPr>
-            </a:lvl7pPr>
-            <a:lvl8pPr marL="3429000" indent="-228600" eaLnBrk="0" fontAlgn="base" hangingPunct="0">
-              <a:spcBef>
-                <a:spcPct val="0"/>
-              </a:spcBef>
-              <a:spcAft>
-                <a:spcPct val="0"/>
-              </a:spcAft>
-              <a:defRPr>
-                <a:solidFill>
-                  <a:schemeClr val="tx1"/>
-                </a:solidFill>
-                <a:latin typeface="Arial" charset="0"/>
-                <a:ea typeface="Arial" charset="0"/>
-                <a:cs typeface="Arial" charset="0"/>
-              </a:defRPr>
-            </a:lvl8pPr>
-            <a:lvl9pPr marL="3886200" indent="-228600" eaLnBrk="0" fontAlgn="base" hangingPunct="0">
-              <a:spcBef>
-                <a:spcPct val="0"/>
-              </a:spcBef>
-              <a:spcAft>
-                <a:spcPct val="0"/>
-              </a:spcAft>
-              <a:defRPr>
-                <a:solidFill>
-                  <a:schemeClr val="tx1"/>
-                </a:solidFill>
-                <a:latin typeface="Arial" charset="0"/>
-                <a:ea typeface="Arial" charset="0"/>
-                <a:cs typeface="Arial" charset="0"/>
-              </a:defRPr>
-            </a:lvl9pPr>
-          </a:lstStyle>
-          <a:p>
-            <a:pPr eaLnBrk="1" hangingPunct="1"/>
-            <a:fld id="{F95955E9-CF9A-8349-A883-FFA5191CD682}" type="slidenum">
-              <a:rPr lang="en-US">
-                <a:latin typeface="Garamond" charset="0"/>
-              </a:rPr>
-              <a:pPr eaLnBrk="1" hangingPunct="1"/>
+          <a:lstStyle/>
+          <a:p>
+            <a:fld id="{1F7A23BD-02AE-1F4B-83EF-E7EAEF234F13}" type="slidenum">
+              <a:rPr lang="en-US" smtClean="0"/>
+              <a:pPr/>
               <a:t>11</a:t>
             </a:fld>
-            <a:endParaRPr lang="en-US">
-              <a:latin typeface="Garamond" charset="0"/>
-            </a:endParaRPr>
+            <a:endParaRPr lang="en-US"/>
           </a:p>
         </p:txBody>
       </p:sp>
     </p:spTree>
+    <p:extLst>
+      <p:ext uri="{BB962C8B-B14F-4D97-AF65-F5344CB8AC3E}">
+        <p14:creationId xmlns:p14="http://schemas.microsoft.com/office/powerpoint/2010/main" val="1230279478"/>
+      </p:ext>
+    </p:extLst>
   </p:cSld>
   <p:clrMapOvr>
     <a:masterClrMapping/>
@@ -7299,7 +6825,7 @@
   <p:timing>
     <p:tnLst>
       <p:par>
-        <p:cTn xmlns:p14="http://schemas.microsoft.com/office/powerpoint/2010/main" id="1" dur="indefinite" restart="never" nodeType="tmRoot"/>
+        <p:cTn id="1" dur="indefinite" restart="never" nodeType="tmRoot"/>
       </p:par>
     </p:tnLst>
   </p:timing>
@@ -7325,7 +6851,7 @@
       </p:grpSpPr>
       <p:sp>
         <p:nvSpPr>
-          <p:cNvPr id="2" name="Title 1"/>
+          <p:cNvPr id="16386" name="Title 1"/>
           <p:cNvSpPr>
             <a:spLocks noGrp="1"/>
           </p:cNvSpPr>
@@ -7339,10 +6865,11 @@
           <a:lstStyle/>
           <a:p>
             <a:r>
-              <a:rPr lang="en-US" dirty="0" smtClean="0"/>
-              <a:t>Review: range checking</a:t>
-            </a:r>
-            <a:endParaRPr lang="en-US" dirty="0"/>
+              <a:rPr lang="en-US">
+                <a:latin typeface="Garamond" charset="0"/>
+              </a:rPr>
+              <a:t>Review: switch statements</a:t>
+            </a:r>
           </a:p>
         </p:txBody>
       </p:sp>
@@ -7359,90 +6886,264 @@
         <p:spPr/>
         <p:txBody>
           <a:bodyPr>
-            <a:normAutofit fontScale="92500"/>
+            <a:normAutofit fontScale="70000" lnSpcReduction="20000"/>
           </a:bodyPr>
           <a:lstStyle/>
           <a:p>
-            <a:r>
-              <a:rPr lang="en-US" dirty="0" smtClean="0"/>
-              <a:t>Common application of if statements: checking to see if value falls inside/outside desired range</a:t>
-            </a:r>
-          </a:p>
-          <a:p>
+            <a:pPr>
+              <a:buFont typeface="Wingdings" pitchFamily="2" charset="2"/>
+              <a:buChar char="n"/>
+              <a:defRPr/>
+            </a:pPr>
+            <a:r>
+              <a:rPr lang="en-US" dirty="0" smtClean="0">
+                <a:ea typeface="+mn-ea"/>
+              </a:rPr>
+              <a:t>When checking multiple exact values for expression, more sense to use </a:t>
+            </a:r>
+            <a:r>
+              <a:rPr lang="en-US" dirty="0" smtClean="0">
+                <a:solidFill>
+                  <a:srgbClr val="FF0000"/>
+                </a:solidFill>
+                <a:ea typeface="+mn-ea"/>
+              </a:rPr>
+              <a:t>switch statement</a:t>
+            </a:r>
+          </a:p>
+          <a:p>
+            <a:pPr lvl="1">
+              <a:buFont typeface="Wingdings" pitchFamily="2" charset="2"/>
+              <a:buChar char="q"/>
+              <a:defRPr/>
+            </a:pPr>
+            <a:r>
+              <a:rPr lang="en-US" dirty="0" smtClean="0">
+                <a:latin typeface="Courier New" pitchFamily="49" charset="0"/>
+                <a:cs typeface="Courier New" pitchFamily="49" charset="0"/>
+              </a:rPr>
+              <a:t>switch (&lt;</a:t>
+            </a:r>
+            <a:r>
+              <a:rPr lang="en-US" dirty="0" err="1" smtClean="0">
+                <a:latin typeface="Courier New" pitchFamily="49" charset="0"/>
+                <a:cs typeface="Courier New" pitchFamily="49" charset="0"/>
+              </a:rPr>
+              <a:t>expr</a:t>
+            </a:r>
+            <a:r>
+              <a:rPr lang="en-US" dirty="0" smtClean="0">
+                <a:latin typeface="Courier New" pitchFamily="49" charset="0"/>
+                <a:cs typeface="Courier New" pitchFamily="49" charset="0"/>
+              </a:rPr>
+              <a:t>&gt;) {</a:t>
+            </a:r>
+          </a:p>
+          <a:p>
+            <a:pPr lvl="1">
+              <a:buFont typeface="Wingdings" pitchFamily="2" charset="2"/>
+              <a:buNone/>
+              <a:defRPr/>
+            </a:pPr>
+            <a:r>
+              <a:rPr lang="en-US" dirty="0" smtClean="0">
+                <a:latin typeface="Courier New" pitchFamily="49" charset="0"/>
+                <a:cs typeface="Courier New" pitchFamily="49" charset="0"/>
+              </a:rPr>
+              <a:t>	case &lt;val1&gt; :</a:t>
+            </a:r>
+          </a:p>
+          <a:p>
+            <a:pPr lvl="1">
+              <a:buFont typeface="Wingdings" pitchFamily="2" charset="2"/>
+              <a:buNone/>
+              <a:defRPr/>
+            </a:pPr>
+            <a:r>
+              <a:rPr lang="en-US" dirty="0" smtClean="0">
+                <a:latin typeface="Courier New" pitchFamily="49" charset="0"/>
+                <a:cs typeface="Courier New" pitchFamily="49" charset="0"/>
+              </a:rPr>
+              <a:t>		...</a:t>
+            </a:r>
+          </a:p>
+          <a:p>
+            <a:pPr lvl="1">
+              <a:buFont typeface="Wingdings" pitchFamily="2" charset="2"/>
+              <a:buNone/>
+              <a:defRPr/>
+            </a:pPr>
+            <a:r>
+              <a:rPr lang="en-US" dirty="0" smtClean="0">
+                <a:latin typeface="Courier New" pitchFamily="49" charset="0"/>
+                <a:cs typeface="Courier New" pitchFamily="49" charset="0"/>
+              </a:rPr>
+              <a:t>		break;</a:t>
+            </a:r>
+          </a:p>
+          <a:p>
+            <a:pPr lvl="1">
+              <a:buFont typeface="Wingdings" pitchFamily="2" charset="2"/>
+              <a:buNone/>
+              <a:defRPr/>
+            </a:pPr>
+            <a:r>
+              <a:rPr lang="en-US" dirty="0" smtClean="0">
+                <a:latin typeface="Courier New" pitchFamily="49" charset="0"/>
+                <a:cs typeface="Courier New" pitchFamily="49" charset="0"/>
+              </a:rPr>
+              <a:t>	case &lt;val2&gt; :</a:t>
+            </a:r>
+          </a:p>
+          <a:p>
+            <a:pPr lvl="1">
+              <a:buFont typeface="Wingdings" pitchFamily="2" charset="2"/>
+              <a:buNone/>
+              <a:defRPr/>
+            </a:pPr>
+            <a:r>
+              <a:rPr lang="en-US" dirty="0" smtClean="0">
+                <a:latin typeface="Courier New" pitchFamily="49" charset="0"/>
+                <a:cs typeface="Courier New" pitchFamily="49" charset="0"/>
+              </a:rPr>
+              <a:t>		...</a:t>
+            </a:r>
+          </a:p>
+          <a:p>
+            <a:pPr lvl="1">
+              <a:buFont typeface="Wingdings" pitchFamily="2" charset="2"/>
+              <a:buNone/>
+              <a:defRPr/>
+            </a:pPr>
+            <a:r>
+              <a:rPr lang="en-US" dirty="0" smtClean="0">
+                <a:latin typeface="Courier New" pitchFamily="49" charset="0"/>
+                <a:cs typeface="Courier New" pitchFamily="49" charset="0"/>
+              </a:rPr>
+              <a:t>		break;</a:t>
+            </a:r>
+          </a:p>
+          <a:p>
+            <a:pPr lvl="1">
+              <a:buFont typeface="Wingdings" pitchFamily="2" charset="2"/>
+              <a:buNone/>
+              <a:defRPr/>
+            </a:pPr>
+            <a:r>
+              <a:rPr lang="en-US" dirty="0" smtClean="0">
+                <a:latin typeface="Courier New" pitchFamily="49" charset="0"/>
+                <a:cs typeface="Courier New" pitchFamily="49" charset="0"/>
+              </a:rPr>
+              <a:t>	...</a:t>
+            </a:r>
+          </a:p>
+          <a:p>
+            <a:pPr lvl="1">
+              <a:buFont typeface="Wingdings" pitchFamily="2" charset="2"/>
+              <a:buNone/>
+              <a:defRPr/>
+            </a:pPr>
+            <a:r>
+              <a:rPr lang="en-US" dirty="0" smtClean="0">
+                <a:latin typeface="Courier New" pitchFamily="49" charset="0"/>
+                <a:cs typeface="Courier New" pitchFamily="49" charset="0"/>
+              </a:rPr>
+              <a:t>	default:</a:t>
+            </a:r>
+          </a:p>
+          <a:p>
+            <a:pPr lvl="1">
+              <a:buFont typeface="Wingdings" pitchFamily="2" charset="2"/>
+              <a:buNone/>
+              <a:defRPr/>
+            </a:pPr>
+            <a:r>
+              <a:rPr lang="en-US" dirty="0" smtClean="0">
+                <a:latin typeface="Courier New" pitchFamily="49" charset="0"/>
+                <a:cs typeface="Courier New" pitchFamily="49" charset="0"/>
+              </a:rPr>
+              <a:t>		...</a:t>
+            </a:r>
+          </a:p>
+          <a:p>
+            <a:pPr lvl="1">
+              <a:buFont typeface="Wingdings" pitchFamily="2" charset="2"/>
+              <a:buNone/>
+              <a:defRPr/>
+            </a:pPr>
+            <a:r>
+              <a:rPr lang="en-US" dirty="0" smtClean="0">
+                <a:latin typeface="Courier New" pitchFamily="49" charset="0"/>
+                <a:cs typeface="Courier New" pitchFamily="49" charset="0"/>
+              </a:rPr>
+              <a:t>	}</a:t>
+            </a:r>
+          </a:p>
+          <a:p>
+            <a:pPr>
+              <a:buFont typeface="Wingdings" pitchFamily="2" charset="2"/>
+              <a:buChar char="n"/>
+              <a:defRPr/>
+            </a:pPr>
+            <a:r>
+              <a:rPr lang="en-US" dirty="0" smtClean="0">
+                <a:latin typeface="Courier New" pitchFamily="49" charset="0"/>
+                <a:ea typeface="+mn-ea"/>
+                <a:cs typeface="Courier New" pitchFamily="49" charset="0"/>
+              </a:rPr>
+              <a:t>break</a:t>
+            </a:r>
+            <a:r>
+              <a:rPr lang="en-US" dirty="0" smtClean="0">
+                <a:ea typeface="+mn-ea"/>
+                <a:cs typeface="Courier New" pitchFamily="49" charset="0"/>
+              </a:rPr>
+              <a:t> allows you to exit switch statement after completing code</a:t>
+            </a:r>
+          </a:p>
+          <a:p>
+            <a:pPr lvl="1">
+              <a:buFont typeface="Wingdings" pitchFamily="2" charset="2"/>
+              <a:buChar char="q"/>
+              <a:defRPr/>
+            </a:pPr>
+            <a:r>
+              <a:rPr lang="en-US" dirty="0" smtClean="0">
+                <a:cs typeface="Courier New" pitchFamily="49" charset="0"/>
+              </a:rPr>
+              <a:t>Otherwise, program will continue to run through cases until finding break</a:t>
+            </a:r>
+          </a:p>
+          <a:p>
+            <a:pPr>
+              <a:buFont typeface="Wingdings" pitchFamily="2" charset="2"/>
+              <a:buChar char="n"/>
+              <a:defRPr/>
+            </a:pPr>
+            <a:r>
+              <a:rPr lang="en-US" dirty="0" smtClean="0">
+                <a:latin typeface="Courier New" pitchFamily="49" charset="0"/>
+                <a:ea typeface="+mn-ea"/>
+                <a:cs typeface="Courier New" pitchFamily="49" charset="0"/>
+              </a:rPr>
+              <a:t>default</a:t>
+            </a:r>
+            <a:r>
+              <a:rPr lang="en-US" dirty="0" smtClean="0">
+                <a:ea typeface="+mn-ea"/>
+                <a:cs typeface="Courier New" pitchFamily="49" charset="0"/>
+              </a:rPr>
+              <a:t> covers any values without specific case</a:t>
+            </a:r>
+          </a:p>
+          <a:p>
+            <a:pPr lvl="1">
+              <a:buFont typeface="Wingdings" pitchFamily="2" charset="2"/>
+              <a:buChar char="q"/>
+              <a:defRPr/>
+            </a:pPr>
             <a:endParaRPr lang="en-US" dirty="0"/>
           </a:p>
-          <a:p>
-            <a:r>
-              <a:rPr lang="en-US" dirty="0" smtClean="0"/>
-              <a:t>Value inside range </a:t>
-            </a:r>
-            <a:r>
-              <a:rPr lang="en-US" dirty="0" smtClean="0">
-                <a:sym typeface="Wingdings"/>
-              </a:rPr>
-              <a:t> inside both endpoints</a:t>
-            </a:r>
-          </a:p>
-          <a:p>
-            <a:pPr lvl="1"/>
-            <a:r>
-              <a:rPr lang="en-US" dirty="0" smtClean="0">
-                <a:sym typeface="Wingdings"/>
-              </a:rPr>
-              <a:t>AND together tests for each endpoint</a:t>
-            </a:r>
-          </a:p>
-          <a:p>
-            <a:pPr lvl="1"/>
-            <a:r>
-              <a:rPr lang="en-US" dirty="0" smtClean="0">
-                <a:sym typeface="Wingdings"/>
-              </a:rPr>
-              <a:t>Ex: </a:t>
-            </a:r>
-            <a:r>
-              <a:rPr lang="en-US" dirty="0" smtClean="0">
-                <a:latin typeface="Courier New"/>
-                <a:cs typeface="Courier New"/>
-                <a:sym typeface="Wingdings"/>
-              </a:rPr>
-              <a:t>if (x &gt;= 1 &amp;&amp; x &lt;= 10)</a:t>
-            </a:r>
-          </a:p>
-          <a:p>
-            <a:r>
-              <a:rPr lang="en-US" dirty="0" smtClean="0">
-                <a:sym typeface="Wingdings"/>
-              </a:rPr>
-              <a:t>Value outside range  outside either endpoint</a:t>
-            </a:r>
-          </a:p>
-          <a:p>
-            <a:pPr lvl="1"/>
-            <a:r>
-              <a:rPr lang="en-US" dirty="0" smtClean="0">
-                <a:sym typeface="Wingdings"/>
-              </a:rPr>
-              <a:t>OR together tests for each endpoint</a:t>
-            </a:r>
-          </a:p>
-          <a:p>
-            <a:pPr lvl="1"/>
-            <a:r>
-              <a:rPr lang="en-US" dirty="0" smtClean="0">
-                <a:sym typeface="Wingdings"/>
-              </a:rPr>
-              <a:t>Ex: </a:t>
-            </a:r>
-            <a:r>
-              <a:rPr lang="en-US" dirty="0" smtClean="0">
-                <a:latin typeface="Courier New"/>
-                <a:cs typeface="Courier New"/>
-                <a:sym typeface="Wingdings"/>
-              </a:rPr>
-              <a:t>if (x &lt; 1 || x &gt; 10)</a:t>
-            </a:r>
-          </a:p>
         </p:txBody>
       </p:sp>
       <p:sp>
@@ -7452,19 +7153,139 @@
             <a:spLocks noGrp="1"/>
           </p:cNvSpPr>
           <p:nvPr>
-            <p:ph type="dt" sz="half" idx="10"/>
+            <p:ph type="dt" sz="quarter" idx="10"/>
           </p:nvPr>
         </p:nvSpPr>
         <p:spPr/>
         <p:txBody>
           <a:bodyPr/>
-          <a:lstStyle/>
-          <a:p>
-            <a:fld id="{E3448257-046D-2A4A-A581-5CA339AD0A4B}" type="datetime1">
-              <a:rPr lang="en-US" smtClean="0"/>
-              <a:t>2/20/18</a:t>
+          <a:lstStyle>
+            <a:lvl1pPr eaLnBrk="0" hangingPunct="0">
+              <a:defRPr>
+                <a:solidFill>
+                  <a:schemeClr val="tx1"/>
+                </a:solidFill>
+                <a:latin typeface="Arial" charset="0"/>
+                <a:ea typeface="ＭＳ Ｐゴシック" charset="0"/>
+                <a:cs typeface="Arial" charset="0"/>
+              </a:defRPr>
+            </a:lvl1pPr>
+            <a:lvl2pPr marL="742950" indent="-285750" eaLnBrk="0" hangingPunct="0">
+              <a:defRPr>
+                <a:solidFill>
+                  <a:schemeClr val="tx1"/>
+                </a:solidFill>
+                <a:latin typeface="Arial" charset="0"/>
+                <a:ea typeface="Arial" charset="0"/>
+                <a:cs typeface="Arial" charset="0"/>
+              </a:defRPr>
+            </a:lvl2pPr>
+            <a:lvl3pPr marL="1143000" indent="-228600" eaLnBrk="0" hangingPunct="0">
+              <a:defRPr>
+                <a:solidFill>
+                  <a:schemeClr val="tx1"/>
+                </a:solidFill>
+                <a:latin typeface="Arial" charset="0"/>
+                <a:ea typeface="Arial" charset="0"/>
+                <a:cs typeface="Arial" charset="0"/>
+              </a:defRPr>
+            </a:lvl3pPr>
+            <a:lvl4pPr marL="1600200" indent="-228600" eaLnBrk="0" hangingPunct="0">
+              <a:defRPr>
+                <a:solidFill>
+                  <a:schemeClr val="tx1"/>
+                </a:solidFill>
+                <a:latin typeface="Arial" charset="0"/>
+                <a:ea typeface="Arial" charset="0"/>
+                <a:cs typeface="Arial" charset="0"/>
+              </a:defRPr>
+            </a:lvl4pPr>
+            <a:lvl5pPr marL="2057400" indent="-228600" eaLnBrk="0" hangingPunct="0">
+              <a:defRPr>
+                <a:solidFill>
+                  <a:schemeClr val="tx1"/>
+                </a:solidFill>
+                <a:latin typeface="Arial" charset="0"/>
+                <a:ea typeface="Arial" charset="0"/>
+                <a:cs typeface="Arial" charset="0"/>
+              </a:defRPr>
+            </a:lvl5pPr>
+            <a:lvl6pPr marL="2514600" indent="-228600" eaLnBrk="0" fontAlgn="base" hangingPunct="0">
+              <a:spcBef>
+                <a:spcPct val="0"/>
+              </a:spcBef>
+              <a:spcAft>
+                <a:spcPct val="0"/>
+              </a:spcAft>
+              <a:defRPr>
+                <a:solidFill>
+                  <a:schemeClr val="tx1"/>
+                </a:solidFill>
+                <a:latin typeface="Arial" charset="0"/>
+                <a:ea typeface="Arial" charset="0"/>
+                <a:cs typeface="Arial" charset="0"/>
+              </a:defRPr>
+            </a:lvl6pPr>
+            <a:lvl7pPr marL="2971800" indent="-228600" eaLnBrk="0" fontAlgn="base" hangingPunct="0">
+              <a:spcBef>
+                <a:spcPct val="0"/>
+              </a:spcBef>
+              <a:spcAft>
+                <a:spcPct val="0"/>
+              </a:spcAft>
+              <a:defRPr>
+                <a:solidFill>
+                  <a:schemeClr val="tx1"/>
+                </a:solidFill>
+                <a:latin typeface="Arial" charset="0"/>
+                <a:ea typeface="Arial" charset="0"/>
+                <a:cs typeface="Arial" charset="0"/>
+              </a:defRPr>
+            </a:lvl7pPr>
+            <a:lvl8pPr marL="3429000" indent="-228600" eaLnBrk="0" fontAlgn="base" hangingPunct="0">
+              <a:spcBef>
+                <a:spcPct val="0"/>
+              </a:spcBef>
+              <a:spcAft>
+                <a:spcPct val="0"/>
+              </a:spcAft>
+              <a:defRPr>
+                <a:solidFill>
+                  <a:schemeClr val="tx1"/>
+                </a:solidFill>
+                <a:latin typeface="Arial" charset="0"/>
+                <a:ea typeface="Arial" charset="0"/>
+                <a:cs typeface="Arial" charset="0"/>
+              </a:defRPr>
+            </a:lvl8pPr>
+            <a:lvl9pPr marL="3886200" indent="-228600" eaLnBrk="0" fontAlgn="base" hangingPunct="0">
+              <a:spcBef>
+                <a:spcPct val="0"/>
+              </a:spcBef>
+              <a:spcAft>
+                <a:spcPct val="0"/>
+              </a:spcAft>
+              <a:defRPr>
+                <a:solidFill>
+                  <a:schemeClr val="tx1"/>
+                </a:solidFill>
+                <a:latin typeface="Arial" charset="0"/>
+                <a:ea typeface="Arial" charset="0"/>
+                <a:cs typeface="Arial" charset="0"/>
+              </a:defRPr>
+            </a:lvl9pPr>
+          </a:lstStyle>
+          <a:p>
+            <a:pPr eaLnBrk="1" hangingPunct="1"/>
+            <a:fld id="{B30E1B5B-983A-A54B-8730-B0F4F7A98F14}" type="datetime1">
+              <a:rPr lang="en-US" smtClean="0">
+                <a:latin typeface="Garamond" charset="0"/>
+              </a:rPr>
+              <a:t>2/21/2018</a:t>
             </a:fld>
-            <a:endParaRPr lang="en-US"/>
+            <a:endParaRPr lang="en-US">
+              <a:latin typeface="Garamond" charset="0"/>
+            </a:endParaRPr>
           </a:p>
         </p:txBody>
       </p:sp>
@@ -7487,10 +7308,9 @@
               <a:defRPr/>
             </a:pPr>
             <a:r>
-              <a:rPr lang="en-US" altLang="en-US" smtClean="0"/>
-              <a:t>ECE Application Programming: Lecture 10</a:t>
-            </a:r>
-            <a:endParaRPr lang="en-US" altLang="en-US"/>
+              <a:rPr lang="en-US" altLang="en-US"/>
+              <a:t>ECE Application Programming: Exam 1 Preview</a:t>
+            </a:r>
           </a:p>
         </p:txBody>
       </p:sp>
@@ -7507,23 +7327,138 @@
         <p:spPr/>
         <p:txBody>
           <a:bodyPr/>
-          <a:lstStyle/>
-          <a:p>
-            <a:fld id="{1F7A23BD-02AE-1F4B-83EF-E7EAEF234F13}" type="slidenum">
-              <a:rPr lang="en-US" smtClean="0"/>
-              <a:pPr/>
+          <a:lstStyle>
+            <a:lvl1pPr eaLnBrk="0" hangingPunct="0">
+              <a:defRPr>
+                <a:solidFill>
+                  <a:schemeClr val="tx1"/>
+                </a:solidFill>
+                <a:latin typeface="Arial" charset="0"/>
+                <a:ea typeface="ＭＳ Ｐゴシック" charset="0"/>
+                <a:cs typeface="Arial" charset="0"/>
+              </a:defRPr>
+            </a:lvl1pPr>
+            <a:lvl2pPr marL="742950" indent="-285750" eaLnBrk="0" hangingPunct="0">
+              <a:defRPr>
+                <a:solidFill>
+                  <a:schemeClr val="tx1"/>
+                </a:solidFill>
+                <a:latin typeface="Arial" charset="0"/>
+                <a:ea typeface="Arial" charset="0"/>
+                <a:cs typeface="Arial" charset="0"/>
+              </a:defRPr>
+            </a:lvl2pPr>
+            <a:lvl3pPr marL="1143000" indent="-228600" eaLnBrk="0" hangingPunct="0">
+              <a:defRPr>
+                <a:solidFill>
+                  <a:schemeClr val="tx1"/>
+                </a:solidFill>
+                <a:latin typeface="Arial" charset="0"/>
+                <a:ea typeface="Arial" charset="0"/>
+                <a:cs typeface="Arial" charset="0"/>
+              </a:defRPr>
+            </a:lvl3pPr>
+            <a:lvl4pPr marL="1600200" indent="-228600" eaLnBrk="0" hangingPunct="0">
+              <a:defRPr>
+                <a:solidFill>
+                  <a:schemeClr val="tx1"/>
+                </a:solidFill>
+                <a:latin typeface="Arial" charset="0"/>
+                <a:ea typeface="Arial" charset="0"/>
+                <a:cs typeface="Arial" charset="0"/>
+              </a:defRPr>
+            </a:lvl4pPr>
+            <a:lvl5pPr marL="2057400" indent="-228600" eaLnBrk="0" hangingPunct="0">
+              <a:defRPr>
+                <a:solidFill>
+                  <a:schemeClr val="tx1"/>
+                </a:solidFill>
+                <a:latin typeface="Arial" charset="0"/>
+                <a:ea typeface="Arial" charset="0"/>
+                <a:cs typeface="Arial" charset="0"/>
+              </a:defRPr>
+            </a:lvl5pPr>
+            <a:lvl6pPr marL="2514600" indent="-228600" eaLnBrk="0" fontAlgn="base" hangingPunct="0">
+              <a:spcBef>
+                <a:spcPct val="0"/>
+              </a:spcBef>
+              <a:spcAft>
+                <a:spcPct val="0"/>
+              </a:spcAft>
+              <a:defRPr>
+                <a:solidFill>
+                  <a:schemeClr val="tx1"/>
+                </a:solidFill>
+                <a:latin typeface="Arial" charset="0"/>
+                <a:ea typeface="Arial" charset="0"/>
+                <a:cs typeface="Arial" charset="0"/>
+              </a:defRPr>
+            </a:lvl6pPr>
+            <a:lvl7pPr marL="2971800" indent="-228600" eaLnBrk="0" fontAlgn="base" hangingPunct="0">
+              <a:spcBef>
+                <a:spcPct val="0"/>
+              </a:spcBef>
+              <a:spcAft>
+                <a:spcPct val="0"/>
+              </a:spcAft>
+              <a:defRPr>
+                <a:solidFill>
+                  <a:schemeClr val="tx1"/>
+                </a:solidFill>
+                <a:latin typeface="Arial" charset="0"/>
+                <a:ea typeface="Arial" charset="0"/>
+                <a:cs typeface="Arial" charset="0"/>
+              </a:defRPr>
+            </a:lvl7pPr>
+            <a:lvl8pPr marL="3429000" indent="-228600" eaLnBrk="0" fontAlgn="base" hangingPunct="0">
+              <a:spcBef>
+                <a:spcPct val="0"/>
+              </a:spcBef>
+              <a:spcAft>
+                <a:spcPct val="0"/>
+              </a:spcAft>
+              <a:defRPr>
+                <a:solidFill>
+                  <a:schemeClr val="tx1"/>
+                </a:solidFill>
+                <a:latin typeface="Arial" charset="0"/>
+                <a:ea typeface="Arial" charset="0"/>
+                <a:cs typeface="Arial" charset="0"/>
+              </a:defRPr>
+            </a:lvl8pPr>
+            <a:lvl9pPr marL="3886200" indent="-228600" eaLnBrk="0" fontAlgn="base" hangingPunct="0">
+              <a:spcBef>
+                <a:spcPct val="0"/>
+              </a:spcBef>
+              <a:spcAft>
+                <a:spcPct val="0"/>
+              </a:spcAft>
+              <a:defRPr>
+                <a:solidFill>
+                  <a:schemeClr val="tx1"/>
+                </a:solidFill>
+                <a:latin typeface="Arial" charset="0"/>
+                <a:ea typeface="Arial" charset="0"/>
+                <a:cs typeface="Arial" charset="0"/>
+              </a:defRPr>
+            </a:lvl9pPr>
+          </a:lstStyle>
+          <a:p>
+            <a:pPr eaLnBrk="1" hangingPunct="1"/>
+            <a:fld id="{4D09F8DB-453B-AF4D-A32F-8152B3290C06}" type="slidenum">
+              <a:rPr lang="en-US">
+                <a:latin typeface="Garamond" charset="0"/>
+              </a:rPr>
+              <a:pPr eaLnBrk="1" hangingPunct="1"/>
               <a:t>12</a:t>
             </a:fld>
-            <a:endParaRPr lang="en-US"/>
+            <a:endParaRPr lang="en-US">
+              <a:latin typeface="Garamond" charset="0"/>
+            </a:endParaRPr>
           </a:p>
         </p:txBody>
       </p:sp>
     </p:spTree>
-    <p:extLst>
-      <p:ext uri="{BB962C8B-B14F-4D97-AF65-F5344CB8AC3E}">
-        <p14:creationId xmlns:p14="http://schemas.microsoft.com/office/powerpoint/2010/main" val="1230279478"/>
-      </p:ext>
-    </p:extLst>
   </p:cSld>
   <p:clrMapOvr>
     <a:masterClrMapping/>
@@ -7531,7 +7466,7 @@
   <p:timing>
     <p:tnLst>
       <p:par>
-        <p:cTn xmlns:p14="http://schemas.microsoft.com/office/powerpoint/2010/main" id="1" dur="indefinite" restart="never" nodeType="tmRoot"/>
+        <p:cTn id="1" dur="indefinite" restart="never" nodeType="tmRoot"/>
       </p:par>
     </p:tnLst>
   </p:timing>
@@ -7557,7 +7492,7 @@
       </p:grpSpPr>
       <p:sp>
         <p:nvSpPr>
-          <p:cNvPr id="16386" name="Title 1"/>
+          <p:cNvPr id="17410" name="Title 1"/>
           <p:cNvSpPr>
             <a:spLocks noGrp="1"/>
           </p:cNvSpPr>
@@ -7574,14 +7509,14 @@
               <a:rPr lang="en-US">
                 <a:latin typeface="Garamond" charset="0"/>
               </a:rPr>
-              <a:t>Review: switch statements</a:t>
-            </a:r>
-          </a:p>
-        </p:txBody>
-      </p:sp>
-      <p:sp>
-        <p:nvSpPr>
-          <p:cNvPr id="3" name="Content Placeholder 2"/>
+              <a:t>Review: while/do-while loops</a:t>
+            </a:r>
+          </a:p>
+        </p:txBody>
+      </p:sp>
+      <p:sp>
+        <p:nvSpPr>
+          <p:cNvPr id="17411" name="Content Placeholder 2"/>
           <p:cNvSpPr>
             <a:spLocks noGrp="1"/>
           </p:cNvSpPr>
@@ -7591,264 +7526,109 @@
         </p:nvSpPr>
         <p:spPr/>
         <p:txBody>
-          <a:bodyPr>
-            <a:normAutofit fontScale="70000" lnSpcReduction="20000"/>
-          </a:bodyPr>
+          <a:bodyPr/>
           <a:lstStyle/>
           <a:p>
-            <a:pPr>
-              <a:buFont typeface="Wingdings" pitchFamily="2" charset="2"/>
-              <a:buChar char="n"/>
-              <a:defRPr/>
+            <a:r>
+              <a:rPr lang="en-US">
+                <a:latin typeface="Arial" charset="0"/>
+              </a:rPr>
+              <a:t>Used for repetition of code</a:t>
+            </a:r>
+          </a:p>
+          <a:p>
+            <a:r>
+              <a:rPr lang="en-US">
+                <a:latin typeface="Courier New" charset="0"/>
+                <a:cs typeface="Courier New" charset="0"/>
+              </a:rPr>
+              <a:t>while (&lt;expression&gt;)</a:t>
+            </a:r>
+          </a:p>
+          <a:p>
+            <a:pPr lvl="1">
+              <a:buFont typeface="Wingdings" charset="0"/>
+              <a:buNone/>
             </a:pPr>
             <a:r>
-              <a:rPr lang="en-US" dirty="0" smtClean="0">
-                <a:ea typeface="+mn-ea"/>
-              </a:rPr>
-              <a:t>When checking multiple exact values for expression, more sense to use </a:t>
-            </a:r>
-            <a:r>
-              <a:rPr lang="en-US" dirty="0" smtClean="0">
+              <a:rPr lang="en-US">
+                <a:latin typeface="Courier New" charset="0"/>
+                <a:cs typeface="Courier New" charset="0"/>
+              </a:rPr>
+              <a:t>	</a:t>
+            </a:r>
+            <a:r>
+              <a:rPr lang="en-US" sz="3000">
+                <a:latin typeface="Courier New" charset="0"/>
+                <a:cs typeface="Courier New" charset="0"/>
+              </a:rPr>
+              <a:t>&lt;statement&gt;</a:t>
+            </a:r>
+            <a:r>
+              <a:rPr lang="en-US">
+                <a:latin typeface="Courier New" charset="0"/>
+                <a:cs typeface="Courier New" charset="0"/>
+              </a:rPr>
+              <a:t>	</a:t>
+            </a:r>
+            <a:r>
+              <a:rPr lang="en-US">
+                <a:latin typeface="Courier New" charset="0"/>
+                <a:cs typeface="Courier New" charset="0"/>
+                <a:sym typeface="Wingdings" charset="0"/>
+              </a:rPr>
+              <a:t> </a:t>
+            </a:r>
+            <a:r>
+              <a:rPr lang="en-US" i="1">
+                <a:latin typeface="Arial" charset="0"/>
+                <a:cs typeface="Courier New" charset="0"/>
+                <a:sym typeface="Wingdings" charset="0"/>
+              </a:rPr>
+              <a:t>loop body</a:t>
+            </a:r>
+          </a:p>
+          <a:p>
+            <a:r>
+              <a:rPr lang="en-US">
+                <a:latin typeface="Courier New" charset="0"/>
+              </a:rPr>
+              <a:t>do {</a:t>
+            </a:r>
+            <a:br>
+              <a:rPr lang="en-US">
+                <a:latin typeface="Courier New" charset="0"/>
+              </a:rPr>
+            </a:br>
+            <a:r>
+              <a:rPr lang="en-US">
+                <a:latin typeface="Courier New" charset="0"/>
+              </a:rPr>
+              <a:t>	&lt;statements&gt;</a:t>
+            </a:r>
+            <a:br>
+              <a:rPr lang="en-US">
+                <a:latin typeface="Courier New" charset="0"/>
+              </a:rPr>
+            </a:br>
+            <a:r>
+              <a:rPr lang="en-US">
+                <a:latin typeface="Courier New" charset="0"/>
+              </a:rPr>
+              <a:t>} while ( &lt;expression&gt;  )</a:t>
+            </a:r>
+            <a:r>
+              <a:rPr lang="en-US" b="1">
                 <a:solidFill>
                   <a:srgbClr val="FF0000"/>
                 </a:solidFill>
-                <a:ea typeface="+mn-ea"/>
-              </a:rPr>
-              <a:t>switch statement</a:t>
-            </a:r>
-          </a:p>
-          <a:p>
-            <a:pPr lvl="1">
-              <a:buFont typeface="Wingdings" pitchFamily="2" charset="2"/>
-              <a:buChar char="q"/>
-              <a:defRPr/>
-            </a:pPr>
-            <a:r>
-              <a:rPr lang="en-US" dirty="0" smtClean="0">
-                <a:latin typeface="Courier New" pitchFamily="49" charset="0"/>
-                <a:cs typeface="Courier New" pitchFamily="49" charset="0"/>
-              </a:rPr>
-              <a:t>switch (&lt;</a:t>
-            </a:r>
-            <a:r>
-              <a:rPr lang="en-US" dirty="0" err="1" smtClean="0">
-                <a:latin typeface="Courier New" pitchFamily="49" charset="0"/>
-                <a:cs typeface="Courier New" pitchFamily="49" charset="0"/>
-              </a:rPr>
-              <a:t>expr</a:t>
-            </a:r>
-            <a:r>
-              <a:rPr lang="en-US" dirty="0" smtClean="0">
-                <a:latin typeface="Courier New" pitchFamily="49" charset="0"/>
-                <a:cs typeface="Courier New" pitchFamily="49" charset="0"/>
-              </a:rPr>
-              <a:t>&gt;) {</a:t>
-            </a:r>
-          </a:p>
-          <a:p>
-            <a:pPr lvl="1">
-              <a:buFont typeface="Wingdings" pitchFamily="2" charset="2"/>
-              <a:buNone/>
-              <a:defRPr/>
-            </a:pPr>
-            <a:r>
-              <a:rPr lang="en-US" dirty="0" smtClean="0">
-                <a:latin typeface="Courier New" pitchFamily="49" charset="0"/>
-                <a:cs typeface="Courier New" pitchFamily="49" charset="0"/>
-              </a:rPr>
-              <a:t>	case &lt;val1&gt; :</a:t>
-            </a:r>
-          </a:p>
-          <a:p>
-            <a:pPr lvl="1">
-              <a:buFont typeface="Wingdings" pitchFamily="2" charset="2"/>
-              <a:buNone/>
-              <a:defRPr/>
-            </a:pPr>
-            <a:r>
-              <a:rPr lang="en-US" dirty="0" smtClean="0">
-                <a:latin typeface="Courier New" pitchFamily="49" charset="0"/>
-                <a:cs typeface="Courier New" pitchFamily="49" charset="0"/>
-              </a:rPr>
-              <a:t>		...</a:t>
-            </a:r>
-          </a:p>
-          <a:p>
-            <a:pPr lvl="1">
-              <a:buFont typeface="Wingdings" pitchFamily="2" charset="2"/>
-              <a:buNone/>
-              <a:defRPr/>
-            </a:pPr>
-            <a:r>
-              <a:rPr lang="en-US" dirty="0" smtClean="0">
-                <a:latin typeface="Courier New" pitchFamily="49" charset="0"/>
-                <a:cs typeface="Courier New" pitchFamily="49" charset="0"/>
-              </a:rPr>
-              <a:t>		break;</a:t>
-            </a:r>
-          </a:p>
-          <a:p>
-            <a:pPr lvl="1">
-              <a:buFont typeface="Wingdings" pitchFamily="2" charset="2"/>
-              <a:buNone/>
-              <a:defRPr/>
-            </a:pPr>
-            <a:r>
-              <a:rPr lang="en-US" dirty="0" smtClean="0">
-                <a:latin typeface="Courier New" pitchFamily="49" charset="0"/>
-                <a:cs typeface="Courier New" pitchFamily="49" charset="0"/>
-              </a:rPr>
-              <a:t>	case &lt;val2&gt; :</a:t>
-            </a:r>
-          </a:p>
-          <a:p>
-            <a:pPr lvl="1">
-              <a:buFont typeface="Wingdings" pitchFamily="2" charset="2"/>
-              <a:buNone/>
-              <a:defRPr/>
-            </a:pPr>
-            <a:r>
-              <a:rPr lang="en-US" dirty="0" smtClean="0">
-                <a:latin typeface="Courier New" pitchFamily="49" charset="0"/>
-                <a:cs typeface="Courier New" pitchFamily="49" charset="0"/>
-              </a:rPr>
-              <a:t>		...</a:t>
-            </a:r>
-          </a:p>
-          <a:p>
-            <a:pPr lvl="1">
-              <a:buFont typeface="Wingdings" pitchFamily="2" charset="2"/>
-              <a:buNone/>
-              <a:defRPr/>
-            </a:pPr>
-            <a:r>
-              <a:rPr lang="en-US" dirty="0" smtClean="0">
-                <a:latin typeface="Courier New" pitchFamily="49" charset="0"/>
-                <a:cs typeface="Courier New" pitchFamily="49" charset="0"/>
-              </a:rPr>
-              <a:t>		break;</a:t>
-            </a:r>
-          </a:p>
-          <a:p>
-            <a:pPr lvl="1">
-              <a:buFont typeface="Wingdings" pitchFamily="2" charset="2"/>
-              <a:buNone/>
-              <a:defRPr/>
-            </a:pPr>
-            <a:r>
-              <a:rPr lang="en-US" dirty="0" smtClean="0">
-                <a:latin typeface="Courier New" pitchFamily="49" charset="0"/>
-                <a:cs typeface="Courier New" pitchFamily="49" charset="0"/>
-              </a:rPr>
-              <a:t>	...</a:t>
-            </a:r>
-          </a:p>
-          <a:p>
-            <a:pPr lvl="1">
-              <a:buFont typeface="Wingdings" pitchFamily="2" charset="2"/>
-              <a:buNone/>
-              <a:defRPr/>
-            </a:pPr>
-            <a:r>
-              <a:rPr lang="en-US" dirty="0" smtClean="0">
-                <a:latin typeface="Courier New" pitchFamily="49" charset="0"/>
-                <a:cs typeface="Courier New" pitchFamily="49" charset="0"/>
-              </a:rPr>
-              <a:t>	default:</a:t>
-            </a:r>
-          </a:p>
-          <a:p>
-            <a:pPr lvl="1">
-              <a:buFont typeface="Wingdings" pitchFamily="2" charset="2"/>
-              <a:buNone/>
-              <a:defRPr/>
-            </a:pPr>
-            <a:r>
-              <a:rPr lang="en-US" dirty="0" smtClean="0">
-                <a:latin typeface="Courier New" pitchFamily="49" charset="0"/>
-                <a:cs typeface="Courier New" pitchFamily="49" charset="0"/>
-              </a:rPr>
-              <a:t>		...</a:t>
-            </a:r>
-          </a:p>
-          <a:p>
-            <a:pPr lvl="1">
-              <a:buFont typeface="Wingdings" pitchFamily="2" charset="2"/>
-              <a:buNone/>
-              <a:defRPr/>
-            </a:pPr>
-            <a:r>
-              <a:rPr lang="en-US" dirty="0" smtClean="0">
-                <a:latin typeface="Courier New" pitchFamily="49" charset="0"/>
-                <a:cs typeface="Courier New" pitchFamily="49" charset="0"/>
-              </a:rPr>
-              <a:t>	}</a:t>
-            </a:r>
-          </a:p>
-          <a:p>
-            <a:pPr>
-              <a:buFont typeface="Wingdings" pitchFamily="2" charset="2"/>
-              <a:buChar char="n"/>
-              <a:defRPr/>
-            </a:pPr>
-            <a:r>
-              <a:rPr lang="en-US" dirty="0" smtClean="0">
-                <a:latin typeface="Courier New" pitchFamily="49" charset="0"/>
-                <a:ea typeface="+mn-ea"/>
-                <a:cs typeface="Courier New" pitchFamily="49" charset="0"/>
-              </a:rPr>
-              <a:t>break</a:t>
-            </a:r>
-            <a:r>
-              <a:rPr lang="en-US" dirty="0" smtClean="0">
-                <a:ea typeface="+mn-ea"/>
-                <a:cs typeface="Courier New" pitchFamily="49" charset="0"/>
-              </a:rPr>
-              <a:t> allows you to exit switch statement after completing code</a:t>
-            </a:r>
-          </a:p>
-          <a:p>
-            <a:pPr lvl="1">
-              <a:buFont typeface="Wingdings" pitchFamily="2" charset="2"/>
-              <a:buChar char="q"/>
-              <a:defRPr/>
-            </a:pPr>
-            <a:r>
-              <a:rPr lang="en-US" dirty="0" smtClean="0">
-                <a:cs typeface="Courier New" pitchFamily="49" charset="0"/>
-              </a:rPr>
-              <a:t>Otherwise, program will continue to run through cases until finding break</a:t>
-            </a:r>
-          </a:p>
-          <a:p>
-            <a:pPr>
-              <a:buFont typeface="Wingdings" pitchFamily="2" charset="2"/>
-              <a:buChar char="n"/>
-              <a:defRPr/>
-            </a:pPr>
-            <a:r>
-              <a:rPr lang="en-US" dirty="0" smtClean="0">
-                <a:latin typeface="Courier New" pitchFamily="49" charset="0"/>
-                <a:ea typeface="+mn-ea"/>
-                <a:cs typeface="Courier New" pitchFamily="49" charset="0"/>
-              </a:rPr>
-              <a:t>default</a:t>
-            </a:r>
-            <a:r>
-              <a:rPr lang="en-US" dirty="0" smtClean="0">
-                <a:ea typeface="+mn-ea"/>
-                <a:cs typeface="Courier New" pitchFamily="49" charset="0"/>
-              </a:rPr>
-              <a:t> covers any values without specific case</a:t>
-            </a:r>
-          </a:p>
-          <a:p>
-            <a:pPr lvl="1">
-              <a:buFont typeface="Wingdings" pitchFamily="2" charset="2"/>
-              <a:buChar char="q"/>
-              <a:defRPr/>
-            </a:pPr>
-            <a:endParaRPr lang="en-US" dirty="0"/>
+                <a:latin typeface="Courier New" charset="0"/>
+              </a:rPr>
+              <a:t>;</a:t>
+            </a:r>
+            <a:endParaRPr lang="en-US">
+              <a:latin typeface="Arial" charset="0"/>
+            </a:endParaRPr>
           </a:p>
         </p:txBody>
       </p:sp>
@@ -7983,11 +7763,11 @@
           </a:lstStyle>
           <a:p>
             <a:pPr eaLnBrk="1" hangingPunct="1"/>
-            <a:fld id="{B30E1B5B-983A-A54B-8730-B0F4F7A98F14}" type="datetime1">
+            <a:fld id="{3F4DE67D-E919-F449-85C4-1DB1D2947726}" type="datetime1">
               <a:rPr lang="en-US" smtClean="0">
                 <a:latin typeface="Garamond" charset="0"/>
               </a:rPr>
-              <a:t>2/20/18</a:t>
+              <a:t>2/21/2018</a:t>
             </a:fld>
             <a:endParaRPr lang="en-US">
               <a:latin typeface="Garamond" charset="0"/>
@@ -8151,7 +7931,7 @@
           </a:lstStyle>
           <a:p>
             <a:pPr eaLnBrk="1" hangingPunct="1"/>
-            <a:fld id="{4D09F8DB-453B-AF4D-A32F-8152B3290C06}" type="slidenum">
+            <a:fld id="{6B2CD03C-ED28-FB43-87DC-5533CC68F0B5}" type="slidenum">
               <a:rPr lang="en-US">
                 <a:latin typeface="Garamond" charset="0"/>
               </a:rPr>
@@ -8172,7 +7952,7 @@
   <p:timing>
     <p:tnLst>
       <p:par>
-        <p:cTn xmlns:p14="http://schemas.microsoft.com/office/powerpoint/2010/main" id="1" dur="indefinite" restart="never" nodeType="tmRoot"/>
+        <p:cTn id="1" dur="indefinite" restart="never" nodeType="tmRoot"/>
       </p:par>
     </p:tnLst>
   </p:timing>
@@ -8198,7 +7978,7 @@
       </p:grpSpPr>
       <p:sp>
         <p:nvSpPr>
-          <p:cNvPr id="17410" name="Title 1"/>
+          <p:cNvPr id="19458" name="Title 1"/>
           <p:cNvSpPr>
             <a:spLocks noGrp="1"/>
           </p:cNvSpPr>
@@ -8215,14 +7995,14 @@
               <a:rPr lang="en-US">
                 <a:latin typeface="Garamond" charset="0"/>
               </a:rPr>
-              <a:t>Review: while/do-while loops</a:t>
-            </a:r>
-          </a:p>
-        </p:txBody>
-      </p:sp>
-      <p:sp>
-        <p:nvSpPr>
-          <p:cNvPr id="17411" name="Content Placeholder 2"/>
+              <a:t>Final notes</a:t>
+            </a:r>
+          </a:p>
+        </p:txBody>
+      </p:sp>
+      <p:sp>
+        <p:nvSpPr>
+          <p:cNvPr id="19459" name="Content Placeholder 2"/>
           <p:cNvSpPr>
             <a:spLocks noGrp="1"/>
           </p:cNvSpPr>
@@ -8232,107 +8012,128 @@
         </p:nvSpPr>
         <p:spPr/>
         <p:txBody>
-          <a:bodyPr/>
+          <a:bodyPr>
+            <a:normAutofit lnSpcReduction="10000"/>
+          </a:bodyPr>
           <a:lstStyle/>
           <a:p>
             <a:r>
-              <a:rPr lang="en-US">
-                <a:latin typeface="Arial" charset="0"/>
-              </a:rPr>
-              <a:t>Used for repetition of code</a:t>
-            </a:r>
-          </a:p>
-          <a:p>
-            <a:r>
-              <a:rPr lang="en-US">
-                <a:latin typeface="Courier New" charset="0"/>
-                <a:cs typeface="Courier New" charset="0"/>
-              </a:rPr>
-              <a:t>while (&lt;expression&gt;)</a:t>
-            </a:r>
-          </a:p>
-          <a:p>
-            <a:pPr lvl="1">
-              <a:buFont typeface="Wingdings" charset="0"/>
-              <a:buNone/>
-            </a:pPr>
-            <a:r>
-              <a:rPr lang="en-US">
-                <a:latin typeface="Courier New" charset="0"/>
-                <a:cs typeface="Courier New" charset="0"/>
-              </a:rPr>
-              <a:t>	</a:t>
-            </a:r>
-            <a:r>
-              <a:rPr lang="en-US" sz="3000">
-                <a:latin typeface="Courier New" charset="0"/>
-                <a:cs typeface="Courier New" charset="0"/>
-              </a:rPr>
-              <a:t>&lt;statement&gt;</a:t>
-            </a:r>
-            <a:r>
-              <a:rPr lang="en-US">
-                <a:latin typeface="Courier New" charset="0"/>
-                <a:cs typeface="Courier New" charset="0"/>
-              </a:rPr>
-              <a:t>	</a:t>
-            </a:r>
-            <a:r>
-              <a:rPr lang="en-US">
-                <a:latin typeface="Courier New" charset="0"/>
-                <a:cs typeface="Courier New" charset="0"/>
-                <a:sym typeface="Wingdings" charset="0"/>
-              </a:rPr>
-              <a:t> </a:t>
-            </a:r>
-            <a:r>
-              <a:rPr lang="en-US" i="1">
-                <a:latin typeface="Arial" charset="0"/>
-                <a:cs typeface="Courier New" charset="0"/>
-                <a:sym typeface="Wingdings" charset="0"/>
-              </a:rPr>
-              <a:t>loop body</a:t>
-            </a:r>
-          </a:p>
-          <a:p>
-            <a:r>
-              <a:rPr lang="en-US">
-                <a:latin typeface="Courier New" charset="0"/>
-              </a:rPr>
-              <a:t>do {</a:t>
-            </a:r>
-            <a:br>
-              <a:rPr lang="en-US">
-                <a:latin typeface="Courier New" charset="0"/>
-              </a:rPr>
-            </a:br>
-            <a:r>
-              <a:rPr lang="en-US">
-                <a:latin typeface="Courier New" charset="0"/>
-              </a:rPr>
-              <a:t>	&lt;statements&gt;</a:t>
-            </a:r>
-            <a:br>
-              <a:rPr lang="en-US">
-                <a:latin typeface="Courier New" charset="0"/>
-              </a:rPr>
-            </a:br>
-            <a:r>
-              <a:rPr lang="en-US">
-                <a:latin typeface="Courier New" charset="0"/>
-              </a:rPr>
-              <a:t>} while ( &lt;expression&gt;  )</a:t>
-            </a:r>
-            <a:r>
-              <a:rPr lang="en-US" b="1">
+              <a:rPr lang="en-US" dirty="0">
+                <a:latin typeface="Arial" charset="0"/>
+              </a:rPr>
+              <a:t>Next time</a:t>
+            </a:r>
+          </a:p>
+          <a:p>
+            <a:pPr lvl="1"/>
+            <a:r>
+              <a:rPr lang="en-US" dirty="0">
+                <a:latin typeface="Arial" charset="0"/>
+              </a:rPr>
+              <a:t>Exam 1—</a:t>
+            </a:r>
+            <a:r>
+              <a:rPr lang="en-US" b="1" u="sng" dirty="0">
+                <a:latin typeface="Arial" charset="0"/>
+              </a:rPr>
+              <a:t>PLEASE BE ON TIME!!!</a:t>
+            </a:r>
+            <a:endParaRPr lang="en-US" dirty="0">
+              <a:latin typeface="Arial" charset="0"/>
+            </a:endParaRPr>
+          </a:p>
+          <a:p>
+            <a:r>
+              <a:rPr lang="en-US" dirty="0">
+                <a:latin typeface="Arial" charset="0"/>
+              </a:rPr>
+              <a:t>Reminders:</a:t>
+            </a:r>
+          </a:p>
+          <a:p>
+            <a:pPr lvl="1"/>
+            <a:r>
+              <a:rPr lang="en-US" dirty="0">
+                <a:latin typeface="Arial" charset="0"/>
+              </a:rPr>
+              <a:t>Thursday 2/22 office hours: 2-3 PM</a:t>
+            </a:r>
+          </a:p>
+          <a:p>
+            <a:pPr lvl="1"/>
+            <a:r>
+              <a:rPr lang="en-US" dirty="0">
+                <a:latin typeface="Arial" charset="0"/>
+              </a:rPr>
+              <a:t>Program 4 to be posted; due 3/2</a:t>
+            </a:r>
+          </a:p>
+          <a:p>
+            <a:pPr lvl="1"/>
+            <a:r>
+              <a:rPr lang="en-US" dirty="0">
+                <a:latin typeface="Arial" charset="0"/>
+              </a:rPr>
+              <a:t>Exam 1: Friday, 2/23</a:t>
+            </a:r>
+          </a:p>
+          <a:p>
+            <a:pPr lvl="2"/>
+            <a:r>
+              <a:rPr lang="en-US" dirty="0">
+                <a:latin typeface="Arial" charset="0"/>
+              </a:rPr>
+              <a:t>Will be allowed one double-sided 8.5” x 11” note sheet</a:t>
+            </a:r>
+          </a:p>
+          <a:p>
+            <a:pPr lvl="2"/>
+            <a:r>
+              <a:rPr lang="en-US" dirty="0">
+                <a:latin typeface="Arial" charset="0"/>
+              </a:rPr>
+              <a:t>No calculators or other electronic devices allowed</a:t>
+            </a:r>
+          </a:p>
+          <a:p>
+            <a:pPr lvl="2"/>
+            <a:r>
+              <a:rPr lang="en-US" b="1" dirty="0">
                 <a:solidFill>
                   <a:srgbClr val="FF0000"/>
                 </a:solidFill>
-                <a:latin typeface="Courier New" charset="0"/>
-              </a:rPr>
-              <a:t>;</a:t>
-            </a:r>
-            <a:endParaRPr lang="en-US">
+                <a:latin typeface="Arial" charset="0"/>
+              </a:rPr>
+              <a:t>Students with exam-related accommodations must contact me ASAP</a:t>
+            </a:r>
+            <a:endParaRPr lang="en-US" dirty="0">
+              <a:latin typeface="Arial" charset="0"/>
+            </a:endParaRPr>
+          </a:p>
+          <a:p>
+            <a:pPr lvl="1"/>
+            <a:r>
+              <a:rPr lang="en-US" dirty="0">
+                <a:latin typeface="Arial" charset="0"/>
+              </a:rPr>
+              <a:t>P1 &amp; P2 graded; </a:t>
+            </a:r>
+            <a:r>
+              <a:rPr lang="en-US" dirty="0" err="1">
+                <a:latin typeface="Arial" charset="0"/>
+              </a:rPr>
+              <a:t>regrades</a:t>
+            </a:r>
+            <a:r>
+              <a:rPr lang="en-US" dirty="0">
+                <a:latin typeface="Arial" charset="0"/>
+              </a:rPr>
+              <a:t> for both due Monday, 2/26</a:t>
+            </a:r>
+          </a:p>
+          <a:p>
+            <a:pPr lvl="1"/>
+            <a:endParaRPr lang="en-US" dirty="0">
               <a:latin typeface="Arial" charset="0"/>
             </a:endParaRPr>
           </a:p>
@@ -8469,11 +8270,11 @@
           </a:lstStyle>
           <a:p>
             <a:pPr eaLnBrk="1" hangingPunct="1"/>
-            <a:fld id="{3F4DE67D-E919-F449-85C4-1DB1D2947726}" type="datetime1">
+            <a:fld id="{CE7322E2-02AF-0A4A-9ABC-D5AF0D13D52A}" type="datetime1">
               <a:rPr lang="en-US" smtClean="0">
                 <a:latin typeface="Garamond" charset="0"/>
               </a:rPr>
-              <a:t>2/20/18</a:t>
+              <a:t>2/21/2018</a:t>
             </a:fld>
             <a:endParaRPr lang="en-US">
               <a:latin typeface="Garamond" charset="0"/>
@@ -8637,7 +8438,7 @@
           </a:lstStyle>
           <a:p>
             <a:pPr eaLnBrk="1" hangingPunct="1"/>
-            <a:fld id="{6B2CD03C-ED28-FB43-87DC-5533CC68F0B5}" type="slidenum">
+            <a:fld id="{1F052FB5-A6C5-164E-99EC-C7FA6CDD7E95}" type="slidenum">
               <a:rPr lang="en-US">
                 <a:latin typeface="Garamond" charset="0"/>
               </a:rPr>
@@ -8658,514 +8459,7 @@
   <p:timing>
     <p:tnLst>
       <p:par>
-        <p:cTn xmlns:p14="http://schemas.microsoft.com/office/powerpoint/2010/main" id="1" dur="indefinite" restart="never" nodeType="tmRoot"/>
-      </p:par>
-    </p:tnLst>
-  </p:timing>
-</p:sld>
-</file>
-
-<file path=ppt/slides/slide15.xml><?xml version="1.0" encoding="utf-8"?>
-<p:sld xmlns:a="http://schemas.openxmlformats.org/drawingml/2006/main" xmlns:r="http://schemas.openxmlformats.org/officeDocument/2006/relationships" xmlns:p="http://schemas.openxmlformats.org/presentationml/2006/main">
-  <p:cSld>
-    <p:spTree>
-      <p:nvGrpSpPr>
-        <p:cNvPr id="1" name=""/>
-        <p:cNvGrpSpPr/>
-        <p:nvPr/>
-      </p:nvGrpSpPr>
-      <p:grpSpPr>
-        <a:xfrm>
-          <a:off x="0" y="0"/>
-          <a:ext cx="0" cy="0"/>
-          <a:chOff x="0" y="0"/>
-          <a:chExt cx="0" cy="0"/>
-        </a:xfrm>
-      </p:grpSpPr>
-      <p:sp>
-        <p:nvSpPr>
-          <p:cNvPr id="19458" name="Title 1"/>
-          <p:cNvSpPr>
-            <a:spLocks noGrp="1"/>
-          </p:cNvSpPr>
-          <p:nvPr>
-            <p:ph type="title"/>
-          </p:nvPr>
-        </p:nvSpPr>
-        <p:spPr/>
-        <p:txBody>
-          <a:bodyPr/>
-          <a:lstStyle/>
-          <a:p>
-            <a:r>
-              <a:rPr lang="en-US">
-                <a:latin typeface="Garamond" charset="0"/>
-              </a:rPr>
-              <a:t>Final notes</a:t>
-            </a:r>
-          </a:p>
-        </p:txBody>
-      </p:sp>
-      <p:sp>
-        <p:nvSpPr>
-          <p:cNvPr id="19459" name="Content Placeholder 2"/>
-          <p:cNvSpPr>
-            <a:spLocks noGrp="1"/>
-          </p:cNvSpPr>
-          <p:nvPr>
-            <p:ph idx="1"/>
-          </p:nvPr>
-        </p:nvSpPr>
-        <p:spPr/>
-        <p:txBody>
-          <a:bodyPr>
-            <a:normAutofit lnSpcReduction="10000"/>
-          </a:bodyPr>
-          <a:lstStyle/>
-          <a:p>
-            <a:r>
-              <a:rPr lang="en-US" dirty="0">
-                <a:latin typeface="Arial" charset="0"/>
-              </a:rPr>
-              <a:t>Next time</a:t>
-            </a:r>
-          </a:p>
-          <a:p>
-            <a:pPr lvl="1"/>
-            <a:r>
-              <a:rPr lang="en-US" dirty="0">
-                <a:latin typeface="Arial" charset="0"/>
-              </a:rPr>
-              <a:t>Exam 1—</a:t>
-            </a:r>
-            <a:r>
-              <a:rPr lang="en-US" b="1" u="sng" dirty="0">
-                <a:latin typeface="Arial" charset="0"/>
-              </a:rPr>
-              <a:t>PLEASE BE ON TIME!!!</a:t>
-            </a:r>
-            <a:endParaRPr lang="en-US" dirty="0">
-              <a:latin typeface="Arial" charset="0"/>
-            </a:endParaRPr>
-          </a:p>
-          <a:p>
-            <a:r>
-              <a:rPr lang="en-US" dirty="0">
-                <a:latin typeface="Arial" charset="0"/>
-              </a:rPr>
-              <a:t>Reminders:</a:t>
-            </a:r>
-          </a:p>
-          <a:p>
-            <a:pPr lvl="1"/>
-            <a:r>
-              <a:rPr lang="en-US" dirty="0">
-                <a:latin typeface="Arial" charset="0"/>
-              </a:rPr>
-              <a:t>Thursday 2/22 office hours: 2-3 PM</a:t>
-            </a:r>
-          </a:p>
-          <a:p>
-            <a:pPr lvl="1"/>
-            <a:r>
-              <a:rPr lang="en-US" dirty="0">
-                <a:latin typeface="Arial" charset="0"/>
-              </a:rPr>
-              <a:t>Program 4 to be posted; due 3/2</a:t>
-            </a:r>
-          </a:p>
-          <a:p>
-            <a:pPr lvl="1"/>
-            <a:r>
-              <a:rPr lang="en-US" dirty="0">
-                <a:latin typeface="Arial" charset="0"/>
-              </a:rPr>
-              <a:t>Exam 1: Friday, 2/23</a:t>
-            </a:r>
-          </a:p>
-          <a:p>
-            <a:pPr lvl="2"/>
-            <a:r>
-              <a:rPr lang="en-US" dirty="0">
-                <a:latin typeface="Arial" charset="0"/>
-              </a:rPr>
-              <a:t>Will be allowed one double-sided 8.5” x 11” note sheet</a:t>
-            </a:r>
-          </a:p>
-          <a:p>
-            <a:pPr lvl="2"/>
-            <a:r>
-              <a:rPr lang="en-US" dirty="0">
-                <a:latin typeface="Arial" charset="0"/>
-              </a:rPr>
-              <a:t>No calculators or other electronic devices allowed</a:t>
-            </a:r>
-          </a:p>
-          <a:p>
-            <a:pPr lvl="2"/>
-            <a:r>
-              <a:rPr lang="en-US" b="1" dirty="0">
-                <a:solidFill>
-                  <a:srgbClr val="FF0000"/>
-                </a:solidFill>
-                <a:latin typeface="Arial" charset="0"/>
-              </a:rPr>
-              <a:t>Students with exam-related accommodations must contact me ASAP</a:t>
-            </a:r>
-            <a:endParaRPr lang="en-US" dirty="0">
-              <a:latin typeface="Arial" charset="0"/>
-            </a:endParaRPr>
-          </a:p>
-          <a:p>
-            <a:pPr lvl="1"/>
-            <a:r>
-              <a:rPr lang="en-US" dirty="0">
-                <a:latin typeface="Arial" charset="0"/>
-              </a:rPr>
-              <a:t>P1 &amp; P2 graded; </a:t>
-            </a:r>
-            <a:r>
-              <a:rPr lang="en-US" dirty="0" err="1">
-                <a:latin typeface="Arial" charset="0"/>
-              </a:rPr>
-              <a:t>regrades</a:t>
-            </a:r>
-            <a:r>
-              <a:rPr lang="en-US" dirty="0">
-                <a:latin typeface="Arial" charset="0"/>
-              </a:rPr>
-              <a:t> for both due Monday, 2/26</a:t>
-            </a:r>
-          </a:p>
-          <a:p>
-            <a:pPr lvl="1"/>
-            <a:endParaRPr lang="en-US" dirty="0">
-              <a:latin typeface="Arial" charset="0"/>
-            </a:endParaRPr>
-          </a:p>
-        </p:txBody>
-      </p:sp>
-      <p:sp>
-        <p:nvSpPr>
-          <p:cNvPr id="4" name="Date Placeholder 3"/>
-          <p:cNvSpPr>
-            <a:spLocks noGrp="1"/>
-          </p:cNvSpPr>
-          <p:nvPr>
-            <p:ph type="dt" sz="quarter" idx="10"/>
-          </p:nvPr>
-        </p:nvSpPr>
-        <p:spPr/>
-        <p:txBody>
-          <a:bodyPr/>
-          <a:lstStyle>
-            <a:lvl1pPr eaLnBrk="0" hangingPunct="0">
-              <a:defRPr>
-                <a:solidFill>
-                  <a:schemeClr val="tx1"/>
-                </a:solidFill>
-                <a:latin typeface="Arial" charset="0"/>
-                <a:ea typeface="ＭＳ Ｐゴシック" charset="0"/>
-                <a:cs typeface="Arial" charset="0"/>
-              </a:defRPr>
-            </a:lvl1pPr>
-            <a:lvl2pPr marL="742950" indent="-285750" eaLnBrk="0" hangingPunct="0">
-              <a:defRPr>
-                <a:solidFill>
-                  <a:schemeClr val="tx1"/>
-                </a:solidFill>
-                <a:latin typeface="Arial" charset="0"/>
-                <a:ea typeface="Arial" charset="0"/>
-                <a:cs typeface="Arial" charset="0"/>
-              </a:defRPr>
-            </a:lvl2pPr>
-            <a:lvl3pPr marL="1143000" indent="-228600" eaLnBrk="0" hangingPunct="0">
-              <a:defRPr>
-                <a:solidFill>
-                  <a:schemeClr val="tx1"/>
-                </a:solidFill>
-                <a:latin typeface="Arial" charset="0"/>
-                <a:ea typeface="Arial" charset="0"/>
-                <a:cs typeface="Arial" charset="0"/>
-              </a:defRPr>
-            </a:lvl3pPr>
-            <a:lvl4pPr marL="1600200" indent="-228600" eaLnBrk="0" hangingPunct="0">
-              <a:defRPr>
-                <a:solidFill>
-                  <a:schemeClr val="tx1"/>
-                </a:solidFill>
-                <a:latin typeface="Arial" charset="0"/>
-                <a:ea typeface="Arial" charset="0"/>
-                <a:cs typeface="Arial" charset="0"/>
-              </a:defRPr>
-            </a:lvl4pPr>
-            <a:lvl5pPr marL="2057400" indent="-228600" eaLnBrk="0" hangingPunct="0">
-              <a:defRPr>
-                <a:solidFill>
-                  <a:schemeClr val="tx1"/>
-                </a:solidFill>
-                <a:latin typeface="Arial" charset="0"/>
-                <a:ea typeface="Arial" charset="0"/>
-                <a:cs typeface="Arial" charset="0"/>
-              </a:defRPr>
-            </a:lvl5pPr>
-            <a:lvl6pPr marL="2514600" indent="-228600" eaLnBrk="0" fontAlgn="base" hangingPunct="0">
-              <a:spcBef>
-                <a:spcPct val="0"/>
-              </a:spcBef>
-              <a:spcAft>
-                <a:spcPct val="0"/>
-              </a:spcAft>
-              <a:defRPr>
-                <a:solidFill>
-                  <a:schemeClr val="tx1"/>
-                </a:solidFill>
-                <a:latin typeface="Arial" charset="0"/>
-                <a:ea typeface="Arial" charset="0"/>
-                <a:cs typeface="Arial" charset="0"/>
-              </a:defRPr>
-            </a:lvl6pPr>
-            <a:lvl7pPr marL="2971800" indent="-228600" eaLnBrk="0" fontAlgn="base" hangingPunct="0">
-              <a:spcBef>
-                <a:spcPct val="0"/>
-              </a:spcBef>
-              <a:spcAft>
-                <a:spcPct val="0"/>
-              </a:spcAft>
-              <a:defRPr>
-                <a:solidFill>
-                  <a:schemeClr val="tx1"/>
-                </a:solidFill>
-                <a:latin typeface="Arial" charset="0"/>
-                <a:ea typeface="Arial" charset="0"/>
-                <a:cs typeface="Arial" charset="0"/>
-              </a:defRPr>
-            </a:lvl7pPr>
-            <a:lvl8pPr marL="3429000" indent="-228600" eaLnBrk="0" fontAlgn="base" hangingPunct="0">
-              <a:spcBef>
-                <a:spcPct val="0"/>
-              </a:spcBef>
-              <a:spcAft>
-                <a:spcPct val="0"/>
-              </a:spcAft>
-              <a:defRPr>
-                <a:solidFill>
-                  <a:schemeClr val="tx1"/>
-                </a:solidFill>
-                <a:latin typeface="Arial" charset="0"/>
-                <a:ea typeface="Arial" charset="0"/>
-                <a:cs typeface="Arial" charset="0"/>
-              </a:defRPr>
-            </a:lvl8pPr>
-            <a:lvl9pPr marL="3886200" indent="-228600" eaLnBrk="0" fontAlgn="base" hangingPunct="0">
-              <a:spcBef>
-                <a:spcPct val="0"/>
-              </a:spcBef>
-              <a:spcAft>
-                <a:spcPct val="0"/>
-              </a:spcAft>
-              <a:defRPr>
-                <a:solidFill>
-                  <a:schemeClr val="tx1"/>
-                </a:solidFill>
-                <a:latin typeface="Arial" charset="0"/>
-                <a:ea typeface="Arial" charset="0"/>
-                <a:cs typeface="Arial" charset="0"/>
-              </a:defRPr>
-            </a:lvl9pPr>
-          </a:lstStyle>
-          <a:p>
-            <a:pPr eaLnBrk="1" hangingPunct="1"/>
-            <a:fld id="{CE7322E2-02AF-0A4A-9ABC-D5AF0D13D52A}" type="datetime1">
-              <a:rPr lang="en-US" smtClean="0">
-                <a:latin typeface="Garamond" charset="0"/>
-              </a:rPr>
-              <a:t>2/20/18</a:t>
-            </a:fld>
-            <a:endParaRPr lang="en-US">
-              <a:latin typeface="Garamond" charset="0"/>
-            </a:endParaRPr>
-          </a:p>
-        </p:txBody>
-      </p:sp>
-      <p:sp>
-        <p:nvSpPr>
-          <p:cNvPr id="5" name="Footer Placeholder 4"/>
-          <p:cNvSpPr>
-            <a:spLocks noGrp="1"/>
-          </p:cNvSpPr>
-          <p:nvPr>
-            <p:ph type="ftr" sz="quarter" idx="11"/>
-          </p:nvPr>
-        </p:nvSpPr>
-        <p:spPr/>
-        <p:txBody>
-          <a:bodyPr/>
-          <a:lstStyle/>
-          <a:p>
-            <a:pPr>
-              <a:defRPr/>
-            </a:pPr>
-            <a:r>
-              <a:rPr lang="en-US" altLang="en-US"/>
-              <a:t>ECE Application Programming: Exam 1 Preview</a:t>
-            </a:r>
-          </a:p>
-        </p:txBody>
-      </p:sp>
-      <p:sp>
-        <p:nvSpPr>
-          <p:cNvPr id="6" name="Slide Number Placeholder 5"/>
-          <p:cNvSpPr>
-            <a:spLocks noGrp="1"/>
-          </p:cNvSpPr>
-          <p:nvPr>
-            <p:ph type="sldNum" sz="quarter" idx="12"/>
-          </p:nvPr>
-        </p:nvSpPr>
-        <p:spPr/>
-        <p:txBody>
-          <a:bodyPr/>
-          <a:lstStyle>
-            <a:lvl1pPr eaLnBrk="0" hangingPunct="0">
-              <a:defRPr>
-                <a:solidFill>
-                  <a:schemeClr val="tx1"/>
-                </a:solidFill>
-                <a:latin typeface="Arial" charset="0"/>
-                <a:ea typeface="ＭＳ Ｐゴシック" charset="0"/>
-                <a:cs typeface="Arial" charset="0"/>
-              </a:defRPr>
-            </a:lvl1pPr>
-            <a:lvl2pPr marL="742950" indent="-285750" eaLnBrk="0" hangingPunct="0">
-              <a:defRPr>
-                <a:solidFill>
-                  <a:schemeClr val="tx1"/>
-                </a:solidFill>
-                <a:latin typeface="Arial" charset="0"/>
-                <a:ea typeface="Arial" charset="0"/>
-                <a:cs typeface="Arial" charset="0"/>
-              </a:defRPr>
-            </a:lvl2pPr>
-            <a:lvl3pPr marL="1143000" indent="-228600" eaLnBrk="0" hangingPunct="0">
-              <a:defRPr>
-                <a:solidFill>
-                  <a:schemeClr val="tx1"/>
-                </a:solidFill>
-                <a:latin typeface="Arial" charset="0"/>
-                <a:ea typeface="Arial" charset="0"/>
-                <a:cs typeface="Arial" charset="0"/>
-              </a:defRPr>
-            </a:lvl3pPr>
-            <a:lvl4pPr marL="1600200" indent="-228600" eaLnBrk="0" hangingPunct="0">
-              <a:defRPr>
-                <a:solidFill>
-                  <a:schemeClr val="tx1"/>
-                </a:solidFill>
-                <a:latin typeface="Arial" charset="0"/>
-                <a:ea typeface="Arial" charset="0"/>
-                <a:cs typeface="Arial" charset="0"/>
-              </a:defRPr>
-            </a:lvl4pPr>
-            <a:lvl5pPr marL="2057400" indent="-228600" eaLnBrk="0" hangingPunct="0">
-              <a:defRPr>
-                <a:solidFill>
-                  <a:schemeClr val="tx1"/>
-                </a:solidFill>
-                <a:latin typeface="Arial" charset="0"/>
-                <a:ea typeface="Arial" charset="0"/>
-                <a:cs typeface="Arial" charset="0"/>
-              </a:defRPr>
-            </a:lvl5pPr>
-            <a:lvl6pPr marL="2514600" indent="-228600" eaLnBrk="0" fontAlgn="base" hangingPunct="0">
-              <a:spcBef>
-                <a:spcPct val="0"/>
-              </a:spcBef>
-              <a:spcAft>
-                <a:spcPct val="0"/>
-              </a:spcAft>
-              <a:defRPr>
-                <a:solidFill>
-                  <a:schemeClr val="tx1"/>
-                </a:solidFill>
-                <a:latin typeface="Arial" charset="0"/>
-                <a:ea typeface="Arial" charset="0"/>
-                <a:cs typeface="Arial" charset="0"/>
-              </a:defRPr>
-            </a:lvl6pPr>
-            <a:lvl7pPr marL="2971800" indent="-228600" eaLnBrk="0" fontAlgn="base" hangingPunct="0">
-              <a:spcBef>
-                <a:spcPct val="0"/>
-              </a:spcBef>
-              <a:spcAft>
-                <a:spcPct val="0"/>
-              </a:spcAft>
-              <a:defRPr>
-                <a:solidFill>
-                  <a:schemeClr val="tx1"/>
-                </a:solidFill>
-                <a:latin typeface="Arial" charset="0"/>
-                <a:ea typeface="Arial" charset="0"/>
-                <a:cs typeface="Arial" charset="0"/>
-              </a:defRPr>
-            </a:lvl7pPr>
-            <a:lvl8pPr marL="3429000" indent="-228600" eaLnBrk="0" fontAlgn="base" hangingPunct="0">
-              <a:spcBef>
-                <a:spcPct val="0"/>
-              </a:spcBef>
-              <a:spcAft>
-                <a:spcPct val="0"/>
-              </a:spcAft>
-              <a:defRPr>
-                <a:solidFill>
-                  <a:schemeClr val="tx1"/>
-                </a:solidFill>
-                <a:latin typeface="Arial" charset="0"/>
-                <a:ea typeface="Arial" charset="0"/>
-                <a:cs typeface="Arial" charset="0"/>
-              </a:defRPr>
-            </a:lvl8pPr>
-            <a:lvl9pPr marL="3886200" indent="-228600" eaLnBrk="0" fontAlgn="base" hangingPunct="0">
-              <a:spcBef>
-                <a:spcPct val="0"/>
-              </a:spcBef>
-              <a:spcAft>
-                <a:spcPct val="0"/>
-              </a:spcAft>
-              <a:defRPr>
-                <a:solidFill>
-                  <a:schemeClr val="tx1"/>
-                </a:solidFill>
-                <a:latin typeface="Arial" charset="0"/>
-                <a:ea typeface="Arial" charset="0"/>
-                <a:cs typeface="Arial" charset="0"/>
-              </a:defRPr>
-            </a:lvl9pPr>
-          </a:lstStyle>
-          <a:p>
-            <a:pPr eaLnBrk="1" hangingPunct="1"/>
-            <a:fld id="{1F052FB5-A6C5-164E-99EC-C7FA6CDD7E95}" type="slidenum">
-              <a:rPr lang="en-US">
-                <a:latin typeface="Garamond" charset="0"/>
-              </a:rPr>
-              <a:pPr eaLnBrk="1" hangingPunct="1"/>
-              <a:t>15</a:t>
-            </a:fld>
-            <a:endParaRPr lang="en-US">
-              <a:latin typeface="Garamond" charset="0"/>
-            </a:endParaRPr>
-          </a:p>
-        </p:txBody>
-      </p:sp>
-    </p:spTree>
-  </p:cSld>
-  <p:clrMapOvr>
-    <a:masterClrMapping/>
-  </p:clrMapOvr>
-  <p:timing>
-    <p:tnLst>
-      <p:par>
-        <p:cTn xmlns:p14="http://schemas.microsoft.com/office/powerpoint/2010/main" id="1" dur="indefinite" restart="never" nodeType="tmRoot"/>
+        <p:cTn id="1" dur="indefinite" restart="never" nodeType="tmRoot"/>
       </p:par>
     </p:tnLst>
   </p:timing>
@@ -9511,7 +8805,7 @@
               <a:rPr lang="en-US" smtClean="0">
                 <a:latin typeface="Garamond" charset="0"/>
               </a:rPr>
-              <a:t>2/20/18</a:t>
+              <a:t>2/21/2018</a:t>
             </a:fld>
             <a:endParaRPr lang="en-US">
               <a:latin typeface="Garamond" charset="0"/>
@@ -9697,7 +8991,7 @@
   <p:timing>
     <p:tnLst>
       <p:par>
-        <p:cTn xmlns:p14="http://schemas.microsoft.com/office/powerpoint/2010/main" id="1" dur="indefinite" restart="never" nodeType="tmRoot"/>
+        <p:cTn id="1" dur="indefinite" restart="never" nodeType="tmRoot"/>
       </p:par>
     </p:tnLst>
   </p:timing>
@@ -9859,25 +9153,7 @@
               <a:rPr lang="en-US" sz="2200" dirty="0" smtClean="0">
                 <a:latin typeface="Arial" charset="0"/>
               </a:rPr>
-              <a:t>8:</a:t>
-            </a:r>
-            <a:r>
-              <a:rPr lang="en-US" sz="2200" dirty="0" smtClean="0">
-                <a:latin typeface="Arial" charset="0"/>
-              </a:rPr>
-              <a:t>00 or 12</a:t>
-            </a:r>
-            <a:r>
-              <a:rPr lang="en-US" sz="2200" dirty="0" smtClean="0">
-                <a:latin typeface="Arial" charset="0"/>
-              </a:rPr>
-              <a:t>:</a:t>
-            </a:r>
-            <a:r>
-              <a:rPr lang="en-US" sz="2200" dirty="0" smtClean="0">
-                <a:latin typeface="Arial" charset="0"/>
-              </a:rPr>
-              <a:t>00—</a:t>
+              <a:t>8:00 or 12:00—</a:t>
             </a:r>
             <a:r>
               <a:rPr lang="en-US" sz="2200" b="1" u="sng" dirty="0">
@@ -9911,13 +9187,7 @@
               <a:rPr lang="en-US" sz="2600" dirty="0" smtClean="0">
                 <a:latin typeface="Arial" charset="0"/>
               </a:rPr>
-              <a:t>. </a:t>
-            </a:r>
-            <a:r>
-              <a:rPr lang="en-US" sz="2600" dirty="0" smtClean="0">
-                <a:latin typeface="Arial" charset="0"/>
-              </a:rPr>
-              <a:t>12</a:t>
+              <a:t>. 12</a:t>
             </a:r>
             <a:endParaRPr lang="en-US" sz="2600" dirty="0">
               <a:latin typeface="Arial" charset="0"/>
@@ -10062,19 +9332,7 @@
               <a:rPr lang="en-US" sz="2200" dirty="0" smtClean="0">
                 <a:latin typeface="Arial" charset="0"/>
               </a:rPr>
-              <a:t>Extra credit may cover </a:t>
-            </a:r>
-            <a:r>
-              <a:rPr lang="en-US" sz="2200" dirty="0" smtClean="0">
-                <a:latin typeface="Arial" charset="0"/>
-              </a:rPr>
-              <a:t>any (or all) </a:t>
-            </a:r>
-            <a:r>
-              <a:rPr lang="en-US" sz="2200" dirty="0" smtClean="0">
-                <a:latin typeface="Arial" charset="0"/>
-              </a:rPr>
-              <a:t>of these topics</a:t>
+              <a:t>Extra credit may cover any (or all) of these topics</a:t>
             </a:r>
             <a:endParaRPr lang="en-US" sz="2200" dirty="0">
               <a:latin typeface="Arial" charset="0"/>
@@ -10217,7 +9475,7 @@
               <a:rPr lang="en-US" smtClean="0">
                 <a:latin typeface="Garamond" charset="0"/>
               </a:rPr>
-              <a:t>2/20/18</a:t>
+              <a:t>2/21/2018</a:t>
             </a:fld>
             <a:endParaRPr lang="en-US">
               <a:latin typeface="Garamond" charset="0"/>
@@ -10403,7 +9661,7 @@
   <p:timing>
     <p:tnLst>
       <p:par>
-        <p:cTn xmlns:p14="http://schemas.microsoft.com/office/powerpoint/2010/main" id="1" dur="indefinite" restart="never" nodeType="tmRoot"/>
+        <p:cTn id="1" dur="indefinite" restart="never" nodeType="tmRoot"/>
       </p:par>
     </p:tnLst>
   </p:timing>
@@ -10677,7 +9935,7 @@
               <a:rPr lang="en-US" smtClean="0">
                 <a:latin typeface="Garamond" charset="0"/>
               </a:rPr>
-              <a:t>2/20/18</a:t>
+              <a:t>2/21/2018</a:t>
             </a:fld>
             <a:endParaRPr lang="en-US">
               <a:latin typeface="Garamond" charset="0"/>
@@ -10863,7 +10121,7 @@
   <p:timing>
     <p:tnLst>
       <p:par>
-        <p:cTn xmlns:p14="http://schemas.microsoft.com/office/powerpoint/2010/main" id="1" dur="indefinite" restart="never" nodeType="tmRoot"/>
+        <p:cTn id="1" dur="indefinite" restart="never" nodeType="tmRoot"/>
       </p:par>
     </p:tnLst>
   </p:timing>
@@ -10889,309 +10147,12 @@
       </p:grpSpPr>
       <p:sp>
         <p:nvSpPr>
-          <p:cNvPr id="8197" name="Rectangle 4"/>
-          <p:cNvSpPr>
-            <a:spLocks noGrp="1" noChangeArrowheads="1"/>
-          </p:cNvSpPr>
-          <p:nvPr>
-            <p:ph type="title"/>
-          </p:nvPr>
-        </p:nvSpPr>
-        <p:spPr/>
-        <p:txBody>
-          <a:bodyPr/>
-          <a:lstStyle/>
-          <a:p>
-            <a:pPr eaLnBrk="1" hangingPunct="1"/>
-            <a:r>
-              <a:rPr lang="en-US">
-                <a:latin typeface="Garamond" charset="0"/>
-              </a:rPr>
-              <a:t>Review: Basic C program structure</a:t>
-            </a:r>
-          </a:p>
-        </p:txBody>
-      </p:sp>
-      <p:sp>
-        <p:nvSpPr>
-          <p:cNvPr id="5126" name="Rectangle 5"/>
-          <p:cNvSpPr>
-            <a:spLocks noGrp="1" noChangeArrowheads="1"/>
-          </p:cNvSpPr>
-          <p:nvPr>
-            <p:ph idx="1"/>
-          </p:nvPr>
-        </p:nvSpPr>
-        <p:spPr>
-          <a:xfrm>
-            <a:off x="457200" y="1184275"/>
-            <a:ext cx="8229600" cy="4987925"/>
-          </a:xfrm>
-        </p:spPr>
-        <p:txBody>
-          <a:bodyPr>
-            <a:normAutofit/>
-          </a:bodyPr>
-          <a:lstStyle/>
-          <a:p>
-            <a:pPr eaLnBrk="1" hangingPunct="1">
-              <a:lnSpc>
-                <a:spcPct val="70000"/>
-              </a:lnSpc>
-            </a:pPr>
-            <a:r>
-              <a:rPr lang="en-US" sz="2800" dirty="0">
-                <a:latin typeface="Arial" charset="0"/>
-              </a:rPr>
-              <a:t>Preprocessor directives</a:t>
-            </a:r>
-          </a:p>
-          <a:p>
-            <a:pPr lvl="1" eaLnBrk="1" hangingPunct="1">
-              <a:lnSpc>
-                <a:spcPct val="70000"/>
-              </a:lnSpc>
-            </a:pPr>
-            <a:r>
-              <a:rPr lang="en-US" sz="2400" dirty="0">
-                <a:solidFill>
-                  <a:srgbClr val="FF0000"/>
-                </a:solidFill>
-                <a:latin typeface="Arial" charset="0"/>
-              </a:rPr>
-              <a:t>#include</a:t>
-            </a:r>
-            <a:r>
-              <a:rPr lang="en-US" sz="2400" dirty="0">
-                <a:latin typeface="Arial" charset="0"/>
-              </a:rPr>
-              <a:t>: typically used to specify library files</a:t>
-            </a:r>
-          </a:p>
-          <a:p>
-            <a:pPr eaLnBrk="1" hangingPunct="1">
-              <a:lnSpc>
-                <a:spcPct val="70000"/>
-              </a:lnSpc>
-            </a:pPr>
-            <a:r>
-              <a:rPr lang="en-US" sz="2800" dirty="0" smtClean="0">
-                <a:latin typeface="Arial" charset="0"/>
-              </a:rPr>
-              <a:t>Main </a:t>
-            </a:r>
-            <a:r>
-              <a:rPr lang="en-US" sz="2800" dirty="0">
-                <a:latin typeface="Arial" charset="0"/>
-              </a:rPr>
-              <a:t>program</a:t>
-            </a:r>
-          </a:p>
-          <a:p>
-            <a:pPr lvl="1" eaLnBrk="1" hangingPunct="1">
-              <a:lnSpc>
-                <a:spcPct val="70000"/>
-              </a:lnSpc>
-            </a:pPr>
-            <a:r>
-              <a:rPr lang="en-US" sz="2400" dirty="0">
-                <a:latin typeface="Arial" charset="0"/>
-              </a:rPr>
-              <a:t>Starts with: </a:t>
-            </a:r>
-            <a:r>
-              <a:rPr lang="en-US" sz="2400" b="1" dirty="0" err="1">
-                <a:solidFill>
-                  <a:srgbClr val="FF0000"/>
-                </a:solidFill>
-                <a:latin typeface="Courier New" charset="0"/>
-                <a:cs typeface="Courier New" charset="0"/>
-              </a:rPr>
-              <a:t>int</a:t>
-            </a:r>
-            <a:r>
-              <a:rPr lang="en-US" sz="2400" b="1" dirty="0">
-                <a:solidFill>
-                  <a:srgbClr val="FF0000"/>
-                </a:solidFill>
-                <a:latin typeface="Courier New" charset="0"/>
-                <a:cs typeface="Courier New" charset="0"/>
-              </a:rPr>
-              <a:t> main()</a:t>
-            </a:r>
-            <a:r>
-              <a:rPr lang="en-US" sz="2400" dirty="0">
-                <a:latin typeface="Arial" charset="0"/>
-                <a:cs typeface="Courier New" charset="0"/>
-              </a:rPr>
-              <a:t> or </a:t>
-            </a:r>
-            <a:r>
-              <a:rPr lang="en-US" sz="2400" b="1" dirty="0">
-                <a:solidFill>
-                  <a:srgbClr val="FF0000"/>
-                </a:solidFill>
-                <a:latin typeface="Courier New" charset="0"/>
-                <a:cs typeface="Courier New" charset="0"/>
-              </a:rPr>
-              <a:t>void main()</a:t>
-            </a:r>
-          </a:p>
-          <a:p>
-            <a:pPr lvl="1" eaLnBrk="1" hangingPunct="1">
-              <a:lnSpc>
-                <a:spcPct val="70000"/>
-              </a:lnSpc>
-            </a:pPr>
-            <a:r>
-              <a:rPr lang="en-US" sz="2400" dirty="0">
-                <a:latin typeface="Arial" charset="0"/>
-              </a:rPr>
-              <a:t>Enclosed in block: specified by </a:t>
-            </a:r>
-            <a:r>
-              <a:rPr lang="en-US" sz="2400" b="1" dirty="0">
-                <a:solidFill>
-                  <a:srgbClr val="FF0000"/>
-                </a:solidFill>
-                <a:latin typeface="Courier New" charset="0"/>
-                <a:cs typeface="Courier New" charset="0"/>
-              </a:rPr>
-              <a:t>{ }</a:t>
-            </a:r>
-          </a:p>
-          <a:p>
-            <a:pPr lvl="1" eaLnBrk="1" hangingPunct="1">
-              <a:lnSpc>
-                <a:spcPct val="70000"/>
-              </a:lnSpc>
-            </a:pPr>
-            <a:r>
-              <a:rPr lang="en-US" sz="2400" dirty="0">
-                <a:latin typeface="Arial" charset="0"/>
-              </a:rPr>
-              <a:t>Ends with </a:t>
-            </a:r>
-            <a:r>
-              <a:rPr lang="en-US" sz="2400" b="1" dirty="0">
-                <a:solidFill>
-                  <a:srgbClr val="FF0000"/>
-                </a:solidFill>
-                <a:latin typeface="Courier New" charset="0"/>
-                <a:cs typeface="Courier New" charset="0"/>
-              </a:rPr>
-              <a:t>return 0;</a:t>
-            </a:r>
-          </a:p>
-          <a:p>
-            <a:pPr lvl="2" eaLnBrk="1" hangingPunct="1">
-              <a:lnSpc>
-                <a:spcPct val="70000"/>
-              </a:lnSpc>
-            </a:pPr>
-            <a:r>
-              <a:rPr lang="en-US" sz="2000" dirty="0">
-                <a:latin typeface="Arial" charset="0"/>
-              </a:rPr>
-              <a:t>Indicates successful completion</a:t>
-            </a:r>
-          </a:p>
-          <a:p>
-            <a:pPr lvl="2" eaLnBrk="1" hangingPunct="1">
-              <a:lnSpc>
-                <a:spcPct val="70000"/>
-              </a:lnSpc>
-            </a:pPr>
-            <a:r>
-              <a:rPr lang="en-US" sz="2000" dirty="0" smtClean="0">
-                <a:latin typeface="Arial" charset="0"/>
-              </a:rPr>
-              <a:t>Optional if </a:t>
-            </a:r>
-            <a:r>
-              <a:rPr lang="en-US" sz="2000" dirty="0">
-                <a:latin typeface="Courier New" charset="0"/>
-                <a:cs typeface="Courier New" charset="0"/>
-              </a:rPr>
-              <a:t>main()</a:t>
-            </a:r>
-            <a:r>
-              <a:rPr lang="en-US" sz="2000" dirty="0">
-                <a:latin typeface="Arial" charset="0"/>
-              </a:rPr>
-              <a:t> is </a:t>
-            </a:r>
-            <a:r>
-              <a:rPr lang="en-US" sz="2000" dirty="0" smtClean="0">
-                <a:latin typeface="Courier New" charset="0"/>
-                <a:cs typeface="Courier New" charset="0"/>
-              </a:rPr>
-              <a:t>void</a:t>
-            </a:r>
-          </a:p>
-          <a:p>
-            <a:pPr lvl="3" eaLnBrk="1" hangingPunct="1">
-              <a:lnSpc>
-                <a:spcPct val="70000"/>
-              </a:lnSpc>
-            </a:pPr>
-            <a:r>
-              <a:rPr lang="en-US" sz="1800" dirty="0" smtClean="0">
-                <a:latin typeface="Arial"/>
-                <a:cs typeface="Arial"/>
-              </a:rPr>
-              <a:t>Doesn’t return value: </a:t>
-            </a:r>
-            <a:r>
-              <a:rPr lang="en-US" sz="1800" b="1" dirty="0" smtClean="0">
-                <a:solidFill>
-                  <a:srgbClr val="FF0000"/>
-                </a:solidFill>
-                <a:latin typeface="Courier New"/>
-                <a:cs typeface="Courier New"/>
-              </a:rPr>
-              <a:t>return;</a:t>
-            </a:r>
-            <a:endParaRPr lang="en-US" sz="1800" b="1" dirty="0">
-              <a:solidFill>
-                <a:srgbClr val="FF0000"/>
-              </a:solidFill>
-              <a:latin typeface="Courier New"/>
-              <a:cs typeface="Courier New"/>
-            </a:endParaRPr>
-          </a:p>
-          <a:p>
-            <a:pPr eaLnBrk="1" hangingPunct="1">
-              <a:lnSpc>
-                <a:spcPct val="70000"/>
-              </a:lnSpc>
-            </a:pPr>
-            <a:r>
-              <a:rPr lang="en-US" sz="2800" dirty="0">
-                <a:latin typeface="Arial" charset="0"/>
-              </a:rPr>
-              <a:t>Basic </a:t>
-            </a:r>
-            <a:r>
-              <a:rPr lang="en-US" sz="2800" dirty="0" smtClean="0">
-                <a:latin typeface="Arial" charset="0"/>
-              </a:rPr>
-              <a:t>output</a:t>
-            </a:r>
-            <a:endParaRPr lang="en-US" sz="2800" dirty="0">
-              <a:latin typeface="Arial" charset="0"/>
-            </a:endParaRPr>
-          </a:p>
-        </p:txBody>
-      </p:sp>
-      <p:sp>
-        <p:nvSpPr>
           <p:cNvPr id="4" name="Date Placeholder 3"/>
           <p:cNvSpPr>
             <a:spLocks noGrp="1"/>
           </p:cNvSpPr>
           <p:nvPr>
-            <p:ph type="dt" sz="half" idx="10"/>
+            <p:ph type="dt" sz="quarter" idx="10"/>
           </p:nvPr>
         </p:nvSpPr>
         <p:spPr/>
@@ -11315,11 +10276,11 @@
           </a:lstStyle>
           <a:p>
             <a:pPr eaLnBrk="1" hangingPunct="1"/>
-            <a:fld id="{F633AC78-E84F-DB41-80ED-ECC3C4D8E330}" type="datetime1">
+            <a:fld id="{D0A09748-BAA1-8E41-89CC-364F9EF97481}" type="datetime1">
               <a:rPr lang="en-US" smtClean="0">
                 <a:latin typeface="Garamond" charset="0"/>
               </a:rPr>
-              <a:t>2/20/18</a:t>
+              <a:t>2/21/2018</a:t>
             </a:fld>
             <a:endParaRPr lang="en-US">
               <a:latin typeface="Garamond" charset="0"/>
@@ -11483,7 +10444,7 @@
           </a:lstStyle>
           <a:p>
             <a:pPr eaLnBrk="1" hangingPunct="1"/>
-            <a:fld id="{FD568B8F-E0B3-F44B-B879-11AB56637332}" type="slidenum">
+            <a:fld id="{4E483A71-FBFF-2C4B-83D7-1E3412DA8362}" type="slidenum">
               <a:rPr lang="en-US">
                 <a:latin typeface="Garamond" charset="0"/>
               </a:rPr>
@@ -11493,6 +10454,201 @@
             <a:endParaRPr lang="en-US">
               <a:latin typeface="Garamond" charset="0"/>
             </a:endParaRPr>
+          </a:p>
+        </p:txBody>
+      </p:sp>
+      <p:sp>
+        <p:nvSpPr>
+          <p:cNvPr id="6149" name="Rectangle 4"/>
+          <p:cNvSpPr>
+            <a:spLocks noGrp="1" noChangeArrowheads="1"/>
+          </p:cNvSpPr>
+          <p:nvPr>
+            <p:ph type="title"/>
+          </p:nvPr>
+        </p:nvSpPr>
+        <p:spPr/>
+        <p:txBody>
+          <a:bodyPr>
+            <a:normAutofit fontScale="90000"/>
+          </a:bodyPr>
+          <a:lstStyle/>
+          <a:p>
+            <a:pPr eaLnBrk="1" hangingPunct="1">
+              <a:defRPr/>
+            </a:pPr>
+            <a:r>
+              <a:rPr lang="en-US" dirty="0" smtClean="0">
+                <a:ea typeface="+mj-ea"/>
+              </a:rPr>
+              <a:t>Review: Data types, variables, constants</a:t>
+            </a:r>
+          </a:p>
+        </p:txBody>
+      </p:sp>
+      <p:sp>
+        <p:nvSpPr>
+          <p:cNvPr id="5126" name="Rectangle 5"/>
+          <p:cNvSpPr>
+            <a:spLocks noGrp="1" noChangeArrowheads="1"/>
+          </p:cNvSpPr>
+          <p:nvPr>
+            <p:ph type="body" idx="1"/>
+          </p:nvPr>
+        </p:nvSpPr>
+        <p:spPr/>
+        <p:txBody>
+          <a:bodyPr>
+            <a:normAutofit/>
+          </a:bodyPr>
+          <a:lstStyle/>
+          <a:p>
+            <a:pPr eaLnBrk="1" hangingPunct="1">
+              <a:lnSpc>
+                <a:spcPct val="90000"/>
+              </a:lnSpc>
+              <a:buFont typeface="Wingdings" pitchFamily="2" charset="2"/>
+              <a:buChar char="n"/>
+              <a:defRPr/>
+            </a:pPr>
+            <a:r>
+              <a:rPr lang="en-US" dirty="0" smtClean="0">
+                <a:ea typeface="+mn-ea"/>
+              </a:rPr>
+              <a:t>Four basic data types</a:t>
+            </a:r>
+          </a:p>
+          <a:p>
+            <a:pPr lvl="1" eaLnBrk="1" hangingPunct="1">
+              <a:lnSpc>
+                <a:spcPct val="90000"/>
+              </a:lnSpc>
+              <a:buFont typeface="Wingdings" pitchFamily="2" charset="2"/>
+              <a:buChar char="q"/>
+              <a:defRPr/>
+            </a:pPr>
+            <a:r>
+              <a:rPr lang="en-US" dirty="0" err="1" smtClean="0">
+                <a:latin typeface="Courier New" pitchFamily="49" charset="0"/>
+                <a:cs typeface="Courier New" pitchFamily="49" charset="0"/>
+              </a:rPr>
+              <a:t>int</a:t>
+            </a:r>
+            <a:r>
+              <a:rPr lang="en-US" dirty="0" smtClean="0">
+                <a:latin typeface="Courier New" pitchFamily="49" charset="0"/>
+                <a:cs typeface="Courier New" pitchFamily="49" charset="0"/>
+              </a:rPr>
+              <a:t>, float, double, char</a:t>
+            </a:r>
+          </a:p>
+          <a:p>
+            <a:pPr eaLnBrk="1" hangingPunct="1">
+              <a:lnSpc>
+                <a:spcPct val="90000"/>
+              </a:lnSpc>
+              <a:buFont typeface="Wingdings" pitchFamily="2" charset="2"/>
+              <a:buChar char="n"/>
+              <a:defRPr/>
+            </a:pPr>
+            <a:r>
+              <a:rPr lang="en-US" dirty="0" smtClean="0">
+                <a:ea typeface="+mn-ea"/>
+                <a:cs typeface="Courier New" pitchFamily="49" charset="0"/>
+              </a:rPr>
+              <a:t>Variables</a:t>
+            </a:r>
+          </a:p>
+          <a:p>
+            <a:pPr lvl="1" eaLnBrk="1" hangingPunct="1">
+              <a:lnSpc>
+                <a:spcPct val="90000"/>
+              </a:lnSpc>
+              <a:buFont typeface="Wingdings" pitchFamily="2" charset="2"/>
+              <a:buChar char="q"/>
+              <a:defRPr/>
+            </a:pPr>
+            <a:r>
+              <a:rPr lang="en-US" dirty="0" smtClean="0">
+                <a:cs typeface="Courier New" pitchFamily="49" charset="0"/>
+              </a:rPr>
+              <a:t>Have name, type, value, memory location</a:t>
+            </a:r>
+          </a:p>
+          <a:p>
+            <a:pPr eaLnBrk="1" hangingPunct="1">
+              <a:lnSpc>
+                <a:spcPct val="90000"/>
+              </a:lnSpc>
+              <a:buFont typeface="Wingdings" pitchFamily="2" charset="2"/>
+              <a:buChar char="n"/>
+              <a:defRPr/>
+            </a:pPr>
+            <a:r>
+              <a:rPr lang="en-US" dirty="0" smtClean="0">
+                <a:ea typeface="+mn-ea"/>
+                <a:cs typeface="Courier New" pitchFamily="49" charset="0"/>
+              </a:rPr>
+              <a:t>Variable declarations: examples</a:t>
+            </a:r>
+          </a:p>
+          <a:p>
+            <a:pPr lvl="1" eaLnBrk="1" hangingPunct="1">
+              <a:lnSpc>
+                <a:spcPct val="90000"/>
+              </a:lnSpc>
+              <a:buFont typeface="Wingdings" pitchFamily="2" charset="2"/>
+              <a:buChar char="q"/>
+              <a:defRPr/>
+            </a:pPr>
+            <a:r>
+              <a:rPr lang="en-US" dirty="0" err="1" smtClean="0">
+                <a:latin typeface="Courier New" pitchFamily="49" charset="0"/>
+                <a:cs typeface="Courier New" pitchFamily="49" charset="0"/>
+              </a:rPr>
+              <a:t>int</a:t>
+            </a:r>
+            <a:r>
+              <a:rPr lang="en-US" dirty="0" smtClean="0">
+                <a:latin typeface="Courier New" pitchFamily="49" charset="0"/>
+                <a:cs typeface="Courier New" pitchFamily="49" charset="0"/>
+              </a:rPr>
+              <a:t> x;</a:t>
+            </a:r>
+          </a:p>
+          <a:p>
+            <a:pPr lvl="1" eaLnBrk="1" hangingPunct="1">
+              <a:lnSpc>
+                <a:spcPct val="90000"/>
+              </a:lnSpc>
+              <a:buFont typeface="Wingdings" pitchFamily="2" charset="2"/>
+              <a:buChar char="q"/>
+              <a:defRPr/>
+            </a:pPr>
+            <a:r>
+              <a:rPr lang="en-US" dirty="0" smtClean="0">
+                <a:latin typeface="Courier New" pitchFamily="49" charset="0"/>
+                <a:cs typeface="Courier New" pitchFamily="49" charset="0"/>
+              </a:rPr>
+              <a:t>float a, b;</a:t>
+            </a:r>
+          </a:p>
+          <a:p>
+            <a:pPr lvl="1" eaLnBrk="1" hangingPunct="1">
+              <a:lnSpc>
+                <a:spcPct val="90000"/>
+              </a:lnSpc>
+              <a:buFont typeface="Wingdings" pitchFamily="2" charset="2"/>
+              <a:buChar char="q"/>
+              <a:defRPr/>
+            </a:pPr>
+            <a:r>
+              <a:rPr lang="en-US" dirty="0" smtClean="0">
+                <a:latin typeface="Courier New" pitchFamily="49" charset="0"/>
+                <a:cs typeface="Courier New" pitchFamily="49" charset="0"/>
+              </a:rPr>
+              <a:t>double m = 2.35;</a:t>
+            </a:r>
           </a:p>
         </p:txBody>
       </p:sp>
@@ -11504,7 +10660,7 @@
   <p:timing>
     <p:tnLst>
       <p:par>
-        <p:cTn xmlns:p14="http://schemas.microsoft.com/office/powerpoint/2010/main" id="1" dur="indefinite" restart="never" nodeType="tmRoot"/>
+        <p:cTn id="1" dur="indefinite" restart="never" nodeType="tmRoot"/>
       </p:par>
     </p:tnLst>
   </p:timing>
@@ -11530,143 +10686,398 @@
       </p:grpSpPr>
       <p:sp>
         <p:nvSpPr>
-          <p:cNvPr id="4" name="Date Placeholder 3"/>
+          <p:cNvPr id="10242" name="Title 1"/>
           <p:cNvSpPr>
             <a:spLocks noGrp="1"/>
           </p:cNvSpPr>
           <p:nvPr>
-            <p:ph type="dt" sz="quarter" idx="10"/>
+            <p:ph type="title"/>
+          </p:nvPr>
+        </p:nvSpPr>
+        <p:spPr/>
+        <p:txBody>
+          <a:bodyPr/>
+          <a:lstStyle/>
+          <a:p>
+            <a:r>
+              <a:rPr lang="en-US" dirty="0" smtClean="0"/>
+              <a:t>Review: </a:t>
+            </a:r>
+            <a:r>
+              <a:rPr lang="en-US" dirty="0" err="1" smtClean="0"/>
+              <a:t>printf</a:t>
+            </a:r>
+            <a:r>
+              <a:rPr lang="en-US" dirty="0" smtClean="0"/>
+              <a:t>() basics</a:t>
+            </a:r>
+            <a:endParaRPr lang="en-US" dirty="0"/>
+          </a:p>
+        </p:txBody>
+      </p:sp>
+      <p:sp>
+        <p:nvSpPr>
+          <p:cNvPr id="3" name="Content Placeholder 2"/>
+          <p:cNvSpPr>
+            <a:spLocks noGrp="1"/>
+          </p:cNvSpPr>
+          <p:nvPr>
+            <p:ph idx="1"/>
+          </p:nvPr>
+        </p:nvSpPr>
+        <p:spPr/>
+        <p:txBody>
+          <a:bodyPr>
+            <a:normAutofit fontScale="85000" lnSpcReduction="20000"/>
+          </a:bodyPr>
+          <a:lstStyle/>
+          <a:p>
+            <a:r>
+              <a:rPr lang="en-US" b="1" dirty="0" err="1" smtClean="0">
+                <a:solidFill>
+                  <a:srgbClr val="FF0000"/>
+                </a:solidFill>
+                <a:latin typeface="Courier New"/>
+                <a:cs typeface="Courier New"/>
+              </a:rPr>
+              <a:t>printf</a:t>
+            </a:r>
+            <a:r>
+              <a:rPr lang="en-US" b="1" dirty="0" smtClean="0">
+                <a:solidFill>
+                  <a:srgbClr val="FF0000"/>
+                </a:solidFill>
+                <a:latin typeface="Courier New"/>
+                <a:cs typeface="Courier New"/>
+              </a:rPr>
+              <a:t>(&lt;string&gt;); </a:t>
+            </a:r>
+            <a:r>
+              <a:rPr lang="en-US" dirty="0" smtClean="0">
+                <a:latin typeface="Courier New"/>
+                <a:cs typeface="Courier New"/>
+              </a:rPr>
+              <a:t>&lt;string&gt;</a:t>
+            </a:r>
+            <a:r>
+              <a:rPr lang="en-US" dirty="0" smtClean="0"/>
+              <a:t> = characters enclosed in double quotes</a:t>
+            </a:r>
+          </a:p>
+          <a:p>
+            <a:pPr lvl="1"/>
+            <a:r>
+              <a:rPr lang="en-US" dirty="0" smtClean="0"/>
+              <a:t>May include escape sequence, e.g. </a:t>
+            </a:r>
+            <a:r>
+              <a:rPr lang="en-US" dirty="0" smtClean="0">
+                <a:latin typeface="Courier New"/>
+                <a:cs typeface="Courier New"/>
+              </a:rPr>
+              <a:t>\n</a:t>
+            </a:r>
+            <a:r>
+              <a:rPr lang="en-US" dirty="0" smtClean="0"/>
+              <a:t> (new line)</a:t>
+            </a:r>
+          </a:p>
+          <a:p>
+            <a:r>
+              <a:rPr lang="en-US" dirty="0" smtClean="0"/>
+              <a:t>To print variable/expression values, insert </a:t>
+            </a:r>
+            <a:r>
+              <a:rPr lang="en-US" dirty="0" smtClean="0">
+                <a:latin typeface="Courier New"/>
+                <a:cs typeface="Courier New"/>
+              </a:rPr>
+              <a:t>%&lt;type&gt;</a:t>
+            </a:r>
+            <a:r>
+              <a:rPr lang="en-US" dirty="0" smtClean="0"/>
+              <a:t> in your </a:t>
+            </a:r>
+            <a:r>
+              <a:rPr lang="en-US" dirty="0" err="1" smtClean="0">
+                <a:latin typeface="Courier New"/>
+                <a:cs typeface="Courier New"/>
+              </a:rPr>
+              <a:t>printf</a:t>
+            </a:r>
+            <a:r>
+              <a:rPr lang="en-US" dirty="0" smtClean="0">
+                <a:latin typeface="Courier New"/>
+                <a:cs typeface="Courier New"/>
+              </a:rPr>
+              <a:t>()</a:t>
+            </a:r>
+            <a:r>
+              <a:rPr lang="en-US" dirty="0" smtClean="0"/>
+              <a:t> format string</a:t>
+            </a:r>
+          </a:p>
+          <a:p>
+            <a:pPr lvl="1"/>
+            <a:r>
+              <a:rPr lang="en-US" dirty="0" smtClean="0">
+                <a:latin typeface="Courier New"/>
+                <a:cs typeface="Courier New"/>
+              </a:rPr>
+              <a:t>%c</a:t>
+            </a:r>
+            <a:r>
+              <a:rPr lang="en-US" dirty="0" smtClean="0"/>
+              <a:t>: single character</a:t>
+            </a:r>
+          </a:p>
+          <a:p>
+            <a:pPr lvl="1"/>
+            <a:r>
+              <a:rPr lang="en-US" dirty="0" smtClean="0">
+                <a:latin typeface="Courier New"/>
+                <a:cs typeface="Courier New"/>
+              </a:rPr>
+              <a:t>%d</a:t>
+            </a:r>
+            <a:r>
+              <a:rPr lang="en-US" dirty="0" smtClean="0"/>
+              <a:t> or </a:t>
+            </a:r>
+            <a:r>
+              <a:rPr lang="en-US" dirty="0" smtClean="0">
+                <a:latin typeface="Courier New"/>
+                <a:cs typeface="Courier New"/>
+              </a:rPr>
+              <a:t>%</a:t>
+            </a:r>
+            <a:r>
+              <a:rPr lang="en-US" dirty="0" err="1" smtClean="0">
+                <a:latin typeface="Courier New"/>
+                <a:cs typeface="Courier New"/>
+              </a:rPr>
+              <a:t>i</a:t>
+            </a:r>
+            <a:r>
+              <a:rPr lang="en-US" dirty="0" smtClean="0"/>
+              <a:t>: signed decimal integer</a:t>
+            </a:r>
+          </a:p>
+          <a:p>
+            <a:pPr lvl="1"/>
+            <a:r>
+              <a:rPr lang="en-US" dirty="0" smtClean="0">
+                <a:latin typeface="Courier New"/>
+                <a:cs typeface="Courier New"/>
+              </a:rPr>
+              <a:t>%f</a:t>
+            </a:r>
+            <a:r>
+              <a:rPr lang="en-US" dirty="0" smtClean="0"/>
+              <a:t>: float; </a:t>
+            </a:r>
+            <a:r>
+              <a:rPr lang="en-US" dirty="0" smtClean="0">
+                <a:latin typeface="Courier New"/>
+                <a:cs typeface="Courier New"/>
+              </a:rPr>
+              <a:t>%lf</a:t>
+            </a:r>
+            <a:r>
+              <a:rPr lang="en-US" dirty="0" smtClean="0"/>
+              <a:t>: double</a:t>
+            </a:r>
+          </a:p>
+          <a:p>
+            <a:pPr lvl="2"/>
+            <a:r>
+              <a:rPr lang="en-US" dirty="0" smtClean="0"/>
+              <a:t>Prints 6 digits after decimal point by default</a:t>
+            </a:r>
+          </a:p>
+          <a:p>
+            <a:pPr lvl="2"/>
+            <a:r>
+              <a:rPr lang="en-US" dirty="0" smtClean="0"/>
+              <a:t>To control # digits, use precision </a:t>
+            </a:r>
+          </a:p>
+          <a:p>
+            <a:pPr lvl="3"/>
+            <a:r>
+              <a:rPr lang="en-US" dirty="0" smtClean="0">
+                <a:latin typeface="Courier New"/>
+                <a:cs typeface="Courier New"/>
+              </a:rPr>
+              <a:t>"%.4lf"</a:t>
+            </a:r>
+            <a:r>
+              <a:rPr lang="en-US" dirty="0" smtClean="0"/>
+              <a:t> prints with 4 digits (4th digit rounds)</a:t>
+            </a:r>
+          </a:p>
+          <a:p>
+            <a:pPr lvl="3"/>
+            <a:r>
+              <a:rPr lang="en-US" dirty="0" smtClean="0">
+                <a:latin typeface="Courier New"/>
+                <a:cs typeface="Courier New"/>
+              </a:rPr>
+              <a:t>"%.0lf"</a:t>
+            </a:r>
+            <a:r>
+              <a:rPr lang="en-US" dirty="0" smtClean="0"/>
+              <a:t> prints with 0 digits (round to nearest integer)</a:t>
+            </a:r>
+          </a:p>
+          <a:p>
+            <a:r>
+              <a:rPr lang="en-US" dirty="0" smtClean="0"/>
+              <a:t>Each </a:t>
+            </a:r>
+            <a:r>
+              <a:rPr lang="en-US" dirty="0" smtClean="0">
+                <a:latin typeface="Courier New"/>
+                <a:cs typeface="Courier New"/>
+              </a:rPr>
+              <a:t>%&lt;type&gt;</a:t>
+            </a:r>
+            <a:r>
+              <a:rPr lang="en-US" dirty="0" smtClean="0"/>
+              <a:t> corresponds to expression that follows</a:t>
+            </a:r>
+          </a:p>
+          <a:p>
+            <a:pPr lvl="1"/>
+            <a:r>
+              <a:rPr lang="en-US" dirty="0" err="1" smtClean="0">
+                <a:latin typeface="Courier New"/>
+                <a:cs typeface="Courier New"/>
+              </a:rPr>
+              <a:t>printf</a:t>
+            </a:r>
+            <a:r>
+              <a:rPr lang="en-US" dirty="0" smtClean="0">
+                <a:latin typeface="Courier New"/>
+                <a:cs typeface="Courier New"/>
+              </a:rPr>
+              <a:t>("a=%.3f, b=%.2f", a, b);</a:t>
+            </a:r>
+          </a:p>
+        </p:txBody>
+      </p:sp>
+      <p:sp>
+        <p:nvSpPr>
+          <p:cNvPr id="10244" name="Date Placeholder 3"/>
+          <p:cNvSpPr>
+            <a:spLocks noGrp="1"/>
+          </p:cNvSpPr>
+          <p:nvPr>
+            <p:ph type="dt" sz="half" idx="10"/>
           </p:nvPr>
         </p:nvSpPr>
         <p:spPr/>
         <p:txBody>
           <a:bodyPr/>
           <a:lstStyle>
-            <a:lvl1pPr eaLnBrk="0" hangingPunct="0">
-              <a:defRPr>
+            <a:lvl1pPr>
+              <a:defRPr sz="3000">
                 <a:solidFill>
                   <a:schemeClr val="tx1"/>
                 </a:solidFill>
                 <a:latin typeface="Arial" charset="0"/>
                 <a:ea typeface="ＭＳ Ｐゴシック" charset="0"/>
-                <a:cs typeface="Arial" charset="0"/>
+                <a:cs typeface="ＭＳ Ｐゴシック" charset="0"/>
               </a:defRPr>
             </a:lvl1pPr>
-            <a:lvl2pPr marL="742950" indent="-285750" eaLnBrk="0" hangingPunct="0">
-              <a:defRPr>
-                <a:solidFill>
-                  <a:schemeClr val="tx1"/>
-                </a:solidFill>
-                <a:latin typeface="Arial" charset="0"/>
-                <a:ea typeface="Arial" charset="0"/>
-                <a:cs typeface="Arial" charset="0"/>
+            <a:lvl2pPr marL="742950" indent="-285750">
+              <a:defRPr sz="2600">
+                <a:solidFill>
+                  <a:schemeClr val="tx1"/>
+                </a:solidFill>
+                <a:latin typeface="Arial" charset="0"/>
+                <a:ea typeface="ＭＳ Ｐゴシック" charset="0"/>
               </a:defRPr>
             </a:lvl2pPr>
-            <a:lvl3pPr marL="1143000" indent="-228600" eaLnBrk="0" hangingPunct="0">
-              <a:defRPr>
-                <a:solidFill>
-                  <a:schemeClr val="tx1"/>
-                </a:solidFill>
-                <a:latin typeface="Arial" charset="0"/>
-                <a:ea typeface="Arial" charset="0"/>
-                <a:cs typeface="Arial" charset="0"/>
+            <a:lvl3pPr marL="1143000" indent="-228600">
+              <a:defRPr sz="2200">
+                <a:solidFill>
+                  <a:schemeClr val="tx1"/>
+                </a:solidFill>
+                <a:latin typeface="Arial" charset="0"/>
+                <a:ea typeface="ＭＳ Ｐゴシック" charset="0"/>
               </a:defRPr>
             </a:lvl3pPr>
-            <a:lvl4pPr marL="1600200" indent="-228600" eaLnBrk="0" hangingPunct="0">
-              <a:defRPr>
-                <a:solidFill>
-                  <a:schemeClr val="tx1"/>
-                </a:solidFill>
-                <a:latin typeface="Arial" charset="0"/>
-                <a:ea typeface="Arial" charset="0"/>
-                <a:cs typeface="Arial" charset="0"/>
+            <a:lvl4pPr marL="1600200" indent="-228600">
+              <a:defRPr sz="2000">
+                <a:solidFill>
+                  <a:schemeClr val="tx1"/>
+                </a:solidFill>
+                <a:latin typeface="Arial" charset="0"/>
+                <a:ea typeface="ＭＳ Ｐゴシック" charset="0"/>
               </a:defRPr>
             </a:lvl4pPr>
-            <a:lvl5pPr marL="2057400" indent="-228600" eaLnBrk="0" hangingPunct="0">
-              <a:defRPr>
-                <a:solidFill>
-                  <a:schemeClr val="tx1"/>
-                </a:solidFill>
-                <a:latin typeface="Arial" charset="0"/>
-                <a:ea typeface="Arial" charset="0"/>
-                <a:cs typeface="Arial" charset="0"/>
+            <a:lvl5pPr marL="2057400" indent="-228600">
+              <a:defRPr sz="2000">
+                <a:solidFill>
+                  <a:schemeClr val="tx1"/>
+                </a:solidFill>
+                <a:latin typeface="Arial" charset="0"/>
+                <a:ea typeface="ＭＳ Ｐゴシック" charset="0"/>
               </a:defRPr>
             </a:lvl5pPr>
-            <a:lvl6pPr marL="2514600" indent="-228600" eaLnBrk="0" fontAlgn="base" hangingPunct="0">
-              <a:spcBef>
-                <a:spcPct val="0"/>
-              </a:spcBef>
-              <a:spcAft>
-                <a:spcPct val="0"/>
-              </a:spcAft>
-              <a:defRPr>
-                <a:solidFill>
-                  <a:schemeClr val="tx1"/>
-                </a:solidFill>
-                <a:latin typeface="Arial" charset="0"/>
-                <a:ea typeface="Arial" charset="0"/>
-                <a:cs typeface="Arial" charset="0"/>
+            <a:lvl6pPr marL="2514600" indent="-228600" eaLnBrk="0" hangingPunct="0">
+              <a:buFont typeface="Wingdings" charset="0"/>
+              <a:defRPr sz="2000">
+                <a:solidFill>
+                  <a:schemeClr val="tx1"/>
+                </a:solidFill>
+                <a:latin typeface="Arial" charset="0"/>
+                <a:ea typeface="ＭＳ Ｐゴシック" charset="0"/>
               </a:defRPr>
             </a:lvl6pPr>
-            <a:lvl7pPr marL="2971800" indent="-228600" eaLnBrk="0" fontAlgn="base" hangingPunct="0">
-              <a:spcBef>
-                <a:spcPct val="0"/>
-              </a:spcBef>
-              <a:spcAft>
-                <a:spcPct val="0"/>
-              </a:spcAft>
-              <a:defRPr>
-                <a:solidFill>
-                  <a:schemeClr val="tx1"/>
-                </a:solidFill>
-                <a:latin typeface="Arial" charset="0"/>
-                <a:ea typeface="Arial" charset="0"/>
-                <a:cs typeface="Arial" charset="0"/>
+            <a:lvl7pPr marL="2971800" indent="-228600" eaLnBrk="0" hangingPunct="0">
+              <a:buFont typeface="Wingdings" charset="0"/>
+              <a:defRPr sz="2000">
+                <a:solidFill>
+                  <a:schemeClr val="tx1"/>
+                </a:solidFill>
+                <a:latin typeface="Arial" charset="0"/>
+                <a:ea typeface="ＭＳ Ｐゴシック" charset="0"/>
               </a:defRPr>
             </a:lvl7pPr>
-            <a:lvl8pPr marL="3429000" indent="-228600" eaLnBrk="0" fontAlgn="base" hangingPunct="0">
-              <a:spcBef>
-                <a:spcPct val="0"/>
-              </a:spcBef>
-              <a:spcAft>
-                <a:spcPct val="0"/>
-              </a:spcAft>
-              <a:defRPr>
-                <a:solidFill>
-                  <a:schemeClr val="tx1"/>
-                </a:solidFill>
-                <a:latin typeface="Arial" charset="0"/>
-                <a:ea typeface="Arial" charset="0"/>
-                <a:cs typeface="Arial" charset="0"/>
+            <a:lvl8pPr marL="3429000" indent="-228600" eaLnBrk="0" hangingPunct="0">
+              <a:buFont typeface="Wingdings" charset="0"/>
+              <a:defRPr sz="2000">
+                <a:solidFill>
+                  <a:schemeClr val="tx1"/>
+                </a:solidFill>
+                <a:latin typeface="Arial" charset="0"/>
+                <a:ea typeface="ＭＳ Ｐゴシック" charset="0"/>
               </a:defRPr>
             </a:lvl8pPr>
-            <a:lvl9pPr marL="3886200" indent="-228600" eaLnBrk="0" fontAlgn="base" hangingPunct="0">
-              <a:spcBef>
-                <a:spcPct val="0"/>
-              </a:spcBef>
-              <a:spcAft>
-                <a:spcPct val="0"/>
-              </a:spcAft>
-              <a:defRPr>
-                <a:solidFill>
-                  <a:schemeClr val="tx1"/>
-                </a:solidFill>
-                <a:latin typeface="Arial" charset="0"/>
-                <a:ea typeface="Arial" charset="0"/>
-                <a:cs typeface="Arial" charset="0"/>
+            <a:lvl9pPr marL="3886200" indent="-228600" eaLnBrk="0" hangingPunct="0">
+              <a:buFont typeface="Wingdings" charset="0"/>
+              <a:defRPr sz="2000">
+                <a:solidFill>
+                  <a:schemeClr val="tx1"/>
+                </a:solidFill>
+                <a:latin typeface="Arial" charset="0"/>
+                <a:ea typeface="ＭＳ Ｐゴシック" charset="0"/>
               </a:defRPr>
             </a:lvl9pPr>
           </a:lstStyle>
           <a:p>
-            <a:pPr eaLnBrk="1" hangingPunct="1"/>
-            <a:fld id="{D0A09748-BAA1-8E41-89CC-364F9EF97481}" type="datetime1">
-              <a:rPr lang="en-US" smtClean="0">
-                <a:latin typeface="Garamond" charset="0"/>
-              </a:rPr>
-              <a:t>2/20/18</a:t>
+            <a:fld id="{FBAB0C1C-3D6D-E44A-BA3F-E7970700B902}" type="datetime1">
+              <a:rPr lang="en-US" sz="1200" smtClean="0">
+                <a:latin typeface="Garamond"/>
+                <a:cs typeface="Garamond"/>
+              </a:rPr>
+              <a:t>2/21/2018</a:t>
             </a:fld>
-            <a:endParaRPr lang="en-US">
-              <a:latin typeface="Garamond" charset="0"/>
+            <a:endParaRPr lang="en-US" sz="1200" dirty="0">
+              <a:latin typeface="Garamond"/>
+              <a:cs typeface="Garamond"/>
             </a:endParaRPr>
           </a:p>
         </p:txBody>
@@ -11686,19 +11097,17 @@
           <a:bodyPr/>
           <a:lstStyle/>
           <a:p>
-            <a:pPr>
-              <a:defRPr/>
-            </a:pPr>
-            <a:r>
-              <a:rPr lang="en-US" altLang="en-US"/>
+            <a:r>
+              <a:rPr lang="en-US" altLang="en-US" dirty="0" smtClean="0"/>
               <a:t>ECE Application Programming: Exam 1 Preview</a:t>
             </a:r>
-          </a:p>
-        </p:txBody>
-      </p:sp>
-      <p:sp>
-        <p:nvSpPr>
-          <p:cNvPr id="6" name="Slide Number Placeholder 5"/>
+            <a:endParaRPr lang="en-US" altLang="en-US" dirty="0"/>
+          </a:p>
+        </p:txBody>
+      </p:sp>
+      <p:sp>
+        <p:nvSpPr>
+          <p:cNvPr id="10246" name="Slide Number Placeholder 5"/>
           <p:cNvSpPr>
             <a:spLocks noGrp="1"/>
           </p:cNvSpPr>
@@ -11710,332 +11119,115 @@
         <p:txBody>
           <a:bodyPr/>
           <a:lstStyle>
-            <a:lvl1pPr eaLnBrk="0" hangingPunct="0">
-              <a:defRPr>
+            <a:lvl1pPr>
+              <a:defRPr sz="3000">
                 <a:solidFill>
                   <a:schemeClr val="tx1"/>
                 </a:solidFill>
                 <a:latin typeface="Arial" charset="0"/>
                 <a:ea typeface="ＭＳ Ｐゴシック" charset="0"/>
-                <a:cs typeface="Arial" charset="0"/>
+                <a:cs typeface="ＭＳ Ｐゴシック" charset="0"/>
               </a:defRPr>
             </a:lvl1pPr>
-            <a:lvl2pPr marL="742950" indent="-285750" eaLnBrk="0" hangingPunct="0">
-              <a:defRPr>
-                <a:solidFill>
-                  <a:schemeClr val="tx1"/>
-                </a:solidFill>
-                <a:latin typeface="Arial" charset="0"/>
-                <a:ea typeface="Arial" charset="0"/>
-                <a:cs typeface="Arial" charset="0"/>
+            <a:lvl2pPr marL="742950" indent="-285750">
+              <a:defRPr sz="2600">
+                <a:solidFill>
+                  <a:schemeClr val="tx1"/>
+                </a:solidFill>
+                <a:latin typeface="Arial" charset="0"/>
+                <a:ea typeface="ＭＳ Ｐゴシック" charset="0"/>
               </a:defRPr>
             </a:lvl2pPr>
-            <a:lvl3pPr marL="1143000" indent="-228600" eaLnBrk="0" hangingPunct="0">
-              <a:defRPr>
-                <a:solidFill>
-                  <a:schemeClr val="tx1"/>
-                </a:solidFill>
-                <a:latin typeface="Arial" charset="0"/>
-                <a:ea typeface="Arial" charset="0"/>
-                <a:cs typeface="Arial" charset="0"/>
+            <a:lvl3pPr marL="1143000" indent="-228600">
+              <a:defRPr sz="2200">
+                <a:solidFill>
+                  <a:schemeClr val="tx1"/>
+                </a:solidFill>
+                <a:latin typeface="Arial" charset="0"/>
+                <a:ea typeface="ＭＳ Ｐゴシック" charset="0"/>
               </a:defRPr>
             </a:lvl3pPr>
-            <a:lvl4pPr marL="1600200" indent="-228600" eaLnBrk="0" hangingPunct="0">
-              <a:defRPr>
-                <a:solidFill>
-                  <a:schemeClr val="tx1"/>
-                </a:solidFill>
-                <a:latin typeface="Arial" charset="0"/>
-                <a:ea typeface="Arial" charset="0"/>
-                <a:cs typeface="Arial" charset="0"/>
+            <a:lvl4pPr marL="1600200" indent="-228600">
+              <a:defRPr sz="2000">
+                <a:solidFill>
+                  <a:schemeClr val="tx1"/>
+                </a:solidFill>
+                <a:latin typeface="Arial" charset="0"/>
+                <a:ea typeface="ＭＳ Ｐゴシック" charset="0"/>
               </a:defRPr>
             </a:lvl4pPr>
-            <a:lvl5pPr marL="2057400" indent="-228600" eaLnBrk="0" hangingPunct="0">
-              <a:defRPr>
-                <a:solidFill>
-                  <a:schemeClr val="tx1"/>
-                </a:solidFill>
-                <a:latin typeface="Arial" charset="0"/>
-                <a:ea typeface="Arial" charset="0"/>
-                <a:cs typeface="Arial" charset="0"/>
+            <a:lvl5pPr marL="2057400" indent="-228600">
+              <a:defRPr sz="2000">
+                <a:solidFill>
+                  <a:schemeClr val="tx1"/>
+                </a:solidFill>
+                <a:latin typeface="Arial" charset="0"/>
+                <a:ea typeface="ＭＳ Ｐゴシック" charset="0"/>
               </a:defRPr>
             </a:lvl5pPr>
-            <a:lvl6pPr marL="2514600" indent="-228600" eaLnBrk="0" fontAlgn="base" hangingPunct="0">
-              <a:spcBef>
-                <a:spcPct val="0"/>
-              </a:spcBef>
-              <a:spcAft>
-                <a:spcPct val="0"/>
-              </a:spcAft>
-              <a:defRPr>
-                <a:solidFill>
-                  <a:schemeClr val="tx1"/>
-                </a:solidFill>
-                <a:latin typeface="Arial" charset="0"/>
-                <a:ea typeface="Arial" charset="0"/>
-                <a:cs typeface="Arial" charset="0"/>
+            <a:lvl6pPr marL="2514600" indent="-228600" eaLnBrk="0" hangingPunct="0">
+              <a:buFont typeface="Wingdings" charset="0"/>
+              <a:defRPr sz="2000">
+                <a:solidFill>
+                  <a:schemeClr val="tx1"/>
+                </a:solidFill>
+                <a:latin typeface="Arial" charset="0"/>
+                <a:ea typeface="ＭＳ Ｐゴシック" charset="0"/>
               </a:defRPr>
             </a:lvl6pPr>
-            <a:lvl7pPr marL="2971800" indent="-228600" eaLnBrk="0" fontAlgn="base" hangingPunct="0">
-              <a:spcBef>
-                <a:spcPct val="0"/>
-              </a:spcBef>
-              <a:spcAft>
-                <a:spcPct val="0"/>
-              </a:spcAft>
-              <a:defRPr>
-                <a:solidFill>
-                  <a:schemeClr val="tx1"/>
-                </a:solidFill>
-                <a:latin typeface="Arial" charset="0"/>
-                <a:ea typeface="Arial" charset="0"/>
-                <a:cs typeface="Arial" charset="0"/>
+            <a:lvl7pPr marL="2971800" indent="-228600" eaLnBrk="0" hangingPunct="0">
+              <a:buFont typeface="Wingdings" charset="0"/>
+              <a:defRPr sz="2000">
+                <a:solidFill>
+                  <a:schemeClr val="tx1"/>
+                </a:solidFill>
+                <a:latin typeface="Arial" charset="0"/>
+                <a:ea typeface="ＭＳ Ｐゴシック" charset="0"/>
               </a:defRPr>
             </a:lvl7pPr>
-            <a:lvl8pPr marL="3429000" indent="-228600" eaLnBrk="0" fontAlgn="base" hangingPunct="0">
-              <a:spcBef>
-                <a:spcPct val="0"/>
-              </a:spcBef>
-              <a:spcAft>
-                <a:spcPct val="0"/>
-              </a:spcAft>
-              <a:defRPr>
-                <a:solidFill>
-                  <a:schemeClr val="tx1"/>
-                </a:solidFill>
-                <a:latin typeface="Arial" charset="0"/>
-                <a:ea typeface="Arial" charset="0"/>
-                <a:cs typeface="Arial" charset="0"/>
+            <a:lvl8pPr marL="3429000" indent="-228600" eaLnBrk="0" hangingPunct="0">
+              <a:buFont typeface="Wingdings" charset="0"/>
+              <a:defRPr sz="2000">
+                <a:solidFill>
+                  <a:schemeClr val="tx1"/>
+                </a:solidFill>
+                <a:latin typeface="Arial" charset="0"/>
+                <a:ea typeface="ＭＳ Ｐゴシック" charset="0"/>
               </a:defRPr>
             </a:lvl8pPr>
-            <a:lvl9pPr marL="3886200" indent="-228600" eaLnBrk="0" fontAlgn="base" hangingPunct="0">
-              <a:spcBef>
-                <a:spcPct val="0"/>
-              </a:spcBef>
-              <a:spcAft>
-                <a:spcPct val="0"/>
-              </a:spcAft>
-              <a:defRPr>
-                <a:solidFill>
-                  <a:schemeClr val="tx1"/>
-                </a:solidFill>
-                <a:latin typeface="Arial" charset="0"/>
-                <a:ea typeface="Arial" charset="0"/>
-                <a:cs typeface="Arial" charset="0"/>
+            <a:lvl9pPr marL="3886200" indent="-228600" eaLnBrk="0" hangingPunct="0">
+              <a:buFont typeface="Wingdings" charset="0"/>
+              <a:defRPr sz="2000">
+                <a:solidFill>
+                  <a:schemeClr val="tx1"/>
+                </a:solidFill>
+                <a:latin typeface="Arial" charset="0"/>
+                <a:ea typeface="ＭＳ Ｐゴシック" charset="0"/>
               </a:defRPr>
             </a:lvl9pPr>
           </a:lstStyle>
           <a:p>
-            <a:pPr eaLnBrk="1" hangingPunct="1"/>
-            <a:fld id="{4E483A71-FBFF-2C4B-83D7-1E3412DA8362}" type="slidenum">
-              <a:rPr lang="en-US">
-                <a:latin typeface="Garamond" charset="0"/>
-              </a:rPr>
-              <a:pPr eaLnBrk="1" hangingPunct="1"/>
+            <a:fld id="{5BBBD54E-4C50-4040-93BD-C0EB85745AC9}" type="slidenum">
+              <a:rPr lang="en-US" sz="1200" smtClean="0">
+                <a:latin typeface="Garamond"/>
+                <a:cs typeface="Garamond"/>
+              </a:rPr>
+              <a:pPr/>
               <a:t>6</a:t>
             </a:fld>
-            <a:endParaRPr lang="en-US">
-              <a:latin typeface="Garamond" charset="0"/>
+            <a:endParaRPr lang="en-US" sz="1200" dirty="0">
+              <a:latin typeface="Garamond"/>
+              <a:cs typeface="Garamond"/>
             </a:endParaRPr>
           </a:p>
         </p:txBody>
       </p:sp>
-      <p:sp>
-        <p:nvSpPr>
-          <p:cNvPr id="6149" name="Rectangle 4"/>
-          <p:cNvSpPr>
-            <a:spLocks noGrp="1" noChangeArrowheads="1"/>
-          </p:cNvSpPr>
-          <p:nvPr>
-            <p:ph type="title"/>
-          </p:nvPr>
-        </p:nvSpPr>
-        <p:spPr/>
-        <p:txBody>
-          <a:bodyPr>
-            <a:normAutofit fontScale="90000"/>
-          </a:bodyPr>
-          <a:lstStyle/>
-          <a:p>
-            <a:pPr eaLnBrk="1" hangingPunct="1">
-              <a:defRPr/>
-            </a:pPr>
-            <a:r>
-              <a:rPr lang="en-US" dirty="0" smtClean="0">
-                <a:ea typeface="+mj-ea"/>
-              </a:rPr>
-              <a:t>Review: Data types, variables, constants</a:t>
-            </a:r>
-          </a:p>
-        </p:txBody>
-      </p:sp>
-      <p:sp>
-        <p:nvSpPr>
-          <p:cNvPr id="5126" name="Rectangle 5"/>
-          <p:cNvSpPr>
-            <a:spLocks noGrp="1" noChangeArrowheads="1"/>
-          </p:cNvSpPr>
-          <p:nvPr>
-            <p:ph type="body" idx="1"/>
-          </p:nvPr>
-        </p:nvSpPr>
-        <p:spPr/>
-        <p:txBody>
-          <a:bodyPr>
-            <a:normAutofit/>
-          </a:bodyPr>
-          <a:lstStyle/>
-          <a:p>
-            <a:pPr eaLnBrk="1" hangingPunct="1">
-              <a:lnSpc>
-                <a:spcPct val="90000"/>
-              </a:lnSpc>
-              <a:buFont typeface="Wingdings" pitchFamily="2" charset="2"/>
-              <a:buChar char="n"/>
-              <a:defRPr/>
-            </a:pPr>
-            <a:r>
-              <a:rPr lang="en-US" dirty="0" smtClean="0">
-                <a:ea typeface="+mn-ea"/>
-              </a:rPr>
-              <a:t>Four basic data types</a:t>
-            </a:r>
-          </a:p>
-          <a:p>
-            <a:pPr lvl="1" eaLnBrk="1" hangingPunct="1">
-              <a:lnSpc>
-                <a:spcPct val="90000"/>
-              </a:lnSpc>
-              <a:buFont typeface="Wingdings" pitchFamily="2" charset="2"/>
-              <a:buChar char="q"/>
-              <a:defRPr/>
-            </a:pPr>
-            <a:r>
-              <a:rPr lang="en-US" dirty="0" err="1" smtClean="0">
-                <a:latin typeface="Courier New" pitchFamily="49" charset="0"/>
-                <a:cs typeface="Courier New" pitchFamily="49" charset="0"/>
-              </a:rPr>
-              <a:t>int</a:t>
-            </a:r>
-            <a:r>
-              <a:rPr lang="en-US" dirty="0" smtClean="0">
-                <a:latin typeface="Courier New" pitchFamily="49" charset="0"/>
-                <a:cs typeface="Courier New" pitchFamily="49" charset="0"/>
-              </a:rPr>
-              <a:t>, float, double, char</a:t>
-            </a:r>
-          </a:p>
-          <a:p>
-            <a:pPr eaLnBrk="1" hangingPunct="1">
-              <a:lnSpc>
-                <a:spcPct val="90000"/>
-              </a:lnSpc>
-              <a:buFont typeface="Wingdings" pitchFamily="2" charset="2"/>
-              <a:buChar char="n"/>
-              <a:defRPr/>
-            </a:pPr>
-            <a:r>
-              <a:rPr lang="en-US" dirty="0" smtClean="0">
-                <a:ea typeface="+mn-ea"/>
-                <a:cs typeface="Courier New" pitchFamily="49" charset="0"/>
-              </a:rPr>
-              <a:t>Variables</a:t>
-            </a:r>
-          </a:p>
-          <a:p>
-            <a:pPr lvl="1" eaLnBrk="1" hangingPunct="1">
-              <a:lnSpc>
-                <a:spcPct val="90000"/>
-              </a:lnSpc>
-              <a:buFont typeface="Wingdings" pitchFamily="2" charset="2"/>
-              <a:buChar char="q"/>
-              <a:defRPr/>
-            </a:pPr>
-            <a:r>
-              <a:rPr lang="en-US" dirty="0" smtClean="0">
-                <a:cs typeface="Courier New" pitchFamily="49" charset="0"/>
-              </a:rPr>
-              <a:t>Have name, type, value, memory location</a:t>
-            </a:r>
-          </a:p>
-          <a:p>
-            <a:pPr eaLnBrk="1" hangingPunct="1">
-              <a:lnSpc>
-                <a:spcPct val="90000"/>
-              </a:lnSpc>
-              <a:buFont typeface="Wingdings" pitchFamily="2" charset="2"/>
-              <a:buChar char="n"/>
-              <a:defRPr/>
-            </a:pPr>
-            <a:r>
-              <a:rPr lang="en-US" dirty="0" smtClean="0">
-                <a:ea typeface="+mn-ea"/>
-                <a:cs typeface="Courier New" pitchFamily="49" charset="0"/>
-              </a:rPr>
-              <a:t>Variable declarations: examples</a:t>
-            </a:r>
-          </a:p>
-          <a:p>
-            <a:pPr lvl="1" eaLnBrk="1" hangingPunct="1">
-              <a:lnSpc>
-                <a:spcPct val="90000"/>
-              </a:lnSpc>
-              <a:buFont typeface="Wingdings" pitchFamily="2" charset="2"/>
-              <a:buChar char="q"/>
-              <a:defRPr/>
-            </a:pPr>
-            <a:r>
-              <a:rPr lang="en-US" dirty="0" err="1" smtClean="0">
-                <a:latin typeface="Courier New" pitchFamily="49" charset="0"/>
-                <a:cs typeface="Courier New" pitchFamily="49" charset="0"/>
-              </a:rPr>
-              <a:t>int</a:t>
-            </a:r>
-            <a:r>
-              <a:rPr lang="en-US" dirty="0" smtClean="0">
-                <a:latin typeface="Courier New" pitchFamily="49" charset="0"/>
-                <a:cs typeface="Courier New" pitchFamily="49" charset="0"/>
-              </a:rPr>
-              <a:t> x;</a:t>
-            </a:r>
-          </a:p>
-          <a:p>
-            <a:pPr lvl="1" eaLnBrk="1" hangingPunct="1">
-              <a:lnSpc>
-                <a:spcPct val="90000"/>
-              </a:lnSpc>
-              <a:buFont typeface="Wingdings" pitchFamily="2" charset="2"/>
-              <a:buChar char="q"/>
-              <a:defRPr/>
-            </a:pPr>
-            <a:r>
-              <a:rPr lang="en-US" dirty="0" smtClean="0">
-                <a:latin typeface="Courier New" pitchFamily="49" charset="0"/>
-                <a:cs typeface="Courier New" pitchFamily="49" charset="0"/>
-              </a:rPr>
-              <a:t>float a, b;</a:t>
-            </a:r>
-          </a:p>
-          <a:p>
-            <a:pPr lvl="1" eaLnBrk="1" hangingPunct="1">
-              <a:lnSpc>
-                <a:spcPct val="90000"/>
-              </a:lnSpc>
-              <a:buFont typeface="Wingdings" pitchFamily="2" charset="2"/>
-              <a:buChar char="q"/>
-              <a:defRPr/>
-            </a:pPr>
-            <a:r>
-              <a:rPr lang="en-US" dirty="0" smtClean="0">
-                <a:latin typeface="Courier New" pitchFamily="49" charset="0"/>
-                <a:cs typeface="Courier New" pitchFamily="49" charset="0"/>
-              </a:rPr>
-              <a:t>double m = 2.35;</a:t>
-            </a:r>
-          </a:p>
-        </p:txBody>
-      </p:sp>
     </p:spTree>
+    <p:extLst>
+      <p:ext uri="{BB962C8B-B14F-4D97-AF65-F5344CB8AC3E}">
+        <p14:creationId xmlns:p14="http://schemas.microsoft.com/office/powerpoint/2010/main" val="2881128728"/>
+      </p:ext>
+    </p:extLst>
   </p:cSld>
   <p:clrMapOvr>
     <a:masterClrMapping/>
@@ -12043,7 +11235,7 @@
   <p:timing>
     <p:tnLst>
       <p:par>
-        <p:cTn xmlns:p14="http://schemas.microsoft.com/office/powerpoint/2010/main" id="1" dur="indefinite" restart="never" nodeType="tmRoot"/>
+        <p:cTn id="1" dur="indefinite" restart="never" nodeType="tmRoot"/>
       </p:par>
     </p:tnLst>
   </p:timing>
@@ -12069,582 +11261,6 @@
       </p:grpSpPr>
       <p:sp>
         <p:nvSpPr>
-          <p:cNvPr id="10242" name="Title 1"/>
-          <p:cNvSpPr>
-            <a:spLocks noGrp="1"/>
-          </p:cNvSpPr>
-          <p:nvPr>
-            <p:ph type="title"/>
-          </p:nvPr>
-        </p:nvSpPr>
-        <p:spPr/>
-        <p:txBody>
-          <a:bodyPr/>
-          <a:lstStyle/>
-          <a:p>
-            <a:r>
-              <a:rPr lang="en-US" dirty="0" smtClean="0"/>
-              <a:t>Review: </a:t>
-            </a:r>
-            <a:r>
-              <a:rPr lang="en-US" dirty="0" err="1" smtClean="0"/>
-              <a:t>printf</a:t>
-            </a:r>
-            <a:r>
-              <a:rPr lang="en-US" dirty="0" smtClean="0"/>
-              <a:t>() basics</a:t>
-            </a:r>
-            <a:endParaRPr lang="en-US" dirty="0"/>
-          </a:p>
-        </p:txBody>
-      </p:sp>
-      <p:sp>
-        <p:nvSpPr>
-          <p:cNvPr id="3" name="Content Placeholder 2"/>
-          <p:cNvSpPr>
-            <a:spLocks noGrp="1"/>
-          </p:cNvSpPr>
-          <p:nvPr>
-            <p:ph idx="1"/>
-          </p:nvPr>
-        </p:nvSpPr>
-        <p:spPr/>
-        <p:txBody>
-          <a:bodyPr>
-            <a:normAutofit fontScale="85000" lnSpcReduction="20000"/>
-          </a:bodyPr>
-          <a:lstStyle/>
-          <a:p>
-            <a:r>
-              <a:rPr lang="en-US" b="1" dirty="0" err="1" smtClean="0">
-                <a:solidFill>
-                  <a:srgbClr val="FF0000"/>
-                </a:solidFill>
-                <a:latin typeface="Courier New"/>
-                <a:cs typeface="Courier New"/>
-              </a:rPr>
-              <a:t>printf</a:t>
-            </a:r>
-            <a:r>
-              <a:rPr lang="en-US" b="1" dirty="0" smtClean="0">
-                <a:solidFill>
-                  <a:srgbClr val="FF0000"/>
-                </a:solidFill>
-                <a:latin typeface="Courier New"/>
-                <a:cs typeface="Courier New"/>
-              </a:rPr>
-              <a:t>(&lt;string&gt;); </a:t>
-            </a:r>
-            <a:r>
-              <a:rPr lang="en-US" dirty="0" smtClean="0">
-                <a:latin typeface="Courier New"/>
-                <a:cs typeface="Courier New"/>
-              </a:rPr>
-              <a:t>&lt;string&gt;</a:t>
-            </a:r>
-            <a:r>
-              <a:rPr lang="en-US" dirty="0" smtClean="0"/>
-              <a:t> = characters enclosed in double quotes</a:t>
-            </a:r>
-          </a:p>
-          <a:p>
-            <a:pPr lvl="1"/>
-            <a:r>
-              <a:rPr lang="en-US" dirty="0" smtClean="0"/>
-              <a:t>May include escape sequence, e.g. </a:t>
-            </a:r>
-            <a:r>
-              <a:rPr lang="en-US" dirty="0" smtClean="0">
-                <a:latin typeface="Courier New"/>
-                <a:cs typeface="Courier New"/>
-              </a:rPr>
-              <a:t>\n</a:t>
-            </a:r>
-            <a:r>
-              <a:rPr lang="en-US" dirty="0" smtClean="0"/>
-              <a:t> (new line)</a:t>
-            </a:r>
-            <a:endParaRPr lang="en-US" dirty="0" smtClean="0"/>
-          </a:p>
-          <a:p>
-            <a:r>
-              <a:rPr lang="en-US" dirty="0" smtClean="0"/>
-              <a:t>To print variable/expression values, insert </a:t>
-            </a:r>
-            <a:r>
-              <a:rPr lang="en-US" dirty="0" smtClean="0">
-                <a:latin typeface="Courier New"/>
-                <a:cs typeface="Courier New"/>
-              </a:rPr>
-              <a:t>%&lt;type&gt;</a:t>
-            </a:r>
-            <a:r>
-              <a:rPr lang="en-US" dirty="0" smtClean="0"/>
-              <a:t> in your </a:t>
-            </a:r>
-            <a:r>
-              <a:rPr lang="en-US" dirty="0" err="1" smtClean="0">
-                <a:latin typeface="Courier New"/>
-                <a:cs typeface="Courier New"/>
-              </a:rPr>
-              <a:t>printf</a:t>
-            </a:r>
-            <a:r>
-              <a:rPr lang="en-US" dirty="0" smtClean="0">
-                <a:latin typeface="Courier New"/>
-                <a:cs typeface="Courier New"/>
-              </a:rPr>
-              <a:t>()</a:t>
-            </a:r>
-            <a:r>
-              <a:rPr lang="en-US" dirty="0" smtClean="0"/>
-              <a:t> format string</a:t>
-            </a:r>
-          </a:p>
-          <a:p>
-            <a:pPr lvl="1"/>
-            <a:r>
-              <a:rPr lang="en-US" dirty="0" smtClean="0">
-                <a:latin typeface="Courier New"/>
-                <a:cs typeface="Courier New"/>
-              </a:rPr>
-              <a:t>%c</a:t>
-            </a:r>
-            <a:r>
-              <a:rPr lang="en-US" dirty="0" smtClean="0"/>
-              <a:t>: single character</a:t>
-            </a:r>
-          </a:p>
-          <a:p>
-            <a:pPr lvl="1"/>
-            <a:r>
-              <a:rPr lang="en-US" dirty="0" smtClean="0">
-                <a:latin typeface="Courier New"/>
-                <a:cs typeface="Courier New"/>
-              </a:rPr>
-              <a:t>%d</a:t>
-            </a:r>
-            <a:r>
-              <a:rPr lang="en-US" dirty="0" smtClean="0"/>
-              <a:t> or </a:t>
-            </a:r>
-            <a:r>
-              <a:rPr lang="en-US" dirty="0" smtClean="0">
-                <a:latin typeface="Courier New"/>
-                <a:cs typeface="Courier New"/>
-              </a:rPr>
-              <a:t>%</a:t>
-            </a:r>
-            <a:r>
-              <a:rPr lang="en-US" dirty="0" err="1" smtClean="0">
-                <a:latin typeface="Courier New"/>
-                <a:cs typeface="Courier New"/>
-              </a:rPr>
-              <a:t>i</a:t>
-            </a:r>
-            <a:r>
-              <a:rPr lang="en-US" dirty="0" smtClean="0"/>
-              <a:t>: signed decimal integer</a:t>
-            </a:r>
-          </a:p>
-          <a:p>
-            <a:pPr lvl="1"/>
-            <a:r>
-              <a:rPr lang="en-US" dirty="0" smtClean="0">
-                <a:latin typeface="Courier New"/>
-                <a:cs typeface="Courier New"/>
-              </a:rPr>
-              <a:t>%f</a:t>
-            </a:r>
-            <a:r>
-              <a:rPr lang="en-US" dirty="0" smtClean="0"/>
-              <a:t>: float; </a:t>
-            </a:r>
-            <a:r>
-              <a:rPr lang="en-US" dirty="0" smtClean="0">
-                <a:latin typeface="Courier New"/>
-                <a:cs typeface="Courier New"/>
-              </a:rPr>
-              <a:t>%lf</a:t>
-            </a:r>
-            <a:r>
-              <a:rPr lang="en-US" dirty="0" smtClean="0"/>
-              <a:t>: double</a:t>
-            </a:r>
-          </a:p>
-          <a:p>
-            <a:pPr lvl="2"/>
-            <a:r>
-              <a:rPr lang="en-US" dirty="0" smtClean="0"/>
-              <a:t>Prints 6 digits after decimal point by default</a:t>
-            </a:r>
-          </a:p>
-          <a:p>
-            <a:pPr lvl="2"/>
-            <a:r>
-              <a:rPr lang="en-US" dirty="0" smtClean="0"/>
-              <a:t>To control # digits, use precision </a:t>
-            </a:r>
-          </a:p>
-          <a:p>
-            <a:pPr lvl="3"/>
-            <a:r>
-              <a:rPr lang="en-US" dirty="0" smtClean="0">
-                <a:latin typeface="Courier New"/>
-                <a:cs typeface="Courier New"/>
-              </a:rPr>
-              <a:t>"%.4lf"</a:t>
-            </a:r>
-            <a:r>
-              <a:rPr lang="en-US" dirty="0" smtClean="0"/>
-              <a:t> prints with 4 digits (4th digit rounds)</a:t>
-            </a:r>
-          </a:p>
-          <a:p>
-            <a:pPr lvl="3"/>
-            <a:r>
-              <a:rPr lang="en-US" dirty="0" smtClean="0">
-                <a:latin typeface="Courier New"/>
-                <a:cs typeface="Courier New"/>
-              </a:rPr>
-              <a:t>"%.0lf"</a:t>
-            </a:r>
-            <a:r>
-              <a:rPr lang="en-US" dirty="0" smtClean="0"/>
-              <a:t> prints with 0 digits (round to nearest integer)</a:t>
-            </a:r>
-          </a:p>
-          <a:p>
-            <a:r>
-              <a:rPr lang="en-US" dirty="0" smtClean="0"/>
-              <a:t>Each </a:t>
-            </a:r>
-            <a:r>
-              <a:rPr lang="en-US" dirty="0" smtClean="0">
-                <a:latin typeface="Courier New"/>
-                <a:cs typeface="Courier New"/>
-              </a:rPr>
-              <a:t>%&lt;type&gt;</a:t>
-            </a:r>
-            <a:r>
-              <a:rPr lang="en-US" dirty="0" smtClean="0"/>
-              <a:t> corresponds to expression that follows</a:t>
-            </a:r>
-          </a:p>
-          <a:p>
-            <a:pPr lvl="1"/>
-            <a:r>
-              <a:rPr lang="en-US" dirty="0" err="1" smtClean="0">
-                <a:latin typeface="Courier New"/>
-                <a:cs typeface="Courier New"/>
-              </a:rPr>
-              <a:t>printf</a:t>
-            </a:r>
-            <a:r>
-              <a:rPr lang="en-US" dirty="0" smtClean="0">
-                <a:latin typeface="Courier New"/>
-                <a:cs typeface="Courier New"/>
-              </a:rPr>
-              <a:t>("a=%.3f, b=%.2f", a, b);</a:t>
-            </a:r>
-          </a:p>
-        </p:txBody>
-      </p:sp>
-      <p:sp>
-        <p:nvSpPr>
-          <p:cNvPr id="10244" name="Date Placeholder 3"/>
-          <p:cNvSpPr>
-            <a:spLocks noGrp="1"/>
-          </p:cNvSpPr>
-          <p:nvPr>
-            <p:ph type="dt" sz="half" idx="10"/>
-          </p:nvPr>
-        </p:nvSpPr>
-        <p:spPr/>
-        <p:txBody>
-          <a:bodyPr/>
-          <a:lstStyle>
-            <a:lvl1pPr>
-              <a:defRPr sz="3000">
-                <a:solidFill>
-                  <a:schemeClr val="tx1"/>
-                </a:solidFill>
-                <a:latin typeface="Arial" charset="0"/>
-                <a:ea typeface="ＭＳ Ｐゴシック" charset="0"/>
-                <a:cs typeface="ＭＳ Ｐゴシック" charset="0"/>
-              </a:defRPr>
-            </a:lvl1pPr>
-            <a:lvl2pPr marL="742950" indent="-285750">
-              <a:defRPr sz="2600">
-                <a:solidFill>
-                  <a:schemeClr val="tx1"/>
-                </a:solidFill>
-                <a:latin typeface="Arial" charset="0"/>
-                <a:ea typeface="ＭＳ Ｐゴシック" charset="0"/>
-              </a:defRPr>
-            </a:lvl2pPr>
-            <a:lvl3pPr marL="1143000" indent="-228600">
-              <a:defRPr sz="2200">
-                <a:solidFill>
-                  <a:schemeClr val="tx1"/>
-                </a:solidFill>
-                <a:latin typeface="Arial" charset="0"/>
-                <a:ea typeface="ＭＳ Ｐゴシック" charset="0"/>
-              </a:defRPr>
-            </a:lvl3pPr>
-            <a:lvl4pPr marL="1600200" indent="-228600">
-              <a:defRPr sz="2000">
-                <a:solidFill>
-                  <a:schemeClr val="tx1"/>
-                </a:solidFill>
-                <a:latin typeface="Arial" charset="0"/>
-                <a:ea typeface="ＭＳ Ｐゴシック" charset="0"/>
-              </a:defRPr>
-            </a:lvl4pPr>
-            <a:lvl5pPr marL="2057400" indent="-228600">
-              <a:defRPr sz="2000">
-                <a:solidFill>
-                  <a:schemeClr val="tx1"/>
-                </a:solidFill>
-                <a:latin typeface="Arial" charset="0"/>
-                <a:ea typeface="ＭＳ Ｐゴシック" charset="0"/>
-              </a:defRPr>
-            </a:lvl5pPr>
-            <a:lvl6pPr marL="2514600" indent="-228600" eaLnBrk="0" hangingPunct="0">
-              <a:buFont typeface="Wingdings" charset="0"/>
-              <a:defRPr sz="2000">
-                <a:solidFill>
-                  <a:schemeClr val="tx1"/>
-                </a:solidFill>
-                <a:latin typeface="Arial" charset="0"/>
-                <a:ea typeface="ＭＳ Ｐゴシック" charset="0"/>
-              </a:defRPr>
-            </a:lvl6pPr>
-            <a:lvl7pPr marL="2971800" indent="-228600" eaLnBrk="0" hangingPunct="0">
-              <a:buFont typeface="Wingdings" charset="0"/>
-              <a:defRPr sz="2000">
-                <a:solidFill>
-                  <a:schemeClr val="tx1"/>
-                </a:solidFill>
-                <a:latin typeface="Arial" charset="0"/>
-                <a:ea typeface="ＭＳ Ｐゴシック" charset="0"/>
-              </a:defRPr>
-            </a:lvl7pPr>
-            <a:lvl8pPr marL="3429000" indent="-228600" eaLnBrk="0" hangingPunct="0">
-              <a:buFont typeface="Wingdings" charset="0"/>
-              <a:defRPr sz="2000">
-                <a:solidFill>
-                  <a:schemeClr val="tx1"/>
-                </a:solidFill>
-                <a:latin typeface="Arial" charset="0"/>
-                <a:ea typeface="ＭＳ Ｐゴシック" charset="0"/>
-              </a:defRPr>
-            </a:lvl8pPr>
-            <a:lvl9pPr marL="3886200" indent="-228600" eaLnBrk="0" hangingPunct="0">
-              <a:buFont typeface="Wingdings" charset="0"/>
-              <a:defRPr sz="2000">
-                <a:solidFill>
-                  <a:schemeClr val="tx1"/>
-                </a:solidFill>
-                <a:latin typeface="Arial" charset="0"/>
-                <a:ea typeface="ＭＳ Ｐゴシック" charset="0"/>
-              </a:defRPr>
-            </a:lvl9pPr>
-          </a:lstStyle>
-          <a:p>
-            <a:fld id="{FBAB0C1C-3D6D-E44A-BA3F-E7970700B902}" type="datetime1">
-              <a:rPr lang="en-US" sz="1200" smtClean="0">
-                <a:latin typeface="Garamond"/>
-                <a:cs typeface="Garamond"/>
-              </a:rPr>
-              <a:t>2/20/18</a:t>
-            </a:fld>
-            <a:endParaRPr lang="en-US" sz="1200" dirty="0">
-              <a:latin typeface="Garamond"/>
-              <a:cs typeface="Garamond"/>
-            </a:endParaRPr>
-          </a:p>
-        </p:txBody>
-      </p:sp>
-      <p:sp>
-        <p:nvSpPr>
-          <p:cNvPr id="5" name="Footer Placeholder 4"/>
-          <p:cNvSpPr>
-            <a:spLocks noGrp="1"/>
-          </p:cNvSpPr>
-          <p:nvPr>
-            <p:ph type="ftr" sz="quarter" idx="11"/>
-          </p:nvPr>
-        </p:nvSpPr>
-        <p:spPr/>
-        <p:txBody>
-          <a:bodyPr/>
-          <a:lstStyle/>
-          <a:p>
-            <a:r>
-              <a:rPr lang="en-US" altLang="en-US" dirty="0" smtClean="0"/>
-              <a:t>ECE Application Programming: Exam 1 Preview</a:t>
-            </a:r>
-            <a:endParaRPr lang="en-US" altLang="en-US" dirty="0"/>
-          </a:p>
-        </p:txBody>
-      </p:sp>
-      <p:sp>
-        <p:nvSpPr>
-          <p:cNvPr id="10246" name="Slide Number Placeholder 5"/>
-          <p:cNvSpPr>
-            <a:spLocks noGrp="1"/>
-          </p:cNvSpPr>
-          <p:nvPr>
-            <p:ph type="sldNum" sz="quarter" idx="12"/>
-          </p:nvPr>
-        </p:nvSpPr>
-        <p:spPr/>
-        <p:txBody>
-          <a:bodyPr/>
-          <a:lstStyle>
-            <a:lvl1pPr>
-              <a:defRPr sz="3000">
-                <a:solidFill>
-                  <a:schemeClr val="tx1"/>
-                </a:solidFill>
-                <a:latin typeface="Arial" charset="0"/>
-                <a:ea typeface="ＭＳ Ｐゴシック" charset="0"/>
-                <a:cs typeface="ＭＳ Ｐゴシック" charset="0"/>
-              </a:defRPr>
-            </a:lvl1pPr>
-            <a:lvl2pPr marL="742950" indent="-285750">
-              <a:defRPr sz="2600">
-                <a:solidFill>
-                  <a:schemeClr val="tx1"/>
-                </a:solidFill>
-                <a:latin typeface="Arial" charset="0"/>
-                <a:ea typeface="ＭＳ Ｐゴシック" charset="0"/>
-              </a:defRPr>
-            </a:lvl2pPr>
-            <a:lvl3pPr marL="1143000" indent="-228600">
-              <a:defRPr sz="2200">
-                <a:solidFill>
-                  <a:schemeClr val="tx1"/>
-                </a:solidFill>
-                <a:latin typeface="Arial" charset="0"/>
-                <a:ea typeface="ＭＳ Ｐゴシック" charset="0"/>
-              </a:defRPr>
-            </a:lvl3pPr>
-            <a:lvl4pPr marL="1600200" indent="-228600">
-              <a:defRPr sz="2000">
-                <a:solidFill>
-                  <a:schemeClr val="tx1"/>
-                </a:solidFill>
-                <a:latin typeface="Arial" charset="0"/>
-                <a:ea typeface="ＭＳ Ｐゴシック" charset="0"/>
-              </a:defRPr>
-            </a:lvl4pPr>
-            <a:lvl5pPr marL="2057400" indent="-228600">
-              <a:defRPr sz="2000">
-                <a:solidFill>
-                  <a:schemeClr val="tx1"/>
-                </a:solidFill>
-                <a:latin typeface="Arial" charset="0"/>
-                <a:ea typeface="ＭＳ Ｐゴシック" charset="0"/>
-              </a:defRPr>
-            </a:lvl5pPr>
-            <a:lvl6pPr marL="2514600" indent="-228600" eaLnBrk="0" hangingPunct="0">
-              <a:buFont typeface="Wingdings" charset="0"/>
-              <a:defRPr sz="2000">
-                <a:solidFill>
-                  <a:schemeClr val="tx1"/>
-                </a:solidFill>
-                <a:latin typeface="Arial" charset="0"/>
-                <a:ea typeface="ＭＳ Ｐゴシック" charset="0"/>
-              </a:defRPr>
-            </a:lvl6pPr>
-            <a:lvl7pPr marL="2971800" indent="-228600" eaLnBrk="0" hangingPunct="0">
-              <a:buFont typeface="Wingdings" charset="0"/>
-              <a:defRPr sz="2000">
-                <a:solidFill>
-                  <a:schemeClr val="tx1"/>
-                </a:solidFill>
-                <a:latin typeface="Arial" charset="0"/>
-                <a:ea typeface="ＭＳ Ｐゴシック" charset="0"/>
-              </a:defRPr>
-            </a:lvl7pPr>
-            <a:lvl8pPr marL="3429000" indent="-228600" eaLnBrk="0" hangingPunct="0">
-              <a:buFont typeface="Wingdings" charset="0"/>
-              <a:defRPr sz="2000">
-                <a:solidFill>
-                  <a:schemeClr val="tx1"/>
-                </a:solidFill>
-                <a:latin typeface="Arial" charset="0"/>
-                <a:ea typeface="ＭＳ Ｐゴシック" charset="0"/>
-              </a:defRPr>
-            </a:lvl8pPr>
-            <a:lvl9pPr marL="3886200" indent="-228600" eaLnBrk="0" hangingPunct="0">
-              <a:buFont typeface="Wingdings" charset="0"/>
-              <a:defRPr sz="2000">
-                <a:solidFill>
-                  <a:schemeClr val="tx1"/>
-                </a:solidFill>
-                <a:latin typeface="Arial" charset="0"/>
-                <a:ea typeface="ＭＳ Ｐゴシック" charset="0"/>
-              </a:defRPr>
-            </a:lvl9pPr>
-          </a:lstStyle>
-          <a:p>
-            <a:fld id="{5BBBD54E-4C50-4040-93BD-C0EB85745AC9}" type="slidenum">
-              <a:rPr lang="en-US" sz="1200" smtClean="0">
-                <a:latin typeface="Garamond"/>
-                <a:cs typeface="Garamond"/>
-              </a:rPr>
-              <a:pPr/>
-              <a:t>7</a:t>
-            </a:fld>
-            <a:endParaRPr lang="en-US" sz="1200" dirty="0">
-              <a:latin typeface="Garamond"/>
-              <a:cs typeface="Garamond"/>
-            </a:endParaRPr>
-          </a:p>
-        </p:txBody>
-      </p:sp>
-    </p:spTree>
-    <p:extLst>
-      <p:ext uri="{BB962C8B-B14F-4D97-AF65-F5344CB8AC3E}">
-        <p14:creationId xmlns:p14="http://schemas.microsoft.com/office/powerpoint/2010/main" val="2881128728"/>
-      </p:ext>
-    </p:extLst>
-  </p:cSld>
-  <p:clrMapOvr>
-    <a:masterClrMapping/>
-  </p:clrMapOvr>
-  <p:timing>
-    <p:tnLst>
-      <p:par>
-        <p:cTn xmlns:p14="http://schemas.microsoft.com/office/powerpoint/2010/main" id="1" dur="indefinite" restart="never" nodeType="tmRoot"/>
-      </p:par>
-    </p:tnLst>
-  </p:timing>
-</p:sld>
-</file>
-
-<file path=ppt/slides/slide8.xml><?xml version="1.0" encoding="utf-8"?>
-<p:sld xmlns:a="http://schemas.openxmlformats.org/drawingml/2006/main" xmlns:r="http://schemas.openxmlformats.org/officeDocument/2006/relationships" xmlns:p="http://schemas.openxmlformats.org/presentationml/2006/main">
-  <p:cSld>
-    <p:spTree>
-      <p:nvGrpSpPr>
-        <p:cNvPr id="1" name=""/>
-        <p:cNvGrpSpPr/>
-        <p:nvPr/>
-      </p:nvGrpSpPr>
-      <p:grpSpPr>
-        <a:xfrm>
-          <a:off x="0" y="0"/>
-          <a:ext cx="0" cy="0"/>
-          <a:chOff x="0" y="0"/>
-          <a:chExt cx="0" cy="0"/>
-        </a:xfrm>
-      </p:grpSpPr>
-      <p:sp>
-        <p:nvSpPr>
           <p:cNvPr id="6146" name="Title 1"/>
           <p:cNvSpPr>
             <a:spLocks noGrp="1"/>
@@ -12962,7 +11578,23 @@
                 <a:cs typeface="Courier New"/>
                 <a:sym typeface="Wingdings"/>
               </a:rPr>
-              <a:t>x = ?, y = ?, n = 1</a:t>
+              <a:t>x = ?, y = ?, n </a:t>
+            </a:r>
+            <a:r>
+              <a:rPr lang="en-US" smtClean="0">
+                <a:latin typeface="Courier New"/>
+                <a:cs typeface="Courier New"/>
+                <a:sym typeface="Wingdings"/>
+              </a:rPr>
+              <a:t>= </a:t>
+            </a:r>
+            <a:r>
+              <a:rPr lang="en-US" smtClean="0">
+                <a:latin typeface="Courier New"/>
+                <a:cs typeface="Courier New"/>
+                <a:sym typeface="Wingdings"/>
+              </a:rPr>
+              <a:t>0</a:t>
             </a:r>
             <a:endParaRPr lang="en-US" dirty="0">
               <a:latin typeface="Courier New"/>
@@ -13106,7 +11738,7 @@
               <a:rPr lang="en-US" smtClean="0">
                 <a:latin typeface="Garamond" charset="0"/>
               </a:rPr>
-              <a:t>2/20/18</a:t>
+              <a:t>2/21/2018</a:t>
             </a:fld>
             <a:endParaRPr lang="en-US">
               <a:latin typeface="Garamond" charset="0"/>
@@ -13276,7 +11908,7 @@
                 <a:latin typeface="Garamond" charset="0"/>
               </a:rPr>
               <a:pPr eaLnBrk="1" hangingPunct="1"/>
-              <a:t>8</a:t>
+              <a:t>7</a:t>
             </a:fld>
             <a:endParaRPr lang="en-US">
               <a:latin typeface="Garamond" charset="0"/>
@@ -13297,14 +11929,14 @@
   <p:timing>
     <p:tnLst>
       <p:par>
-        <p:cTn xmlns:p14="http://schemas.microsoft.com/office/powerpoint/2010/main" id="1" dur="indefinite" restart="never" nodeType="tmRoot"/>
+        <p:cTn id="1" dur="indefinite" restart="never" nodeType="tmRoot"/>
       </p:par>
     </p:tnLst>
   </p:timing>
 </p:sld>
 </file>
 
-<file path=ppt/slides/slide9.xml><?xml version="1.0" encoding="utf-8"?>
+<file path=ppt/slides/slide8.xml><?xml version="1.0" encoding="utf-8"?>
 <p:sld xmlns:a="http://schemas.openxmlformats.org/drawingml/2006/main" xmlns:r="http://schemas.openxmlformats.org/officeDocument/2006/relationships" xmlns:p="http://schemas.openxmlformats.org/presentationml/2006/main">
   <p:cSld>
     <p:spTree>
@@ -14362,7 +12994,7 @@
                 <a:latin typeface="Garamond" charset="0"/>
               </a:rPr>
               <a:pPr eaLnBrk="1" hangingPunct="1"/>
-              <a:t>9</a:t>
+              <a:t>8</a:t>
             </a:fld>
             <a:endParaRPr lang="en-US">
               <a:latin typeface="Garamond" charset="0"/>
@@ -14505,7 +13137,7 @@
               <a:rPr lang="en-US" smtClean="0">
                 <a:latin typeface="Garamond" charset="0"/>
               </a:rPr>
-              <a:t>2/20/18</a:t>
+              <a:t>2/21/2018</a:t>
             </a:fld>
             <a:endParaRPr lang="en-US">
               <a:latin typeface="Garamond" charset="0"/>
@@ -14546,7 +13178,466 @@
   <p:timing>
     <p:tnLst>
       <p:par>
-        <p:cTn xmlns:p14="http://schemas.microsoft.com/office/powerpoint/2010/main" id="1" dur="indefinite" restart="never" nodeType="tmRoot"/>
+        <p:cTn id="1" dur="indefinite" restart="never" nodeType="tmRoot"/>
+      </p:par>
+    </p:tnLst>
+  </p:timing>
+</p:sld>
+</file>
+
+<file path=ppt/slides/slide9.xml><?xml version="1.0" encoding="utf-8"?>
+<p:sld xmlns:a="http://schemas.openxmlformats.org/drawingml/2006/main" xmlns:r="http://schemas.openxmlformats.org/officeDocument/2006/relationships" xmlns:p="http://schemas.openxmlformats.org/presentationml/2006/main">
+  <p:cSld>
+    <p:spTree>
+      <p:nvGrpSpPr>
+        <p:cNvPr id="1" name=""/>
+        <p:cNvGrpSpPr/>
+        <p:nvPr/>
+      </p:nvGrpSpPr>
+      <p:grpSpPr>
+        <a:xfrm>
+          <a:off x="0" y="0"/>
+          <a:ext cx="0" cy="0"/>
+          <a:chOff x="0" y="0"/>
+          <a:chExt cx="0" cy="0"/>
+        </a:xfrm>
+      </p:grpSpPr>
+      <p:sp>
+        <p:nvSpPr>
+          <p:cNvPr id="14338" name="Title 1"/>
+          <p:cNvSpPr>
+            <a:spLocks noGrp="1"/>
+          </p:cNvSpPr>
+          <p:nvPr>
+            <p:ph type="title"/>
+          </p:nvPr>
+        </p:nvSpPr>
+        <p:spPr/>
+        <p:txBody>
+          <a:bodyPr/>
+          <a:lstStyle/>
+          <a:p>
+            <a:r>
+              <a:rPr lang="en-US">
+                <a:latin typeface="Garamond" charset="0"/>
+              </a:rPr>
+              <a:t>Review: Operators and statements</a:t>
+            </a:r>
+          </a:p>
+        </p:txBody>
+      </p:sp>
+      <p:sp>
+        <p:nvSpPr>
+          <p:cNvPr id="14339" name="Content Placeholder 2"/>
+          <p:cNvSpPr>
+            <a:spLocks noGrp="1"/>
+          </p:cNvSpPr>
+          <p:nvPr>
+            <p:ph idx="1"/>
+          </p:nvPr>
+        </p:nvSpPr>
+        <p:spPr/>
+        <p:txBody>
+          <a:bodyPr/>
+          <a:lstStyle/>
+          <a:p>
+            <a:r>
+              <a:rPr lang="en-US">
+                <a:latin typeface="Arial" charset="0"/>
+              </a:rPr>
+              <a:t>Operators can be used either with constants or variables</a:t>
+            </a:r>
+          </a:p>
+          <a:p>
+            <a:r>
+              <a:rPr lang="en-US">
+                <a:latin typeface="Arial" charset="0"/>
+              </a:rPr>
+              <a:t>More complex statements are allowed</a:t>
+            </a:r>
+          </a:p>
+          <a:p>
+            <a:pPr lvl="1"/>
+            <a:r>
+              <a:rPr lang="en-US">
+                <a:latin typeface="Arial" charset="0"/>
+              </a:rPr>
+              <a:t>e.g. x = 1 + 2 - 3;</a:t>
+            </a:r>
+          </a:p>
+          <a:p>
+            <a:r>
+              <a:rPr lang="en-US">
+                <a:latin typeface="Arial" charset="0"/>
+              </a:rPr>
+              <a:t>Parentheses help you prioritize parts of statement</a:t>
+            </a:r>
+          </a:p>
+          <a:p>
+            <a:pPr lvl="1"/>
+            <a:r>
+              <a:rPr lang="en-US">
+                <a:latin typeface="Arial" charset="0"/>
+              </a:rPr>
+              <a:t>Makes difference with order of operations</a:t>
+            </a:r>
+          </a:p>
+          <a:p>
+            <a:pPr lvl="1"/>
+            <a:r>
+              <a:rPr lang="en-US">
+                <a:latin typeface="Arial" charset="0"/>
+              </a:rPr>
+              <a:t>x = 1 + 2 * 3</a:t>
+            </a:r>
+          </a:p>
+          <a:p>
+            <a:pPr lvl="1">
+              <a:buFont typeface="Wingdings" charset="0"/>
+              <a:buNone/>
+            </a:pPr>
+            <a:r>
+              <a:rPr lang="en-US">
+                <a:latin typeface="Arial" charset="0"/>
+              </a:rPr>
+              <a:t>			is different than</a:t>
+            </a:r>
+          </a:p>
+          <a:p>
+            <a:pPr lvl="1">
+              <a:buFont typeface="Wingdings" charset="0"/>
+              <a:buNone/>
+            </a:pPr>
+            <a:r>
+              <a:rPr lang="en-US">
+                <a:latin typeface="Arial" charset="0"/>
+              </a:rPr>
+              <a:t>	x = (1 + 2) * 3</a:t>
+            </a:r>
+          </a:p>
+        </p:txBody>
+      </p:sp>
+      <p:sp>
+        <p:nvSpPr>
+          <p:cNvPr id="4" name="Date Placeholder 3"/>
+          <p:cNvSpPr>
+            <a:spLocks noGrp="1"/>
+          </p:cNvSpPr>
+          <p:nvPr>
+            <p:ph type="dt" sz="quarter" idx="10"/>
+          </p:nvPr>
+        </p:nvSpPr>
+        <p:spPr/>
+        <p:txBody>
+          <a:bodyPr/>
+          <a:lstStyle>
+            <a:lvl1pPr eaLnBrk="0" hangingPunct="0">
+              <a:defRPr>
+                <a:solidFill>
+                  <a:schemeClr val="tx1"/>
+                </a:solidFill>
+                <a:latin typeface="Arial" charset="0"/>
+                <a:ea typeface="ＭＳ Ｐゴシック" charset="0"/>
+                <a:cs typeface="Arial" charset="0"/>
+              </a:defRPr>
+            </a:lvl1pPr>
+            <a:lvl2pPr marL="742950" indent="-285750" eaLnBrk="0" hangingPunct="0">
+              <a:defRPr>
+                <a:solidFill>
+                  <a:schemeClr val="tx1"/>
+                </a:solidFill>
+                <a:latin typeface="Arial" charset="0"/>
+                <a:ea typeface="Arial" charset="0"/>
+                <a:cs typeface="Arial" charset="0"/>
+              </a:defRPr>
+            </a:lvl2pPr>
+            <a:lvl3pPr marL="1143000" indent="-228600" eaLnBrk="0" hangingPunct="0">
+              <a:defRPr>
+                <a:solidFill>
+                  <a:schemeClr val="tx1"/>
+                </a:solidFill>
+                <a:latin typeface="Arial" charset="0"/>
+                <a:ea typeface="Arial" charset="0"/>
+                <a:cs typeface="Arial" charset="0"/>
+              </a:defRPr>
+            </a:lvl3pPr>
+            <a:lvl4pPr marL="1600200" indent="-228600" eaLnBrk="0" hangingPunct="0">
+              <a:defRPr>
+                <a:solidFill>
+                  <a:schemeClr val="tx1"/>
+                </a:solidFill>
+                <a:latin typeface="Arial" charset="0"/>
+                <a:ea typeface="Arial" charset="0"/>
+                <a:cs typeface="Arial" charset="0"/>
+              </a:defRPr>
+            </a:lvl4pPr>
+            <a:lvl5pPr marL="2057400" indent="-228600" eaLnBrk="0" hangingPunct="0">
+              <a:defRPr>
+                <a:solidFill>
+                  <a:schemeClr val="tx1"/>
+                </a:solidFill>
+                <a:latin typeface="Arial" charset="0"/>
+                <a:ea typeface="Arial" charset="0"/>
+                <a:cs typeface="Arial" charset="0"/>
+              </a:defRPr>
+            </a:lvl5pPr>
+            <a:lvl6pPr marL="2514600" indent="-228600" eaLnBrk="0" fontAlgn="base" hangingPunct="0">
+              <a:spcBef>
+                <a:spcPct val="0"/>
+              </a:spcBef>
+              <a:spcAft>
+                <a:spcPct val="0"/>
+              </a:spcAft>
+              <a:defRPr>
+                <a:solidFill>
+                  <a:schemeClr val="tx1"/>
+                </a:solidFill>
+                <a:latin typeface="Arial" charset="0"/>
+                <a:ea typeface="Arial" charset="0"/>
+                <a:cs typeface="Arial" charset="0"/>
+              </a:defRPr>
+            </a:lvl6pPr>
+            <a:lvl7pPr marL="2971800" indent="-228600" eaLnBrk="0" fontAlgn="base" hangingPunct="0">
+              <a:spcBef>
+                <a:spcPct val="0"/>
+              </a:spcBef>
+              <a:spcAft>
+                <a:spcPct val="0"/>
+              </a:spcAft>
+              <a:defRPr>
+                <a:solidFill>
+                  <a:schemeClr val="tx1"/>
+                </a:solidFill>
+                <a:latin typeface="Arial" charset="0"/>
+                <a:ea typeface="Arial" charset="0"/>
+                <a:cs typeface="Arial" charset="0"/>
+              </a:defRPr>
+            </a:lvl7pPr>
+            <a:lvl8pPr marL="3429000" indent="-228600" eaLnBrk="0" fontAlgn="base" hangingPunct="0">
+              <a:spcBef>
+                <a:spcPct val="0"/>
+              </a:spcBef>
+              <a:spcAft>
+                <a:spcPct val="0"/>
+              </a:spcAft>
+              <a:defRPr>
+                <a:solidFill>
+                  <a:schemeClr val="tx1"/>
+                </a:solidFill>
+                <a:latin typeface="Arial" charset="0"/>
+                <a:ea typeface="Arial" charset="0"/>
+                <a:cs typeface="Arial" charset="0"/>
+              </a:defRPr>
+            </a:lvl8pPr>
+            <a:lvl9pPr marL="3886200" indent="-228600" eaLnBrk="0" fontAlgn="base" hangingPunct="0">
+              <a:spcBef>
+                <a:spcPct val="0"/>
+              </a:spcBef>
+              <a:spcAft>
+                <a:spcPct val="0"/>
+              </a:spcAft>
+              <a:defRPr>
+                <a:solidFill>
+                  <a:schemeClr val="tx1"/>
+                </a:solidFill>
+                <a:latin typeface="Arial" charset="0"/>
+                <a:ea typeface="Arial" charset="0"/>
+                <a:cs typeface="Arial" charset="0"/>
+              </a:defRPr>
+            </a:lvl9pPr>
+          </a:lstStyle>
+          <a:p>
+            <a:pPr eaLnBrk="1" hangingPunct="1"/>
+            <a:fld id="{C93871C3-4332-F545-815F-A58D5D3CF21C}" type="datetime1">
+              <a:rPr lang="en-US" smtClean="0">
+                <a:latin typeface="Garamond" charset="0"/>
+              </a:rPr>
+              <a:t>2/21/2018</a:t>
+            </a:fld>
+            <a:endParaRPr lang="en-US">
+              <a:latin typeface="Garamond" charset="0"/>
+            </a:endParaRPr>
+          </a:p>
+        </p:txBody>
+      </p:sp>
+      <p:sp>
+        <p:nvSpPr>
+          <p:cNvPr id="5" name="Footer Placeholder 4"/>
+          <p:cNvSpPr>
+            <a:spLocks noGrp="1"/>
+          </p:cNvSpPr>
+          <p:nvPr>
+            <p:ph type="ftr" sz="quarter" idx="11"/>
+          </p:nvPr>
+        </p:nvSpPr>
+        <p:spPr/>
+        <p:txBody>
+          <a:bodyPr/>
+          <a:lstStyle/>
+          <a:p>
+            <a:pPr>
+              <a:defRPr/>
+            </a:pPr>
+            <a:r>
+              <a:rPr lang="en-US" altLang="en-US"/>
+              <a:t>ECE Application Programming: Exam 1 Preview</a:t>
+            </a:r>
+          </a:p>
+        </p:txBody>
+      </p:sp>
+      <p:sp>
+        <p:nvSpPr>
+          <p:cNvPr id="6" name="Slide Number Placeholder 5"/>
+          <p:cNvSpPr>
+            <a:spLocks noGrp="1"/>
+          </p:cNvSpPr>
+          <p:nvPr>
+            <p:ph type="sldNum" sz="quarter" idx="12"/>
+          </p:nvPr>
+        </p:nvSpPr>
+        <p:spPr/>
+        <p:txBody>
+          <a:bodyPr/>
+          <a:lstStyle>
+            <a:lvl1pPr eaLnBrk="0" hangingPunct="0">
+              <a:defRPr>
+                <a:solidFill>
+                  <a:schemeClr val="tx1"/>
+                </a:solidFill>
+                <a:latin typeface="Arial" charset="0"/>
+                <a:ea typeface="ＭＳ Ｐゴシック" charset="0"/>
+                <a:cs typeface="Arial" charset="0"/>
+              </a:defRPr>
+            </a:lvl1pPr>
+            <a:lvl2pPr marL="742950" indent="-285750" eaLnBrk="0" hangingPunct="0">
+              <a:defRPr>
+                <a:solidFill>
+                  <a:schemeClr val="tx1"/>
+                </a:solidFill>
+                <a:latin typeface="Arial" charset="0"/>
+                <a:ea typeface="Arial" charset="0"/>
+                <a:cs typeface="Arial" charset="0"/>
+              </a:defRPr>
+            </a:lvl2pPr>
+            <a:lvl3pPr marL="1143000" indent="-228600" eaLnBrk="0" hangingPunct="0">
+              <a:defRPr>
+                <a:solidFill>
+                  <a:schemeClr val="tx1"/>
+                </a:solidFill>
+                <a:latin typeface="Arial" charset="0"/>
+                <a:ea typeface="Arial" charset="0"/>
+                <a:cs typeface="Arial" charset="0"/>
+              </a:defRPr>
+            </a:lvl3pPr>
+            <a:lvl4pPr marL="1600200" indent="-228600" eaLnBrk="0" hangingPunct="0">
+              <a:defRPr>
+                <a:solidFill>
+                  <a:schemeClr val="tx1"/>
+                </a:solidFill>
+                <a:latin typeface="Arial" charset="0"/>
+                <a:ea typeface="Arial" charset="0"/>
+                <a:cs typeface="Arial" charset="0"/>
+              </a:defRPr>
+            </a:lvl4pPr>
+            <a:lvl5pPr marL="2057400" indent="-228600" eaLnBrk="0" hangingPunct="0">
+              <a:defRPr>
+                <a:solidFill>
+                  <a:schemeClr val="tx1"/>
+                </a:solidFill>
+                <a:latin typeface="Arial" charset="0"/>
+                <a:ea typeface="Arial" charset="0"/>
+                <a:cs typeface="Arial" charset="0"/>
+              </a:defRPr>
+            </a:lvl5pPr>
+            <a:lvl6pPr marL="2514600" indent="-228600" eaLnBrk="0" fontAlgn="base" hangingPunct="0">
+              <a:spcBef>
+                <a:spcPct val="0"/>
+              </a:spcBef>
+              <a:spcAft>
+                <a:spcPct val="0"/>
+              </a:spcAft>
+              <a:defRPr>
+                <a:solidFill>
+                  <a:schemeClr val="tx1"/>
+                </a:solidFill>
+                <a:latin typeface="Arial" charset="0"/>
+                <a:ea typeface="Arial" charset="0"/>
+                <a:cs typeface="Arial" charset="0"/>
+              </a:defRPr>
+            </a:lvl6pPr>
+            <a:lvl7pPr marL="2971800" indent="-228600" eaLnBrk="0" fontAlgn="base" hangingPunct="0">
+              <a:spcBef>
+                <a:spcPct val="0"/>
+              </a:spcBef>
+              <a:spcAft>
+                <a:spcPct val="0"/>
+              </a:spcAft>
+              <a:defRPr>
+                <a:solidFill>
+                  <a:schemeClr val="tx1"/>
+                </a:solidFill>
+                <a:latin typeface="Arial" charset="0"/>
+                <a:ea typeface="Arial" charset="0"/>
+                <a:cs typeface="Arial" charset="0"/>
+              </a:defRPr>
+            </a:lvl7pPr>
+            <a:lvl8pPr marL="3429000" indent="-228600" eaLnBrk="0" fontAlgn="base" hangingPunct="0">
+              <a:spcBef>
+                <a:spcPct val="0"/>
+              </a:spcBef>
+              <a:spcAft>
+                <a:spcPct val="0"/>
+              </a:spcAft>
+              <a:defRPr>
+                <a:solidFill>
+                  <a:schemeClr val="tx1"/>
+                </a:solidFill>
+                <a:latin typeface="Arial" charset="0"/>
+                <a:ea typeface="Arial" charset="0"/>
+                <a:cs typeface="Arial" charset="0"/>
+              </a:defRPr>
+            </a:lvl8pPr>
+            <a:lvl9pPr marL="3886200" indent="-228600" eaLnBrk="0" fontAlgn="base" hangingPunct="0">
+              <a:spcBef>
+                <a:spcPct val="0"/>
+              </a:spcBef>
+              <a:spcAft>
+                <a:spcPct val="0"/>
+              </a:spcAft>
+              <a:defRPr>
+                <a:solidFill>
+                  <a:schemeClr val="tx1"/>
+                </a:solidFill>
+                <a:latin typeface="Arial" charset="0"/>
+                <a:ea typeface="Arial" charset="0"/>
+                <a:cs typeface="Arial" charset="0"/>
+              </a:defRPr>
+            </a:lvl9pPr>
+          </a:lstStyle>
+          <a:p>
+            <a:pPr eaLnBrk="1" hangingPunct="1"/>
+            <a:fld id="{228AC5AE-A358-C84A-AB6D-373BEA2E6378}" type="slidenum">
+              <a:rPr lang="en-US">
+                <a:latin typeface="Garamond" charset="0"/>
+              </a:rPr>
+              <a:pPr eaLnBrk="1" hangingPunct="1"/>
+              <a:t>9</a:t>
+            </a:fld>
+            <a:endParaRPr lang="en-US">
+              <a:latin typeface="Garamond" charset="0"/>
+            </a:endParaRPr>
+          </a:p>
+        </p:txBody>
+      </p:sp>
+    </p:spTree>
+  </p:cSld>
+  <p:clrMapOvr>
+    <a:masterClrMapping/>
+  </p:clrMapOvr>
+  <p:timing>
+    <p:tnLst>
+      <p:par>
+        <p:cTn id="1" dur="indefinite" restart="never" nodeType="tmRoot"/>
       </p:par>
     </p:tnLst>
   </p:timing>
